--- a/springboot/SpringBoot-redis/src/main/resources/ppt/项目管理.pptx
+++ b/springboot/SpringBoot-redis/src/main/resources/ppt/项目管理.pptx
@@ -80,27 +80,61 @@
     <p:sldId id="342" r:id="rId75"/>
     <p:sldId id="343" r:id="rId76"/>
     <p:sldId id="344" r:id="rId77"/>
-    <p:sldId id="345" r:id="rId78"/>
-    <p:sldId id="346" r:id="rId79"/>
-    <p:sldId id="347" r:id="rId80"/>
-    <p:sldId id="348" r:id="rId81"/>
-    <p:sldId id="349" r:id="rId82"/>
-    <p:sldId id="350" r:id="rId83"/>
-    <p:sldId id="351" r:id="rId84"/>
-    <p:sldId id="352" r:id="rId85"/>
-    <p:sldId id="353" r:id="rId86"/>
-    <p:sldId id="354" r:id="rId87"/>
-    <p:sldId id="355" r:id="rId88"/>
-    <p:sldId id="356" r:id="rId89"/>
-    <p:sldId id="357" r:id="rId90"/>
-    <p:sldId id="358" r:id="rId91"/>
-    <p:sldId id="359" r:id="rId92"/>
-    <p:sldId id="360" r:id="rId93"/>
+    <p:sldId id="346" r:id="rId78"/>
+    <p:sldId id="347" r:id="rId79"/>
+    <p:sldId id="349" r:id="rId80"/>
+    <p:sldId id="350" r:id="rId81"/>
+    <p:sldId id="351" r:id="rId82"/>
+    <p:sldId id="348" r:id="rId83"/>
+    <p:sldId id="352" r:id="rId84"/>
+    <p:sldId id="353" r:id="rId85"/>
+    <p:sldId id="354" r:id="rId86"/>
+    <p:sldId id="355" r:id="rId87"/>
+    <p:sldId id="356" r:id="rId88"/>
+    <p:sldId id="357" r:id="rId89"/>
+    <p:sldId id="358" r:id="rId90"/>
+    <p:sldId id="359" r:id="rId91"/>
+    <p:sldId id="360" r:id="rId92"/>
+    <p:sldId id="345" r:id="rId93"/>
+    <p:sldId id="363" r:id="rId94"/>
+    <p:sldId id="364" r:id="rId95"/>
+    <p:sldId id="365" r:id="rId96"/>
+    <p:sldId id="366" r:id="rId97"/>
+    <p:sldId id="367" r:id="rId98"/>
+    <p:sldId id="368" r:id="rId99"/>
+    <p:sldId id="369" r:id="rId100"/>
+    <p:sldId id="370" r:id="rId101"/>
+    <p:sldId id="371" r:id="rId102"/>
+    <p:sldId id="372" r:id="rId103"/>
+    <p:sldId id="373" r:id="rId104"/>
+    <p:sldId id="374" r:id="rId105"/>
+    <p:sldId id="375" r:id="rId106"/>
+    <p:sldId id="376" r:id="rId107"/>
+    <p:sldId id="377" r:id="rId108"/>
+    <p:sldId id="378" r:id="rId109"/>
+    <p:sldId id="379" r:id="rId110"/>
+    <p:sldId id="380" r:id="rId111"/>
+    <p:sldId id="381" r:id="rId112"/>
+    <p:sldId id="382" r:id="rId113"/>
+    <p:sldId id="383" r:id="rId114"/>
+    <p:sldId id="384" r:id="rId115"/>
+    <p:sldId id="385" r:id="rId116"/>
+    <p:sldId id="386" r:id="rId117"/>
+    <p:sldId id="387" r:id="rId118"/>
+    <p:sldId id="388" r:id="rId119"/>
+    <p:sldId id="389" r:id="rId120"/>
+    <p:sldId id="390" r:id="rId121"/>
+    <p:sldId id="391" r:id="rId122"/>
+    <p:sldId id="392" r:id="rId123"/>
+    <p:sldId id="393" r:id="rId124"/>
+    <p:sldId id="394" r:id="rId125"/>
+    <p:sldId id="395" r:id="rId126"/>
+    <p:sldId id="396" r:id="rId127"/>
   </p:sldIdLst>
   <p:sldSz cx="9144000" cy="6858000" type="screen4x3"/>
   <p:notesSz cx="6858000" cy="9144000"/>
   <p:custDataLst>
-    <p:tags r:id="rId97"/>
+    <p:tags r:id="rId131"/>
   </p:custDataLst>
   <p:defaultTextStyle>
     <a:defPPr>
@@ -6714,6 +6748,806 @@
 </p:sld>
 </file>
 
+<file path=ppt/slides/slide100.xml><?xml version="1.0" encoding="utf-8"?>
+<p:sld xmlns:a="http://schemas.openxmlformats.org/drawingml/2006/main" xmlns:r="http://schemas.openxmlformats.org/officeDocument/2006/relationships" xmlns:p="http://schemas.openxmlformats.org/presentationml/2006/main">
+  <p:cSld>
+    <p:spTree>
+      <p:nvGrpSpPr>
+        <p:cNvPr id="1" name=""/>
+        <p:cNvGrpSpPr/>
+        <p:nvPr/>
+      </p:nvGrpSpPr>
+      <p:grpSpPr/>
+      <p:sp>
+        <p:nvSpPr>
+          <p:cNvPr id="2" name="标题 1"/>
+          <p:cNvSpPr>
+            <a:spLocks noGrp="1"/>
+          </p:cNvSpPr>
+          <p:nvPr>
+            <p:ph type="ctrTitle"/>
+          </p:nvPr>
+        </p:nvSpPr>
+        <p:spPr>
+          <a:xfrm>
+            <a:off x="1187450" y="548640"/>
+            <a:ext cx="6858000" cy="878840"/>
+          </a:xfrm>
+        </p:spPr>
+        <p:txBody>
+          <a:bodyPr/>
+          <a:p>
+            <a:r>
+              <a:rPr lang="zh-CN" altLang="en-US"/>
+              <a:t>创建</a:t>
+            </a:r>
+            <a:r>
+              <a:rPr lang="en-US" altLang="zh-CN"/>
+              <a:t>WBS---</a:t>
+            </a:r>
+            <a:r>
+              <a:rPr lang="zh-CN" altLang="en-US"/>
+              <a:t>输出</a:t>
+            </a:r>
+            <a:endParaRPr lang="zh-CN" altLang="en-US"/>
+          </a:p>
+        </p:txBody>
+      </p:sp>
+      <p:sp>
+        <p:nvSpPr>
+          <p:cNvPr id="3" name="副标题 2"/>
+          <p:cNvSpPr>
+            <a:spLocks noGrp="1"/>
+          </p:cNvSpPr>
+          <p:nvPr>
+            <p:ph type="subTitle" idx="1"/>
+          </p:nvPr>
+        </p:nvSpPr>
+        <p:spPr>
+          <a:xfrm>
+            <a:off x="1143000" y="1722120"/>
+            <a:ext cx="6858000" cy="3535680"/>
+          </a:xfrm>
+        </p:spPr>
+        <p:txBody>
+          <a:bodyPr/>
+          <a:p>
+            <a:pPr marL="285750" indent="-285750" algn="l">
+              <a:buFont typeface="Arial" panose="020B0604020202020204" pitchFamily="34" charset="0"/>
+              <a:buChar char="•"/>
+            </a:pPr>
+            <a:endParaRPr lang="zh-CN" altLang="en-US"/>
+          </a:p>
+        </p:txBody>
+      </p:sp>
+    </p:spTree>
+  </p:cSld>
+  <p:clrMapOvr>
+    <a:masterClrMapping/>
+  </p:clrMapOvr>
+</p:sld>
+</file>
+
+<file path=ppt/slides/slide101.xml><?xml version="1.0" encoding="utf-8"?>
+<p:sld xmlns:a="http://schemas.openxmlformats.org/drawingml/2006/main" xmlns:r="http://schemas.openxmlformats.org/officeDocument/2006/relationships" xmlns:p="http://schemas.openxmlformats.org/presentationml/2006/main">
+  <p:cSld>
+    <p:spTree>
+      <p:nvGrpSpPr>
+        <p:cNvPr id="1" name=""/>
+        <p:cNvGrpSpPr/>
+        <p:nvPr/>
+      </p:nvGrpSpPr>
+      <p:grpSpPr/>
+      <p:sp>
+        <p:nvSpPr>
+          <p:cNvPr id="2" name="标题 1"/>
+          <p:cNvSpPr>
+            <a:spLocks noGrp="1"/>
+          </p:cNvSpPr>
+          <p:nvPr>
+            <p:ph type="ctrTitle"/>
+          </p:nvPr>
+        </p:nvSpPr>
+        <p:spPr>
+          <a:xfrm>
+            <a:off x="1187450" y="548640"/>
+            <a:ext cx="6858000" cy="878840"/>
+          </a:xfrm>
+        </p:spPr>
+        <p:txBody>
+          <a:bodyPr/>
+          <a:p>
+            <a:r>
+              <a:rPr lang="zh-CN" altLang="en-US"/>
+              <a:t>创建</a:t>
+            </a:r>
+            <a:r>
+              <a:rPr lang="en-US" altLang="zh-CN"/>
+              <a:t>WBS---</a:t>
+            </a:r>
+            <a:r>
+              <a:rPr lang="zh-CN" altLang="en-US"/>
+              <a:t>输出</a:t>
+            </a:r>
+            <a:endParaRPr lang="zh-CN" altLang="en-US"/>
+          </a:p>
+        </p:txBody>
+      </p:sp>
+      <p:sp>
+        <p:nvSpPr>
+          <p:cNvPr id="3" name="副标题 2"/>
+          <p:cNvSpPr>
+            <a:spLocks noGrp="1"/>
+          </p:cNvSpPr>
+          <p:nvPr>
+            <p:ph type="subTitle" idx="1"/>
+          </p:nvPr>
+        </p:nvSpPr>
+        <p:spPr>
+          <a:xfrm>
+            <a:off x="1143000" y="1722120"/>
+            <a:ext cx="6858000" cy="3535680"/>
+          </a:xfrm>
+        </p:spPr>
+        <p:txBody>
+          <a:bodyPr/>
+          <a:p>
+            <a:pPr marL="285750" indent="-285750" algn="l">
+              <a:buFont typeface="Arial" panose="020B0604020202020204" pitchFamily="34" charset="0"/>
+              <a:buChar char="•"/>
+            </a:pPr>
+            <a:endParaRPr lang="zh-CN" altLang="en-US"/>
+          </a:p>
+        </p:txBody>
+      </p:sp>
+    </p:spTree>
+  </p:cSld>
+  <p:clrMapOvr>
+    <a:masterClrMapping/>
+  </p:clrMapOvr>
+</p:sld>
+</file>
+
+<file path=ppt/slides/slide102.xml><?xml version="1.0" encoding="utf-8"?>
+<p:sld xmlns:a="http://schemas.openxmlformats.org/drawingml/2006/main" xmlns:r="http://schemas.openxmlformats.org/officeDocument/2006/relationships" xmlns:p="http://schemas.openxmlformats.org/presentationml/2006/main">
+  <p:cSld>
+    <p:spTree>
+      <p:nvGrpSpPr>
+        <p:cNvPr id="1" name=""/>
+        <p:cNvGrpSpPr/>
+        <p:nvPr/>
+      </p:nvGrpSpPr>
+      <p:grpSpPr/>
+      <p:sp>
+        <p:nvSpPr>
+          <p:cNvPr id="2" name="标题 1"/>
+          <p:cNvSpPr>
+            <a:spLocks noGrp="1"/>
+          </p:cNvSpPr>
+          <p:nvPr>
+            <p:ph type="ctrTitle"/>
+          </p:nvPr>
+        </p:nvSpPr>
+        <p:spPr>
+          <a:xfrm>
+            <a:off x="1187450" y="548640"/>
+            <a:ext cx="6858000" cy="878840"/>
+          </a:xfrm>
+        </p:spPr>
+        <p:txBody>
+          <a:bodyPr/>
+          <a:p>
+            <a:r>
+              <a:rPr lang="zh-CN" altLang="en-US"/>
+              <a:t>创建</a:t>
+            </a:r>
+            <a:r>
+              <a:rPr lang="en-US" altLang="zh-CN"/>
+              <a:t>WBS---</a:t>
+            </a:r>
+            <a:r>
+              <a:rPr lang="zh-CN" altLang="en-US"/>
+              <a:t>输出</a:t>
+            </a:r>
+            <a:endParaRPr lang="zh-CN" altLang="en-US"/>
+          </a:p>
+        </p:txBody>
+      </p:sp>
+      <p:sp>
+        <p:nvSpPr>
+          <p:cNvPr id="3" name="副标题 2"/>
+          <p:cNvSpPr>
+            <a:spLocks noGrp="1"/>
+          </p:cNvSpPr>
+          <p:nvPr>
+            <p:ph type="subTitle" idx="1"/>
+          </p:nvPr>
+        </p:nvSpPr>
+        <p:spPr>
+          <a:xfrm>
+            <a:off x="1143000" y="1722120"/>
+            <a:ext cx="6858000" cy="3535680"/>
+          </a:xfrm>
+        </p:spPr>
+        <p:txBody>
+          <a:bodyPr/>
+          <a:p>
+            <a:pPr marL="285750" indent="-285750" algn="l">
+              <a:buFont typeface="Arial" panose="020B0604020202020204" pitchFamily="34" charset="0"/>
+              <a:buChar char="•"/>
+            </a:pPr>
+            <a:endParaRPr lang="zh-CN" altLang="en-US"/>
+          </a:p>
+        </p:txBody>
+      </p:sp>
+    </p:spTree>
+  </p:cSld>
+  <p:clrMapOvr>
+    <a:masterClrMapping/>
+  </p:clrMapOvr>
+</p:sld>
+</file>
+
+<file path=ppt/slides/slide103.xml><?xml version="1.0" encoding="utf-8"?>
+<p:sld xmlns:a="http://schemas.openxmlformats.org/drawingml/2006/main" xmlns:r="http://schemas.openxmlformats.org/officeDocument/2006/relationships" xmlns:p="http://schemas.openxmlformats.org/presentationml/2006/main">
+  <p:cSld>
+    <p:spTree>
+      <p:nvGrpSpPr>
+        <p:cNvPr id="1" name=""/>
+        <p:cNvGrpSpPr/>
+        <p:nvPr/>
+      </p:nvGrpSpPr>
+      <p:grpSpPr/>
+      <p:sp>
+        <p:nvSpPr>
+          <p:cNvPr id="2" name="标题 1"/>
+          <p:cNvSpPr>
+            <a:spLocks noGrp="1"/>
+          </p:cNvSpPr>
+          <p:nvPr>
+            <p:ph type="ctrTitle"/>
+          </p:nvPr>
+        </p:nvSpPr>
+        <p:spPr>
+          <a:xfrm>
+            <a:off x="1187450" y="548640"/>
+            <a:ext cx="6858000" cy="878840"/>
+          </a:xfrm>
+        </p:spPr>
+        <p:txBody>
+          <a:bodyPr/>
+          <a:p>
+            <a:r>
+              <a:rPr lang="zh-CN" altLang="en-US"/>
+              <a:t>创建</a:t>
+            </a:r>
+            <a:r>
+              <a:rPr lang="en-US" altLang="zh-CN"/>
+              <a:t>WBS---</a:t>
+            </a:r>
+            <a:r>
+              <a:rPr lang="zh-CN" altLang="en-US"/>
+              <a:t>输出</a:t>
+            </a:r>
+            <a:endParaRPr lang="zh-CN" altLang="en-US"/>
+          </a:p>
+        </p:txBody>
+      </p:sp>
+      <p:sp>
+        <p:nvSpPr>
+          <p:cNvPr id="3" name="副标题 2"/>
+          <p:cNvSpPr>
+            <a:spLocks noGrp="1"/>
+          </p:cNvSpPr>
+          <p:nvPr>
+            <p:ph type="subTitle" idx="1"/>
+          </p:nvPr>
+        </p:nvSpPr>
+        <p:spPr>
+          <a:xfrm>
+            <a:off x="1143000" y="1722120"/>
+            <a:ext cx="6858000" cy="3535680"/>
+          </a:xfrm>
+        </p:spPr>
+        <p:txBody>
+          <a:bodyPr/>
+          <a:p>
+            <a:pPr marL="285750" indent="-285750" algn="l">
+              <a:buFont typeface="Arial" panose="020B0604020202020204" pitchFamily="34" charset="0"/>
+              <a:buChar char="•"/>
+            </a:pPr>
+            <a:endParaRPr lang="zh-CN" altLang="en-US"/>
+          </a:p>
+        </p:txBody>
+      </p:sp>
+    </p:spTree>
+  </p:cSld>
+  <p:clrMapOvr>
+    <a:masterClrMapping/>
+  </p:clrMapOvr>
+</p:sld>
+</file>
+
+<file path=ppt/slides/slide104.xml><?xml version="1.0" encoding="utf-8"?>
+<p:sld xmlns:a="http://schemas.openxmlformats.org/drawingml/2006/main" xmlns:r="http://schemas.openxmlformats.org/officeDocument/2006/relationships" xmlns:p="http://schemas.openxmlformats.org/presentationml/2006/main">
+  <p:cSld>
+    <p:spTree>
+      <p:nvGrpSpPr>
+        <p:cNvPr id="1" name=""/>
+        <p:cNvGrpSpPr/>
+        <p:nvPr/>
+      </p:nvGrpSpPr>
+      <p:grpSpPr/>
+      <p:sp>
+        <p:nvSpPr>
+          <p:cNvPr id="2" name="标题 1"/>
+          <p:cNvSpPr>
+            <a:spLocks noGrp="1"/>
+          </p:cNvSpPr>
+          <p:nvPr>
+            <p:ph type="ctrTitle"/>
+          </p:nvPr>
+        </p:nvSpPr>
+        <p:spPr>
+          <a:xfrm>
+            <a:off x="1187450" y="548640"/>
+            <a:ext cx="6858000" cy="878840"/>
+          </a:xfrm>
+        </p:spPr>
+        <p:txBody>
+          <a:bodyPr/>
+          <a:p>
+            <a:r>
+              <a:rPr lang="zh-CN" altLang="en-US"/>
+              <a:t>创建</a:t>
+            </a:r>
+            <a:r>
+              <a:rPr lang="en-US" altLang="zh-CN"/>
+              <a:t>WBS---</a:t>
+            </a:r>
+            <a:r>
+              <a:rPr lang="zh-CN" altLang="en-US"/>
+              <a:t>输出</a:t>
+            </a:r>
+            <a:endParaRPr lang="zh-CN" altLang="en-US"/>
+          </a:p>
+        </p:txBody>
+      </p:sp>
+      <p:sp>
+        <p:nvSpPr>
+          <p:cNvPr id="3" name="副标题 2"/>
+          <p:cNvSpPr>
+            <a:spLocks noGrp="1"/>
+          </p:cNvSpPr>
+          <p:nvPr>
+            <p:ph type="subTitle" idx="1"/>
+          </p:nvPr>
+        </p:nvSpPr>
+        <p:spPr>
+          <a:xfrm>
+            <a:off x="1143000" y="1722120"/>
+            <a:ext cx="6858000" cy="3535680"/>
+          </a:xfrm>
+        </p:spPr>
+        <p:txBody>
+          <a:bodyPr/>
+          <a:p>
+            <a:pPr marL="285750" indent="-285750" algn="l">
+              <a:buFont typeface="Arial" panose="020B0604020202020204" pitchFamily="34" charset="0"/>
+              <a:buChar char="•"/>
+            </a:pPr>
+            <a:endParaRPr lang="zh-CN" altLang="en-US"/>
+          </a:p>
+        </p:txBody>
+      </p:sp>
+    </p:spTree>
+  </p:cSld>
+  <p:clrMapOvr>
+    <a:masterClrMapping/>
+  </p:clrMapOvr>
+</p:sld>
+</file>
+
+<file path=ppt/slides/slide105.xml><?xml version="1.0" encoding="utf-8"?>
+<p:sld xmlns:a="http://schemas.openxmlformats.org/drawingml/2006/main" xmlns:r="http://schemas.openxmlformats.org/officeDocument/2006/relationships" xmlns:p="http://schemas.openxmlformats.org/presentationml/2006/main">
+  <p:cSld>
+    <p:spTree>
+      <p:nvGrpSpPr>
+        <p:cNvPr id="1" name=""/>
+        <p:cNvGrpSpPr/>
+        <p:nvPr/>
+      </p:nvGrpSpPr>
+      <p:grpSpPr/>
+      <p:sp>
+        <p:nvSpPr>
+          <p:cNvPr id="2" name="标题 1"/>
+          <p:cNvSpPr>
+            <a:spLocks noGrp="1"/>
+          </p:cNvSpPr>
+          <p:nvPr>
+            <p:ph type="ctrTitle"/>
+          </p:nvPr>
+        </p:nvSpPr>
+        <p:spPr>
+          <a:xfrm>
+            <a:off x="1187450" y="548640"/>
+            <a:ext cx="6858000" cy="878840"/>
+          </a:xfrm>
+        </p:spPr>
+        <p:txBody>
+          <a:bodyPr/>
+          <a:p>
+            <a:r>
+              <a:rPr lang="zh-CN" altLang="en-US"/>
+              <a:t>创建</a:t>
+            </a:r>
+            <a:r>
+              <a:rPr lang="en-US" altLang="zh-CN"/>
+              <a:t>WBS---</a:t>
+            </a:r>
+            <a:r>
+              <a:rPr lang="zh-CN" altLang="en-US"/>
+              <a:t>输出</a:t>
+            </a:r>
+            <a:endParaRPr lang="zh-CN" altLang="en-US"/>
+          </a:p>
+        </p:txBody>
+      </p:sp>
+      <p:sp>
+        <p:nvSpPr>
+          <p:cNvPr id="3" name="副标题 2"/>
+          <p:cNvSpPr>
+            <a:spLocks noGrp="1"/>
+          </p:cNvSpPr>
+          <p:nvPr>
+            <p:ph type="subTitle" idx="1"/>
+          </p:nvPr>
+        </p:nvSpPr>
+        <p:spPr>
+          <a:xfrm>
+            <a:off x="1143000" y="1722120"/>
+            <a:ext cx="6858000" cy="3535680"/>
+          </a:xfrm>
+        </p:spPr>
+        <p:txBody>
+          <a:bodyPr/>
+          <a:p>
+            <a:pPr marL="285750" indent="-285750" algn="l">
+              <a:buFont typeface="Arial" panose="020B0604020202020204" pitchFamily="34" charset="0"/>
+              <a:buChar char="•"/>
+            </a:pPr>
+            <a:endParaRPr lang="zh-CN" altLang="en-US"/>
+          </a:p>
+        </p:txBody>
+      </p:sp>
+    </p:spTree>
+  </p:cSld>
+  <p:clrMapOvr>
+    <a:masterClrMapping/>
+  </p:clrMapOvr>
+</p:sld>
+</file>
+
+<file path=ppt/slides/slide106.xml><?xml version="1.0" encoding="utf-8"?>
+<p:sld xmlns:a="http://schemas.openxmlformats.org/drawingml/2006/main" xmlns:r="http://schemas.openxmlformats.org/officeDocument/2006/relationships" xmlns:p="http://schemas.openxmlformats.org/presentationml/2006/main">
+  <p:cSld>
+    <p:spTree>
+      <p:nvGrpSpPr>
+        <p:cNvPr id="1" name=""/>
+        <p:cNvGrpSpPr/>
+        <p:nvPr/>
+      </p:nvGrpSpPr>
+      <p:grpSpPr/>
+      <p:sp>
+        <p:nvSpPr>
+          <p:cNvPr id="2" name="标题 1"/>
+          <p:cNvSpPr>
+            <a:spLocks noGrp="1"/>
+          </p:cNvSpPr>
+          <p:nvPr>
+            <p:ph type="ctrTitle"/>
+          </p:nvPr>
+        </p:nvSpPr>
+        <p:spPr>
+          <a:xfrm>
+            <a:off x="1187450" y="548640"/>
+            <a:ext cx="6858000" cy="878840"/>
+          </a:xfrm>
+        </p:spPr>
+        <p:txBody>
+          <a:bodyPr/>
+          <a:p>
+            <a:r>
+              <a:rPr lang="zh-CN" altLang="en-US"/>
+              <a:t>创建</a:t>
+            </a:r>
+            <a:r>
+              <a:rPr lang="en-US" altLang="zh-CN"/>
+              <a:t>WBS---</a:t>
+            </a:r>
+            <a:r>
+              <a:rPr lang="zh-CN" altLang="en-US"/>
+              <a:t>输出</a:t>
+            </a:r>
+            <a:endParaRPr lang="zh-CN" altLang="en-US"/>
+          </a:p>
+        </p:txBody>
+      </p:sp>
+      <p:sp>
+        <p:nvSpPr>
+          <p:cNvPr id="3" name="副标题 2"/>
+          <p:cNvSpPr>
+            <a:spLocks noGrp="1"/>
+          </p:cNvSpPr>
+          <p:nvPr>
+            <p:ph type="subTitle" idx="1"/>
+          </p:nvPr>
+        </p:nvSpPr>
+        <p:spPr>
+          <a:xfrm>
+            <a:off x="1143000" y="1722120"/>
+            <a:ext cx="6858000" cy="3535680"/>
+          </a:xfrm>
+        </p:spPr>
+        <p:txBody>
+          <a:bodyPr/>
+          <a:p>
+            <a:pPr marL="285750" indent="-285750" algn="l">
+              <a:buFont typeface="Arial" panose="020B0604020202020204" pitchFamily="34" charset="0"/>
+              <a:buChar char="•"/>
+            </a:pPr>
+            <a:endParaRPr lang="zh-CN" altLang="en-US"/>
+          </a:p>
+        </p:txBody>
+      </p:sp>
+    </p:spTree>
+  </p:cSld>
+  <p:clrMapOvr>
+    <a:masterClrMapping/>
+  </p:clrMapOvr>
+</p:sld>
+</file>
+
+<file path=ppt/slides/slide107.xml><?xml version="1.0" encoding="utf-8"?>
+<p:sld xmlns:a="http://schemas.openxmlformats.org/drawingml/2006/main" xmlns:r="http://schemas.openxmlformats.org/officeDocument/2006/relationships" xmlns:p="http://schemas.openxmlformats.org/presentationml/2006/main">
+  <p:cSld>
+    <p:spTree>
+      <p:nvGrpSpPr>
+        <p:cNvPr id="1" name=""/>
+        <p:cNvGrpSpPr/>
+        <p:nvPr/>
+      </p:nvGrpSpPr>
+      <p:grpSpPr/>
+      <p:sp>
+        <p:nvSpPr>
+          <p:cNvPr id="2" name="标题 1"/>
+          <p:cNvSpPr>
+            <a:spLocks noGrp="1"/>
+          </p:cNvSpPr>
+          <p:nvPr>
+            <p:ph type="ctrTitle"/>
+          </p:nvPr>
+        </p:nvSpPr>
+        <p:spPr>
+          <a:xfrm>
+            <a:off x="1187450" y="548640"/>
+            <a:ext cx="6858000" cy="878840"/>
+          </a:xfrm>
+        </p:spPr>
+        <p:txBody>
+          <a:bodyPr/>
+          <a:p>
+            <a:r>
+              <a:rPr lang="zh-CN" altLang="en-US"/>
+              <a:t>创建</a:t>
+            </a:r>
+            <a:r>
+              <a:rPr lang="en-US" altLang="zh-CN"/>
+              <a:t>WBS---</a:t>
+            </a:r>
+            <a:r>
+              <a:rPr lang="zh-CN" altLang="en-US"/>
+              <a:t>输出</a:t>
+            </a:r>
+            <a:endParaRPr lang="zh-CN" altLang="en-US"/>
+          </a:p>
+        </p:txBody>
+      </p:sp>
+      <p:sp>
+        <p:nvSpPr>
+          <p:cNvPr id="3" name="副标题 2"/>
+          <p:cNvSpPr>
+            <a:spLocks noGrp="1"/>
+          </p:cNvSpPr>
+          <p:nvPr>
+            <p:ph type="subTitle" idx="1"/>
+          </p:nvPr>
+        </p:nvSpPr>
+        <p:spPr>
+          <a:xfrm>
+            <a:off x="1143000" y="1722120"/>
+            <a:ext cx="6858000" cy="3535680"/>
+          </a:xfrm>
+        </p:spPr>
+        <p:txBody>
+          <a:bodyPr/>
+          <a:p>
+            <a:pPr marL="285750" indent="-285750" algn="l">
+              <a:buFont typeface="Arial" panose="020B0604020202020204" pitchFamily="34" charset="0"/>
+              <a:buChar char="•"/>
+            </a:pPr>
+            <a:endParaRPr lang="zh-CN" altLang="en-US"/>
+          </a:p>
+        </p:txBody>
+      </p:sp>
+    </p:spTree>
+  </p:cSld>
+  <p:clrMapOvr>
+    <a:masterClrMapping/>
+  </p:clrMapOvr>
+</p:sld>
+</file>
+
+<file path=ppt/slides/slide108.xml><?xml version="1.0" encoding="utf-8"?>
+<p:sld xmlns:a="http://schemas.openxmlformats.org/drawingml/2006/main" xmlns:r="http://schemas.openxmlformats.org/officeDocument/2006/relationships" xmlns:p="http://schemas.openxmlformats.org/presentationml/2006/main">
+  <p:cSld>
+    <p:spTree>
+      <p:nvGrpSpPr>
+        <p:cNvPr id="1" name=""/>
+        <p:cNvGrpSpPr/>
+        <p:nvPr/>
+      </p:nvGrpSpPr>
+      <p:grpSpPr/>
+      <p:sp>
+        <p:nvSpPr>
+          <p:cNvPr id="2" name="标题 1"/>
+          <p:cNvSpPr>
+            <a:spLocks noGrp="1"/>
+          </p:cNvSpPr>
+          <p:nvPr>
+            <p:ph type="ctrTitle"/>
+          </p:nvPr>
+        </p:nvSpPr>
+        <p:spPr>
+          <a:xfrm>
+            <a:off x="1187450" y="548640"/>
+            <a:ext cx="6858000" cy="878840"/>
+          </a:xfrm>
+        </p:spPr>
+        <p:txBody>
+          <a:bodyPr/>
+          <a:p>
+            <a:r>
+              <a:rPr lang="zh-CN" altLang="en-US"/>
+              <a:t>创建</a:t>
+            </a:r>
+            <a:r>
+              <a:rPr lang="en-US" altLang="zh-CN"/>
+              <a:t>WBS---</a:t>
+            </a:r>
+            <a:r>
+              <a:rPr lang="zh-CN" altLang="en-US"/>
+              <a:t>输出</a:t>
+            </a:r>
+            <a:endParaRPr lang="zh-CN" altLang="en-US"/>
+          </a:p>
+        </p:txBody>
+      </p:sp>
+      <p:sp>
+        <p:nvSpPr>
+          <p:cNvPr id="3" name="副标题 2"/>
+          <p:cNvSpPr>
+            <a:spLocks noGrp="1"/>
+          </p:cNvSpPr>
+          <p:nvPr>
+            <p:ph type="subTitle" idx="1"/>
+          </p:nvPr>
+        </p:nvSpPr>
+        <p:spPr>
+          <a:xfrm>
+            <a:off x="1143000" y="1722120"/>
+            <a:ext cx="6858000" cy="3535680"/>
+          </a:xfrm>
+        </p:spPr>
+        <p:txBody>
+          <a:bodyPr/>
+          <a:p>
+            <a:pPr marL="285750" indent="-285750" algn="l">
+              <a:buFont typeface="Arial" panose="020B0604020202020204" pitchFamily="34" charset="0"/>
+              <a:buChar char="•"/>
+            </a:pPr>
+            <a:endParaRPr lang="zh-CN" altLang="en-US"/>
+          </a:p>
+        </p:txBody>
+      </p:sp>
+    </p:spTree>
+  </p:cSld>
+  <p:clrMapOvr>
+    <a:masterClrMapping/>
+  </p:clrMapOvr>
+</p:sld>
+</file>
+
+<file path=ppt/slides/slide109.xml><?xml version="1.0" encoding="utf-8"?>
+<p:sld xmlns:a="http://schemas.openxmlformats.org/drawingml/2006/main" xmlns:r="http://schemas.openxmlformats.org/officeDocument/2006/relationships" xmlns:p="http://schemas.openxmlformats.org/presentationml/2006/main">
+  <p:cSld>
+    <p:spTree>
+      <p:nvGrpSpPr>
+        <p:cNvPr id="1" name=""/>
+        <p:cNvGrpSpPr/>
+        <p:nvPr/>
+      </p:nvGrpSpPr>
+      <p:grpSpPr/>
+      <p:sp>
+        <p:nvSpPr>
+          <p:cNvPr id="2" name="标题 1"/>
+          <p:cNvSpPr>
+            <a:spLocks noGrp="1"/>
+          </p:cNvSpPr>
+          <p:nvPr>
+            <p:ph type="ctrTitle"/>
+          </p:nvPr>
+        </p:nvSpPr>
+        <p:spPr>
+          <a:xfrm>
+            <a:off x="1187450" y="548640"/>
+            <a:ext cx="6858000" cy="878840"/>
+          </a:xfrm>
+        </p:spPr>
+        <p:txBody>
+          <a:bodyPr/>
+          <a:p>
+            <a:r>
+              <a:rPr lang="zh-CN" altLang="en-US"/>
+              <a:t>创建</a:t>
+            </a:r>
+            <a:r>
+              <a:rPr lang="en-US" altLang="zh-CN"/>
+              <a:t>WBS---</a:t>
+            </a:r>
+            <a:r>
+              <a:rPr lang="zh-CN" altLang="en-US"/>
+              <a:t>输出</a:t>
+            </a:r>
+            <a:endParaRPr lang="zh-CN" altLang="en-US"/>
+          </a:p>
+        </p:txBody>
+      </p:sp>
+      <p:sp>
+        <p:nvSpPr>
+          <p:cNvPr id="3" name="副标题 2"/>
+          <p:cNvSpPr>
+            <a:spLocks noGrp="1"/>
+          </p:cNvSpPr>
+          <p:nvPr>
+            <p:ph type="subTitle" idx="1"/>
+          </p:nvPr>
+        </p:nvSpPr>
+        <p:spPr>
+          <a:xfrm>
+            <a:off x="1143000" y="1722120"/>
+            <a:ext cx="6858000" cy="3535680"/>
+          </a:xfrm>
+        </p:spPr>
+        <p:txBody>
+          <a:bodyPr/>
+          <a:p>
+            <a:pPr marL="285750" indent="-285750" algn="l">
+              <a:buFont typeface="Arial" panose="020B0604020202020204" pitchFamily="34" charset="0"/>
+              <a:buChar char="•"/>
+            </a:pPr>
+            <a:endParaRPr lang="zh-CN" altLang="en-US"/>
+          </a:p>
+        </p:txBody>
+      </p:sp>
+    </p:spTree>
+  </p:cSld>
+  <p:clrMapOvr>
+    <a:masterClrMapping/>
+  </p:clrMapOvr>
+</p:sld>
+</file>
+
 <file path=ppt/slides/slide11.xml><?xml version="1.0" encoding="utf-8"?>
 <p:sld xmlns:a="http://schemas.openxmlformats.org/drawingml/2006/main" xmlns:r="http://schemas.openxmlformats.org/officeDocument/2006/relationships" xmlns:p="http://schemas.openxmlformats.org/presentationml/2006/main">
   <p:cSld>
@@ -7146,6 +7980,806 @@
                 </a:schemeClr>
               </a:solidFill>
             </a:endParaRPr>
+          </a:p>
+        </p:txBody>
+      </p:sp>
+    </p:spTree>
+  </p:cSld>
+  <p:clrMapOvr>
+    <a:masterClrMapping/>
+  </p:clrMapOvr>
+</p:sld>
+</file>
+
+<file path=ppt/slides/slide110.xml><?xml version="1.0" encoding="utf-8"?>
+<p:sld xmlns:a="http://schemas.openxmlformats.org/drawingml/2006/main" xmlns:r="http://schemas.openxmlformats.org/officeDocument/2006/relationships" xmlns:p="http://schemas.openxmlformats.org/presentationml/2006/main">
+  <p:cSld>
+    <p:spTree>
+      <p:nvGrpSpPr>
+        <p:cNvPr id="1" name=""/>
+        <p:cNvGrpSpPr/>
+        <p:nvPr/>
+      </p:nvGrpSpPr>
+      <p:grpSpPr/>
+      <p:sp>
+        <p:nvSpPr>
+          <p:cNvPr id="2" name="标题 1"/>
+          <p:cNvSpPr>
+            <a:spLocks noGrp="1"/>
+          </p:cNvSpPr>
+          <p:nvPr>
+            <p:ph type="ctrTitle"/>
+          </p:nvPr>
+        </p:nvSpPr>
+        <p:spPr>
+          <a:xfrm>
+            <a:off x="1187450" y="548640"/>
+            <a:ext cx="6858000" cy="878840"/>
+          </a:xfrm>
+        </p:spPr>
+        <p:txBody>
+          <a:bodyPr/>
+          <a:p>
+            <a:r>
+              <a:rPr lang="zh-CN" altLang="en-US"/>
+              <a:t>创建</a:t>
+            </a:r>
+            <a:r>
+              <a:rPr lang="en-US" altLang="zh-CN"/>
+              <a:t>WBS---</a:t>
+            </a:r>
+            <a:r>
+              <a:rPr lang="zh-CN" altLang="en-US"/>
+              <a:t>输出</a:t>
+            </a:r>
+            <a:endParaRPr lang="zh-CN" altLang="en-US"/>
+          </a:p>
+        </p:txBody>
+      </p:sp>
+      <p:sp>
+        <p:nvSpPr>
+          <p:cNvPr id="3" name="副标题 2"/>
+          <p:cNvSpPr>
+            <a:spLocks noGrp="1"/>
+          </p:cNvSpPr>
+          <p:nvPr>
+            <p:ph type="subTitle" idx="1"/>
+          </p:nvPr>
+        </p:nvSpPr>
+        <p:spPr>
+          <a:xfrm>
+            <a:off x="1143000" y="1722120"/>
+            <a:ext cx="6858000" cy="3535680"/>
+          </a:xfrm>
+        </p:spPr>
+        <p:txBody>
+          <a:bodyPr/>
+          <a:p>
+            <a:pPr marL="285750" indent="-285750" algn="l">
+              <a:buFont typeface="Arial" panose="020B0604020202020204" pitchFamily="34" charset="0"/>
+              <a:buChar char="•"/>
+            </a:pPr>
+            <a:endParaRPr lang="zh-CN" altLang="en-US"/>
+          </a:p>
+        </p:txBody>
+      </p:sp>
+    </p:spTree>
+  </p:cSld>
+  <p:clrMapOvr>
+    <a:masterClrMapping/>
+  </p:clrMapOvr>
+</p:sld>
+</file>
+
+<file path=ppt/slides/slide111.xml><?xml version="1.0" encoding="utf-8"?>
+<p:sld xmlns:a="http://schemas.openxmlformats.org/drawingml/2006/main" xmlns:r="http://schemas.openxmlformats.org/officeDocument/2006/relationships" xmlns:p="http://schemas.openxmlformats.org/presentationml/2006/main">
+  <p:cSld>
+    <p:spTree>
+      <p:nvGrpSpPr>
+        <p:cNvPr id="1" name=""/>
+        <p:cNvGrpSpPr/>
+        <p:nvPr/>
+      </p:nvGrpSpPr>
+      <p:grpSpPr/>
+      <p:sp>
+        <p:nvSpPr>
+          <p:cNvPr id="2" name="标题 1"/>
+          <p:cNvSpPr>
+            <a:spLocks noGrp="1"/>
+          </p:cNvSpPr>
+          <p:nvPr>
+            <p:ph type="ctrTitle"/>
+          </p:nvPr>
+        </p:nvSpPr>
+        <p:spPr>
+          <a:xfrm>
+            <a:off x="1187450" y="548640"/>
+            <a:ext cx="6858000" cy="878840"/>
+          </a:xfrm>
+        </p:spPr>
+        <p:txBody>
+          <a:bodyPr/>
+          <a:p>
+            <a:r>
+              <a:rPr lang="zh-CN" altLang="en-US"/>
+              <a:t>创建</a:t>
+            </a:r>
+            <a:r>
+              <a:rPr lang="en-US" altLang="zh-CN"/>
+              <a:t>WBS---</a:t>
+            </a:r>
+            <a:r>
+              <a:rPr lang="zh-CN" altLang="en-US"/>
+              <a:t>输出</a:t>
+            </a:r>
+            <a:endParaRPr lang="zh-CN" altLang="en-US"/>
+          </a:p>
+        </p:txBody>
+      </p:sp>
+      <p:sp>
+        <p:nvSpPr>
+          <p:cNvPr id="3" name="副标题 2"/>
+          <p:cNvSpPr>
+            <a:spLocks noGrp="1"/>
+          </p:cNvSpPr>
+          <p:nvPr>
+            <p:ph type="subTitle" idx="1"/>
+          </p:nvPr>
+        </p:nvSpPr>
+        <p:spPr>
+          <a:xfrm>
+            <a:off x="1143000" y="1722120"/>
+            <a:ext cx="6858000" cy="3535680"/>
+          </a:xfrm>
+        </p:spPr>
+        <p:txBody>
+          <a:bodyPr/>
+          <a:p>
+            <a:pPr marL="285750" indent="-285750" algn="l">
+              <a:buFont typeface="Arial" panose="020B0604020202020204" pitchFamily="34" charset="0"/>
+              <a:buChar char="•"/>
+            </a:pPr>
+            <a:endParaRPr lang="zh-CN" altLang="en-US"/>
+          </a:p>
+        </p:txBody>
+      </p:sp>
+    </p:spTree>
+  </p:cSld>
+  <p:clrMapOvr>
+    <a:masterClrMapping/>
+  </p:clrMapOvr>
+</p:sld>
+</file>
+
+<file path=ppt/slides/slide112.xml><?xml version="1.0" encoding="utf-8"?>
+<p:sld xmlns:a="http://schemas.openxmlformats.org/drawingml/2006/main" xmlns:r="http://schemas.openxmlformats.org/officeDocument/2006/relationships" xmlns:p="http://schemas.openxmlformats.org/presentationml/2006/main">
+  <p:cSld>
+    <p:spTree>
+      <p:nvGrpSpPr>
+        <p:cNvPr id="1" name=""/>
+        <p:cNvGrpSpPr/>
+        <p:nvPr/>
+      </p:nvGrpSpPr>
+      <p:grpSpPr/>
+      <p:sp>
+        <p:nvSpPr>
+          <p:cNvPr id="2" name="标题 1"/>
+          <p:cNvSpPr>
+            <a:spLocks noGrp="1"/>
+          </p:cNvSpPr>
+          <p:nvPr>
+            <p:ph type="ctrTitle"/>
+          </p:nvPr>
+        </p:nvSpPr>
+        <p:spPr>
+          <a:xfrm>
+            <a:off x="1187450" y="548640"/>
+            <a:ext cx="6858000" cy="878840"/>
+          </a:xfrm>
+        </p:spPr>
+        <p:txBody>
+          <a:bodyPr/>
+          <a:p>
+            <a:r>
+              <a:rPr lang="zh-CN" altLang="en-US"/>
+              <a:t>创建</a:t>
+            </a:r>
+            <a:r>
+              <a:rPr lang="en-US" altLang="zh-CN"/>
+              <a:t>WBS---</a:t>
+            </a:r>
+            <a:r>
+              <a:rPr lang="zh-CN" altLang="en-US"/>
+              <a:t>输出</a:t>
+            </a:r>
+            <a:endParaRPr lang="zh-CN" altLang="en-US"/>
+          </a:p>
+        </p:txBody>
+      </p:sp>
+      <p:sp>
+        <p:nvSpPr>
+          <p:cNvPr id="3" name="副标题 2"/>
+          <p:cNvSpPr>
+            <a:spLocks noGrp="1"/>
+          </p:cNvSpPr>
+          <p:nvPr>
+            <p:ph type="subTitle" idx="1"/>
+          </p:nvPr>
+        </p:nvSpPr>
+        <p:spPr>
+          <a:xfrm>
+            <a:off x="1143000" y="1722120"/>
+            <a:ext cx="6858000" cy="3535680"/>
+          </a:xfrm>
+        </p:spPr>
+        <p:txBody>
+          <a:bodyPr/>
+          <a:p>
+            <a:pPr marL="285750" indent="-285750" algn="l">
+              <a:buFont typeface="Arial" panose="020B0604020202020204" pitchFamily="34" charset="0"/>
+              <a:buChar char="•"/>
+            </a:pPr>
+            <a:endParaRPr lang="zh-CN" altLang="en-US"/>
+          </a:p>
+        </p:txBody>
+      </p:sp>
+    </p:spTree>
+  </p:cSld>
+  <p:clrMapOvr>
+    <a:masterClrMapping/>
+  </p:clrMapOvr>
+</p:sld>
+</file>
+
+<file path=ppt/slides/slide113.xml><?xml version="1.0" encoding="utf-8"?>
+<p:sld xmlns:a="http://schemas.openxmlformats.org/drawingml/2006/main" xmlns:r="http://schemas.openxmlformats.org/officeDocument/2006/relationships" xmlns:p="http://schemas.openxmlformats.org/presentationml/2006/main">
+  <p:cSld>
+    <p:spTree>
+      <p:nvGrpSpPr>
+        <p:cNvPr id="1" name=""/>
+        <p:cNvGrpSpPr/>
+        <p:nvPr/>
+      </p:nvGrpSpPr>
+      <p:grpSpPr/>
+      <p:sp>
+        <p:nvSpPr>
+          <p:cNvPr id="2" name="标题 1"/>
+          <p:cNvSpPr>
+            <a:spLocks noGrp="1"/>
+          </p:cNvSpPr>
+          <p:nvPr>
+            <p:ph type="ctrTitle"/>
+          </p:nvPr>
+        </p:nvSpPr>
+        <p:spPr>
+          <a:xfrm>
+            <a:off x="1187450" y="548640"/>
+            <a:ext cx="6858000" cy="878840"/>
+          </a:xfrm>
+        </p:spPr>
+        <p:txBody>
+          <a:bodyPr/>
+          <a:p>
+            <a:r>
+              <a:rPr lang="zh-CN" altLang="en-US"/>
+              <a:t>创建</a:t>
+            </a:r>
+            <a:r>
+              <a:rPr lang="en-US" altLang="zh-CN"/>
+              <a:t>WBS---</a:t>
+            </a:r>
+            <a:r>
+              <a:rPr lang="zh-CN" altLang="en-US"/>
+              <a:t>输出</a:t>
+            </a:r>
+            <a:endParaRPr lang="zh-CN" altLang="en-US"/>
+          </a:p>
+        </p:txBody>
+      </p:sp>
+      <p:sp>
+        <p:nvSpPr>
+          <p:cNvPr id="3" name="副标题 2"/>
+          <p:cNvSpPr>
+            <a:spLocks noGrp="1"/>
+          </p:cNvSpPr>
+          <p:nvPr>
+            <p:ph type="subTitle" idx="1"/>
+          </p:nvPr>
+        </p:nvSpPr>
+        <p:spPr>
+          <a:xfrm>
+            <a:off x="1143000" y="1722120"/>
+            <a:ext cx="6858000" cy="3535680"/>
+          </a:xfrm>
+        </p:spPr>
+        <p:txBody>
+          <a:bodyPr/>
+          <a:p>
+            <a:pPr marL="285750" indent="-285750" algn="l">
+              <a:buFont typeface="Arial" panose="020B0604020202020204" pitchFamily="34" charset="0"/>
+              <a:buChar char="•"/>
+            </a:pPr>
+            <a:endParaRPr lang="zh-CN" altLang="en-US"/>
+          </a:p>
+        </p:txBody>
+      </p:sp>
+    </p:spTree>
+  </p:cSld>
+  <p:clrMapOvr>
+    <a:masterClrMapping/>
+  </p:clrMapOvr>
+</p:sld>
+</file>
+
+<file path=ppt/slides/slide114.xml><?xml version="1.0" encoding="utf-8"?>
+<p:sld xmlns:a="http://schemas.openxmlformats.org/drawingml/2006/main" xmlns:r="http://schemas.openxmlformats.org/officeDocument/2006/relationships" xmlns:p="http://schemas.openxmlformats.org/presentationml/2006/main">
+  <p:cSld>
+    <p:spTree>
+      <p:nvGrpSpPr>
+        <p:cNvPr id="1" name=""/>
+        <p:cNvGrpSpPr/>
+        <p:nvPr/>
+      </p:nvGrpSpPr>
+      <p:grpSpPr/>
+      <p:sp>
+        <p:nvSpPr>
+          <p:cNvPr id="2" name="标题 1"/>
+          <p:cNvSpPr>
+            <a:spLocks noGrp="1"/>
+          </p:cNvSpPr>
+          <p:nvPr>
+            <p:ph type="ctrTitle"/>
+          </p:nvPr>
+        </p:nvSpPr>
+        <p:spPr>
+          <a:xfrm>
+            <a:off x="1187450" y="548640"/>
+            <a:ext cx="6858000" cy="878840"/>
+          </a:xfrm>
+        </p:spPr>
+        <p:txBody>
+          <a:bodyPr/>
+          <a:p>
+            <a:r>
+              <a:rPr lang="zh-CN" altLang="en-US"/>
+              <a:t>创建</a:t>
+            </a:r>
+            <a:r>
+              <a:rPr lang="en-US" altLang="zh-CN"/>
+              <a:t>WBS---</a:t>
+            </a:r>
+            <a:r>
+              <a:rPr lang="zh-CN" altLang="en-US"/>
+              <a:t>输出</a:t>
+            </a:r>
+            <a:endParaRPr lang="zh-CN" altLang="en-US"/>
+          </a:p>
+        </p:txBody>
+      </p:sp>
+      <p:sp>
+        <p:nvSpPr>
+          <p:cNvPr id="3" name="副标题 2"/>
+          <p:cNvSpPr>
+            <a:spLocks noGrp="1"/>
+          </p:cNvSpPr>
+          <p:nvPr>
+            <p:ph type="subTitle" idx="1"/>
+          </p:nvPr>
+        </p:nvSpPr>
+        <p:spPr>
+          <a:xfrm>
+            <a:off x="1143000" y="1722120"/>
+            <a:ext cx="6858000" cy="3535680"/>
+          </a:xfrm>
+        </p:spPr>
+        <p:txBody>
+          <a:bodyPr/>
+          <a:p>
+            <a:pPr marL="285750" indent="-285750" algn="l">
+              <a:buFont typeface="Arial" panose="020B0604020202020204" pitchFamily="34" charset="0"/>
+              <a:buChar char="•"/>
+            </a:pPr>
+            <a:endParaRPr lang="zh-CN" altLang="en-US"/>
+          </a:p>
+        </p:txBody>
+      </p:sp>
+    </p:spTree>
+  </p:cSld>
+  <p:clrMapOvr>
+    <a:masterClrMapping/>
+  </p:clrMapOvr>
+</p:sld>
+</file>
+
+<file path=ppt/slides/slide115.xml><?xml version="1.0" encoding="utf-8"?>
+<p:sld xmlns:a="http://schemas.openxmlformats.org/drawingml/2006/main" xmlns:r="http://schemas.openxmlformats.org/officeDocument/2006/relationships" xmlns:p="http://schemas.openxmlformats.org/presentationml/2006/main">
+  <p:cSld>
+    <p:spTree>
+      <p:nvGrpSpPr>
+        <p:cNvPr id="1" name=""/>
+        <p:cNvGrpSpPr/>
+        <p:nvPr/>
+      </p:nvGrpSpPr>
+      <p:grpSpPr/>
+      <p:sp>
+        <p:nvSpPr>
+          <p:cNvPr id="2" name="标题 1"/>
+          <p:cNvSpPr>
+            <a:spLocks noGrp="1"/>
+          </p:cNvSpPr>
+          <p:nvPr>
+            <p:ph type="ctrTitle"/>
+          </p:nvPr>
+        </p:nvSpPr>
+        <p:spPr>
+          <a:xfrm>
+            <a:off x="1187450" y="548640"/>
+            <a:ext cx="6858000" cy="878840"/>
+          </a:xfrm>
+        </p:spPr>
+        <p:txBody>
+          <a:bodyPr/>
+          <a:p>
+            <a:r>
+              <a:rPr lang="zh-CN" altLang="en-US"/>
+              <a:t>创建</a:t>
+            </a:r>
+            <a:r>
+              <a:rPr lang="en-US" altLang="zh-CN"/>
+              <a:t>WBS---</a:t>
+            </a:r>
+            <a:r>
+              <a:rPr lang="zh-CN" altLang="en-US"/>
+              <a:t>输出</a:t>
+            </a:r>
+            <a:endParaRPr lang="zh-CN" altLang="en-US"/>
+          </a:p>
+        </p:txBody>
+      </p:sp>
+      <p:sp>
+        <p:nvSpPr>
+          <p:cNvPr id="3" name="副标题 2"/>
+          <p:cNvSpPr>
+            <a:spLocks noGrp="1"/>
+          </p:cNvSpPr>
+          <p:nvPr>
+            <p:ph type="subTitle" idx="1"/>
+          </p:nvPr>
+        </p:nvSpPr>
+        <p:spPr>
+          <a:xfrm>
+            <a:off x="1143000" y="1722120"/>
+            <a:ext cx="6858000" cy="3535680"/>
+          </a:xfrm>
+        </p:spPr>
+        <p:txBody>
+          <a:bodyPr/>
+          <a:p>
+            <a:pPr marL="285750" indent="-285750" algn="l">
+              <a:buFont typeface="Arial" panose="020B0604020202020204" pitchFamily="34" charset="0"/>
+              <a:buChar char="•"/>
+            </a:pPr>
+            <a:endParaRPr lang="zh-CN" altLang="en-US"/>
+          </a:p>
+        </p:txBody>
+      </p:sp>
+    </p:spTree>
+  </p:cSld>
+  <p:clrMapOvr>
+    <a:masterClrMapping/>
+  </p:clrMapOvr>
+</p:sld>
+</file>
+
+<file path=ppt/slides/slide116.xml><?xml version="1.0" encoding="utf-8"?>
+<p:sld xmlns:a="http://schemas.openxmlformats.org/drawingml/2006/main" xmlns:r="http://schemas.openxmlformats.org/officeDocument/2006/relationships" xmlns:p="http://schemas.openxmlformats.org/presentationml/2006/main">
+  <p:cSld>
+    <p:spTree>
+      <p:nvGrpSpPr>
+        <p:cNvPr id="1" name=""/>
+        <p:cNvGrpSpPr/>
+        <p:nvPr/>
+      </p:nvGrpSpPr>
+      <p:grpSpPr/>
+      <p:sp>
+        <p:nvSpPr>
+          <p:cNvPr id="2" name="标题 1"/>
+          <p:cNvSpPr>
+            <a:spLocks noGrp="1"/>
+          </p:cNvSpPr>
+          <p:nvPr>
+            <p:ph type="ctrTitle"/>
+          </p:nvPr>
+        </p:nvSpPr>
+        <p:spPr>
+          <a:xfrm>
+            <a:off x="1187450" y="548640"/>
+            <a:ext cx="6858000" cy="878840"/>
+          </a:xfrm>
+        </p:spPr>
+        <p:txBody>
+          <a:bodyPr/>
+          <a:p>
+            <a:r>
+              <a:rPr lang="zh-CN" altLang="en-US"/>
+              <a:t>创建</a:t>
+            </a:r>
+            <a:r>
+              <a:rPr lang="en-US" altLang="zh-CN"/>
+              <a:t>WBS---</a:t>
+            </a:r>
+            <a:r>
+              <a:rPr lang="zh-CN" altLang="en-US"/>
+              <a:t>输出</a:t>
+            </a:r>
+            <a:endParaRPr lang="zh-CN" altLang="en-US"/>
+          </a:p>
+        </p:txBody>
+      </p:sp>
+      <p:sp>
+        <p:nvSpPr>
+          <p:cNvPr id="3" name="副标题 2"/>
+          <p:cNvSpPr>
+            <a:spLocks noGrp="1"/>
+          </p:cNvSpPr>
+          <p:nvPr>
+            <p:ph type="subTitle" idx="1"/>
+          </p:nvPr>
+        </p:nvSpPr>
+        <p:spPr>
+          <a:xfrm>
+            <a:off x="1143000" y="1722120"/>
+            <a:ext cx="6858000" cy="3535680"/>
+          </a:xfrm>
+        </p:spPr>
+        <p:txBody>
+          <a:bodyPr/>
+          <a:p>
+            <a:pPr marL="285750" indent="-285750" algn="l">
+              <a:buFont typeface="Arial" panose="020B0604020202020204" pitchFamily="34" charset="0"/>
+              <a:buChar char="•"/>
+            </a:pPr>
+            <a:endParaRPr lang="zh-CN" altLang="en-US"/>
+          </a:p>
+        </p:txBody>
+      </p:sp>
+    </p:spTree>
+  </p:cSld>
+  <p:clrMapOvr>
+    <a:masterClrMapping/>
+  </p:clrMapOvr>
+</p:sld>
+</file>
+
+<file path=ppt/slides/slide117.xml><?xml version="1.0" encoding="utf-8"?>
+<p:sld xmlns:a="http://schemas.openxmlformats.org/drawingml/2006/main" xmlns:r="http://schemas.openxmlformats.org/officeDocument/2006/relationships" xmlns:p="http://schemas.openxmlformats.org/presentationml/2006/main">
+  <p:cSld>
+    <p:spTree>
+      <p:nvGrpSpPr>
+        <p:cNvPr id="1" name=""/>
+        <p:cNvGrpSpPr/>
+        <p:nvPr/>
+      </p:nvGrpSpPr>
+      <p:grpSpPr/>
+      <p:sp>
+        <p:nvSpPr>
+          <p:cNvPr id="2" name="标题 1"/>
+          <p:cNvSpPr>
+            <a:spLocks noGrp="1"/>
+          </p:cNvSpPr>
+          <p:nvPr>
+            <p:ph type="ctrTitle"/>
+          </p:nvPr>
+        </p:nvSpPr>
+        <p:spPr>
+          <a:xfrm>
+            <a:off x="1187450" y="548640"/>
+            <a:ext cx="6858000" cy="878840"/>
+          </a:xfrm>
+        </p:spPr>
+        <p:txBody>
+          <a:bodyPr/>
+          <a:p>
+            <a:r>
+              <a:rPr lang="zh-CN" altLang="en-US"/>
+              <a:t>创建</a:t>
+            </a:r>
+            <a:r>
+              <a:rPr lang="en-US" altLang="zh-CN"/>
+              <a:t>WBS---</a:t>
+            </a:r>
+            <a:r>
+              <a:rPr lang="zh-CN" altLang="en-US"/>
+              <a:t>输出</a:t>
+            </a:r>
+            <a:endParaRPr lang="zh-CN" altLang="en-US"/>
+          </a:p>
+        </p:txBody>
+      </p:sp>
+      <p:sp>
+        <p:nvSpPr>
+          <p:cNvPr id="3" name="副标题 2"/>
+          <p:cNvSpPr>
+            <a:spLocks noGrp="1"/>
+          </p:cNvSpPr>
+          <p:nvPr>
+            <p:ph type="subTitle" idx="1"/>
+          </p:nvPr>
+        </p:nvSpPr>
+        <p:spPr>
+          <a:xfrm>
+            <a:off x="1143000" y="1722120"/>
+            <a:ext cx="6858000" cy="3535680"/>
+          </a:xfrm>
+        </p:spPr>
+        <p:txBody>
+          <a:bodyPr/>
+          <a:p>
+            <a:pPr marL="285750" indent="-285750" algn="l">
+              <a:buFont typeface="Arial" panose="020B0604020202020204" pitchFamily="34" charset="0"/>
+              <a:buChar char="•"/>
+            </a:pPr>
+            <a:endParaRPr lang="zh-CN" altLang="en-US"/>
+          </a:p>
+        </p:txBody>
+      </p:sp>
+    </p:spTree>
+  </p:cSld>
+  <p:clrMapOvr>
+    <a:masterClrMapping/>
+  </p:clrMapOvr>
+</p:sld>
+</file>
+
+<file path=ppt/slides/slide118.xml><?xml version="1.0" encoding="utf-8"?>
+<p:sld xmlns:a="http://schemas.openxmlformats.org/drawingml/2006/main" xmlns:r="http://schemas.openxmlformats.org/officeDocument/2006/relationships" xmlns:p="http://schemas.openxmlformats.org/presentationml/2006/main">
+  <p:cSld>
+    <p:spTree>
+      <p:nvGrpSpPr>
+        <p:cNvPr id="1" name=""/>
+        <p:cNvGrpSpPr/>
+        <p:nvPr/>
+      </p:nvGrpSpPr>
+      <p:grpSpPr/>
+      <p:sp>
+        <p:nvSpPr>
+          <p:cNvPr id="2" name="标题 1"/>
+          <p:cNvSpPr>
+            <a:spLocks noGrp="1"/>
+          </p:cNvSpPr>
+          <p:nvPr>
+            <p:ph type="ctrTitle"/>
+          </p:nvPr>
+        </p:nvSpPr>
+        <p:spPr>
+          <a:xfrm>
+            <a:off x="1187450" y="548640"/>
+            <a:ext cx="6858000" cy="878840"/>
+          </a:xfrm>
+        </p:spPr>
+        <p:txBody>
+          <a:bodyPr/>
+          <a:p>
+            <a:r>
+              <a:rPr lang="zh-CN" altLang="en-US"/>
+              <a:t>创建</a:t>
+            </a:r>
+            <a:r>
+              <a:rPr lang="en-US" altLang="zh-CN"/>
+              <a:t>WBS---</a:t>
+            </a:r>
+            <a:r>
+              <a:rPr lang="zh-CN" altLang="en-US"/>
+              <a:t>输出</a:t>
+            </a:r>
+            <a:endParaRPr lang="zh-CN" altLang="en-US"/>
+          </a:p>
+        </p:txBody>
+      </p:sp>
+      <p:sp>
+        <p:nvSpPr>
+          <p:cNvPr id="3" name="副标题 2"/>
+          <p:cNvSpPr>
+            <a:spLocks noGrp="1"/>
+          </p:cNvSpPr>
+          <p:nvPr>
+            <p:ph type="subTitle" idx="1"/>
+          </p:nvPr>
+        </p:nvSpPr>
+        <p:spPr>
+          <a:xfrm>
+            <a:off x="1143000" y="1722120"/>
+            <a:ext cx="6858000" cy="3535680"/>
+          </a:xfrm>
+        </p:spPr>
+        <p:txBody>
+          <a:bodyPr/>
+          <a:p>
+            <a:pPr marL="285750" indent="-285750" algn="l">
+              <a:buFont typeface="Arial" panose="020B0604020202020204" pitchFamily="34" charset="0"/>
+              <a:buChar char="•"/>
+            </a:pPr>
+            <a:endParaRPr lang="zh-CN" altLang="en-US"/>
+          </a:p>
+        </p:txBody>
+      </p:sp>
+    </p:spTree>
+  </p:cSld>
+  <p:clrMapOvr>
+    <a:masterClrMapping/>
+  </p:clrMapOvr>
+</p:sld>
+</file>
+
+<file path=ppt/slides/slide119.xml><?xml version="1.0" encoding="utf-8"?>
+<p:sld xmlns:a="http://schemas.openxmlformats.org/drawingml/2006/main" xmlns:r="http://schemas.openxmlformats.org/officeDocument/2006/relationships" xmlns:p="http://schemas.openxmlformats.org/presentationml/2006/main">
+  <p:cSld>
+    <p:spTree>
+      <p:nvGrpSpPr>
+        <p:cNvPr id="1" name=""/>
+        <p:cNvGrpSpPr/>
+        <p:nvPr/>
+      </p:nvGrpSpPr>
+      <p:grpSpPr/>
+      <p:sp>
+        <p:nvSpPr>
+          <p:cNvPr id="2" name="标题 1"/>
+          <p:cNvSpPr>
+            <a:spLocks noGrp="1"/>
+          </p:cNvSpPr>
+          <p:nvPr>
+            <p:ph type="ctrTitle"/>
+          </p:nvPr>
+        </p:nvSpPr>
+        <p:spPr>
+          <a:xfrm>
+            <a:off x="1187450" y="548640"/>
+            <a:ext cx="6858000" cy="878840"/>
+          </a:xfrm>
+        </p:spPr>
+        <p:txBody>
+          <a:bodyPr/>
+          <a:p>
+            <a:r>
+              <a:rPr lang="zh-CN" altLang="en-US"/>
+              <a:t>创建</a:t>
+            </a:r>
+            <a:r>
+              <a:rPr lang="en-US" altLang="zh-CN"/>
+              <a:t>WBS---</a:t>
+            </a:r>
+            <a:r>
+              <a:rPr lang="zh-CN" altLang="en-US"/>
+              <a:t>输出</a:t>
+            </a:r>
+            <a:endParaRPr lang="zh-CN" altLang="en-US"/>
+          </a:p>
+        </p:txBody>
+      </p:sp>
+      <p:sp>
+        <p:nvSpPr>
+          <p:cNvPr id="3" name="副标题 2"/>
+          <p:cNvSpPr>
+            <a:spLocks noGrp="1"/>
+          </p:cNvSpPr>
+          <p:nvPr>
+            <p:ph type="subTitle" idx="1"/>
+          </p:nvPr>
+        </p:nvSpPr>
+        <p:spPr>
+          <a:xfrm>
+            <a:off x="1143000" y="1722120"/>
+            <a:ext cx="6858000" cy="3535680"/>
+          </a:xfrm>
+        </p:spPr>
+        <p:txBody>
+          <a:bodyPr/>
+          <a:p>
+            <a:pPr marL="285750" indent="-285750" algn="l">
+              <a:buFont typeface="Arial" panose="020B0604020202020204" pitchFamily="34" charset="0"/>
+              <a:buChar char="•"/>
+            </a:pPr>
+            <a:endParaRPr lang="zh-CN" altLang="en-US"/>
           </a:p>
         </p:txBody>
       </p:sp>
@@ -7545,6 +9179,406 @@
                 </a:schemeClr>
               </a:solidFill>
             </a:endParaRPr>
+          </a:p>
+        </p:txBody>
+      </p:sp>
+    </p:spTree>
+  </p:cSld>
+  <p:clrMapOvr>
+    <a:masterClrMapping/>
+  </p:clrMapOvr>
+</p:sld>
+</file>
+
+<file path=ppt/slides/slide120.xml><?xml version="1.0" encoding="utf-8"?>
+<p:sld xmlns:a="http://schemas.openxmlformats.org/drawingml/2006/main" xmlns:r="http://schemas.openxmlformats.org/officeDocument/2006/relationships" xmlns:p="http://schemas.openxmlformats.org/presentationml/2006/main">
+  <p:cSld>
+    <p:spTree>
+      <p:nvGrpSpPr>
+        <p:cNvPr id="1" name=""/>
+        <p:cNvGrpSpPr/>
+        <p:nvPr/>
+      </p:nvGrpSpPr>
+      <p:grpSpPr/>
+      <p:sp>
+        <p:nvSpPr>
+          <p:cNvPr id="2" name="标题 1"/>
+          <p:cNvSpPr>
+            <a:spLocks noGrp="1"/>
+          </p:cNvSpPr>
+          <p:nvPr>
+            <p:ph type="ctrTitle"/>
+          </p:nvPr>
+        </p:nvSpPr>
+        <p:spPr>
+          <a:xfrm>
+            <a:off x="1187450" y="548640"/>
+            <a:ext cx="6858000" cy="878840"/>
+          </a:xfrm>
+        </p:spPr>
+        <p:txBody>
+          <a:bodyPr/>
+          <a:p>
+            <a:r>
+              <a:rPr lang="zh-CN" altLang="en-US"/>
+              <a:t>创建</a:t>
+            </a:r>
+            <a:r>
+              <a:rPr lang="en-US" altLang="zh-CN"/>
+              <a:t>WBS---</a:t>
+            </a:r>
+            <a:r>
+              <a:rPr lang="zh-CN" altLang="en-US"/>
+              <a:t>输出</a:t>
+            </a:r>
+            <a:endParaRPr lang="zh-CN" altLang="en-US"/>
+          </a:p>
+        </p:txBody>
+      </p:sp>
+      <p:sp>
+        <p:nvSpPr>
+          <p:cNvPr id="3" name="副标题 2"/>
+          <p:cNvSpPr>
+            <a:spLocks noGrp="1"/>
+          </p:cNvSpPr>
+          <p:nvPr>
+            <p:ph type="subTitle" idx="1"/>
+          </p:nvPr>
+        </p:nvSpPr>
+        <p:spPr>
+          <a:xfrm>
+            <a:off x="1143000" y="1722120"/>
+            <a:ext cx="6858000" cy="3535680"/>
+          </a:xfrm>
+        </p:spPr>
+        <p:txBody>
+          <a:bodyPr/>
+          <a:p>
+            <a:pPr marL="285750" indent="-285750" algn="l">
+              <a:buFont typeface="Arial" panose="020B0604020202020204" pitchFamily="34" charset="0"/>
+              <a:buChar char="•"/>
+            </a:pPr>
+            <a:endParaRPr lang="zh-CN" altLang="en-US"/>
+          </a:p>
+        </p:txBody>
+      </p:sp>
+    </p:spTree>
+  </p:cSld>
+  <p:clrMapOvr>
+    <a:masterClrMapping/>
+  </p:clrMapOvr>
+</p:sld>
+</file>
+
+<file path=ppt/slides/slide121.xml><?xml version="1.0" encoding="utf-8"?>
+<p:sld xmlns:a="http://schemas.openxmlformats.org/drawingml/2006/main" xmlns:r="http://schemas.openxmlformats.org/officeDocument/2006/relationships" xmlns:p="http://schemas.openxmlformats.org/presentationml/2006/main">
+  <p:cSld>
+    <p:spTree>
+      <p:nvGrpSpPr>
+        <p:cNvPr id="1" name=""/>
+        <p:cNvGrpSpPr/>
+        <p:nvPr/>
+      </p:nvGrpSpPr>
+      <p:grpSpPr/>
+      <p:sp>
+        <p:nvSpPr>
+          <p:cNvPr id="2" name="标题 1"/>
+          <p:cNvSpPr>
+            <a:spLocks noGrp="1"/>
+          </p:cNvSpPr>
+          <p:nvPr>
+            <p:ph type="ctrTitle"/>
+          </p:nvPr>
+        </p:nvSpPr>
+        <p:spPr>
+          <a:xfrm>
+            <a:off x="1187450" y="548640"/>
+            <a:ext cx="6858000" cy="878840"/>
+          </a:xfrm>
+        </p:spPr>
+        <p:txBody>
+          <a:bodyPr/>
+          <a:p>
+            <a:r>
+              <a:rPr lang="zh-CN" altLang="en-US"/>
+              <a:t>创建</a:t>
+            </a:r>
+            <a:r>
+              <a:rPr lang="en-US" altLang="zh-CN"/>
+              <a:t>WBS---</a:t>
+            </a:r>
+            <a:r>
+              <a:rPr lang="zh-CN" altLang="en-US"/>
+              <a:t>输出</a:t>
+            </a:r>
+            <a:endParaRPr lang="zh-CN" altLang="en-US"/>
+          </a:p>
+        </p:txBody>
+      </p:sp>
+      <p:sp>
+        <p:nvSpPr>
+          <p:cNvPr id="3" name="副标题 2"/>
+          <p:cNvSpPr>
+            <a:spLocks noGrp="1"/>
+          </p:cNvSpPr>
+          <p:nvPr>
+            <p:ph type="subTitle" idx="1"/>
+          </p:nvPr>
+        </p:nvSpPr>
+        <p:spPr>
+          <a:xfrm>
+            <a:off x="1143000" y="1722120"/>
+            <a:ext cx="6858000" cy="3535680"/>
+          </a:xfrm>
+        </p:spPr>
+        <p:txBody>
+          <a:bodyPr/>
+          <a:p>
+            <a:pPr marL="285750" indent="-285750" algn="l">
+              <a:buFont typeface="Arial" panose="020B0604020202020204" pitchFamily="34" charset="0"/>
+              <a:buChar char="•"/>
+            </a:pPr>
+            <a:endParaRPr lang="zh-CN" altLang="en-US"/>
+          </a:p>
+        </p:txBody>
+      </p:sp>
+    </p:spTree>
+  </p:cSld>
+  <p:clrMapOvr>
+    <a:masterClrMapping/>
+  </p:clrMapOvr>
+</p:sld>
+</file>
+
+<file path=ppt/slides/slide122.xml><?xml version="1.0" encoding="utf-8"?>
+<p:sld xmlns:a="http://schemas.openxmlformats.org/drawingml/2006/main" xmlns:r="http://schemas.openxmlformats.org/officeDocument/2006/relationships" xmlns:p="http://schemas.openxmlformats.org/presentationml/2006/main">
+  <p:cSld>
+    <p:spTree>
+      <p:nvGrpSpPr>
+        <p:cNvPr id="1" name=""/>
+        <p:cNvGrpSpPr/>
+        <p:nvPr/>
+      </p:nvGrpSpPr>
+      <p:grpSpPr/>
+      <p:sp>
+        <p:nvSpPr>
+          <p:cNvPr id="2" name="标题 1"/>
+          <p:cNvSpPr>
+            <a:spLocks noGrp="1"/>
+          </p:cNvSpPr>
+          <p:nvPr>
+            <p:ph type="ctrTitle"/>
+          </p:nvPr>
+        </p:nvSpPr>
+        <p:spPr>
+          <a:xfrm>
+            <a:off x="1187450" y="548640"/>
+            <a:ext cx="6858000" cy="878840"/>
+          </a:xfrm>
+        </p:spPr>
+        <p:txBody>
+          <a:bodyPr/>
+          <a:p>
+            <a:r>
+              <a:rPr lang="zh-CN" altLang="en-US"/>
+              <a:t>创建</a:t>
+            </a:r>
+            <a:r>
+              <a:rPr lang="en-US" altLang="zh-CN"/>
+              <a:t>WBS---</a:t>
+            </a:r>
+            <a:r>
+              <a:rPr lang="zh-CN" altLang="en-US"/>
+              <a:t>输出</a:t>
+            </a:r>
+            <a:endParaRPr lang="zh-CN" altLang="en-US"/>
+          </a:p>
+        </p:txBody>
+      </p:sp>
+      <p:sp>
+        <p:nvSpPr>
+          <p:cNvPr id="3" name="副标题 2"/>
+          <p:cNvSpPr>
+            <a:spLocks noGrp="1"/>
+          </p:cNvSpPr>
+          <p:nvPr>
+            <p:ph type="subTitle" idx="1"/>
+          </p:nvPr>
+        </p:nvSpPr>
+        <p:spPr>
+          <a:xfrm>
+            <a:off x="1143000" y="1722120"/>
+            <a:ext cx="6858000" cy="3535680"/>
+          </a:xfrm>
+        </p:spPr>
+        <p:txBody>
+          <a:bodyPr/>
+          <a:p>
+            <a:pPr marL="285750" indent="-285750" algn="l">
+              <a:buFont typeface="Arial" panose="020B0604020202020204" pitchFamily="34" charset="0"/>
+              <a:buChar char="•"/>
+            </a:pPr>
+            <a:endParaRPr lang="zh-CN" altLang="en-US"/>
+          </a:p>
+        </p:txBody>
+      </p:sp>
+    </p:spTree>
+  </p:cSld>
+  <p:clrMapOvr>
+    <a:masterClrMapping/>
+  </p:clrMapOvr>
+</p:sld>
+</file>
+
+<file path=ppt/slides/slide123.xml><?xml version="1.0" encoding="utf-8"?>
+<p:sld xmlns:a="http://schemas.openxmlformats.org/drawingml/2006/main" xmlns:r="http://schemas.openxmlformats.org/officeDocument/2006/relationships" xmlns:p="http://schemas.openxmlformats.org/presentationml/2006/main">
+  <p:cSld>
+    <p:spTree>
+      <p:nvGrpSpPr>
+        <p:cNvPr id="1" name=""/>
+        <p:cNvGrpSpPr/>
+        <p:nvPr/>
+      </p:nvGrpSpPr>
+      <p:grpSpPr/>
+      <p:sp>
+        <p:nvSpPr>
+          <p:cNvPr id="2" name="标题 1"/>
+          <p:cNvSpPr>
+            <a:spLocks noGrp="1"/>
+          </p:cNvSpPr>
+          <p:nvPr>
+            <p:ph type="ctrTitle"/>
+          </p:nvPr>
+        </p:nvSpPr>
+        <p:spPr>
+          <a:xfrm>
+            <a:off x="1187450" y="548640"/>
+            <a:ext cx="6858000" cy="878840"/>
+          </a:xfrm>
+        </p:spPr>
+        <p:txBody>
+          <a:bodyPr/>
+          <a:p>
+            <a:r>
+              <a:rPr lang="zh-CN" altLang="en-US"/>
+              <a:t>创建</a:t>
+            </a:r>
+            <a:r>
+              <a:rPr lang="en-US" altLang="zh-CN"/>
+              <a:t>WBS---</a:t>
+            </a:r>
+            <a:r>
+              <a:rPr lang="zh-CN" altLang="en-US"/>
+              <a:t>输出</a:t>
+            </a:r>
+            <a:endParaRPr lang="zh-CN" altLang="en-US"/>
+          </a:p>
+        </p:txBody>
+      </p:sp>
+      <p:sp>
+        <p:nvSpPr>
+          <p:cNvPr id="3" name="副标题 2"/>
+          <p:cNvSpPr>
+            <a:spLocks noGrp="1"/>
+          </p:cNvSpPr>
+          <p:nvPr>
+            <p:ph type="subTitle" idx="1"/>
+          </p:nvPr>
+        </p:nvSpPr>
+        <p:spPr>
+          <a:xfrm>
+            <a:off x="1143000" y="1722120"/>
+            <a:ext cx="6858000" cy="3535680"/>
+          </a:xfrm>
+        </p:spPr>
+        <p:txBody>
+          <a:bodyPr/>
+          <a:p>
+            <a:pPr marL="285750" indent="-285750" algn="l">
+              <a:buFont typeface="Arial" panose="020B0604020202020204" pitchFamily="34" charset="0"/>
+              <a:buChar char="•"/>
+            </a:pPr>
+            <a:endParaRPr lang="zh-CN" altLang="en-US"/>
+          </a:p>
+        </p:txBody>
+      </p:sp>
+    </p:spTree>
+  </p:cSld>
+  <p:clrMapOvr>
+    <a:masterClrMapping/>
+  </p:clrMapOvr>
+</p:sld>
+</file>
+
+<file path=ppt/slides/slide124.xml><?xml version="1.0" encoding="utf-8"?>
+<p:sld xmlns:a="http://schemas.openxmlformats.org/drawingml/2006/main" xmlns:r="http://schemas.openxmlformats.org/officeDocument/2006/relationships" xmlns:p="http://schemas.openxmlformats.org/presentationml/2006/main">
+  <p:cSld>
+    <p:spTree>
+      <p:nvGrpSpPr>
+        <p:cNvPr id="1" name=""/>
+        <p:cNvGrpSpPr/>
+        <p:nvPr/>
+      </p:nvGrpSpPr>
+      <p:grpSpPr/>
+      <p:sp>
+        <p:nvSpPr>
+          <p:cNvPr id="2" name="标题 1"/>
+          <p:cNvSpPr>
+            <a:spLocks noGrp="1"/>
+          </p:cNvSpPr>
+          <p:nvPr>
+            <p:ph type="ctrTitle"/>
+          </p:nvPr>
+        </p:nvSpPr>
+        <p:spPr>
+          <a:xfrm>
+            <a:off x="1187450" y="548640"/>
+            <a:ext cx="6858000" cy="878840"/>
+          </a:xfrm>
+        </p:spPr>
+        <p:txBody>
+          <a:bodyPr/>
+          <a:p>
+            <a:r>
+              <a:rPr lang="zh-CN" altLang="en-US"/>
+              <a:t>创建</a:t>
+            </a:r>
+            <a:r>
+              <a:rPr lang="en-US" altLang="zh-CN"/>
+              <a:t>WBS---</a:t>
+            </a:r>
+            <a:r>
+              <a:rPr lang="zh-CN" altLang="en-US"/>
+              <a:t>输出</a:t>
+            </a:r>
+            <a:endParaRPr lang="zh-CN" altLang="en-US"/>
+          </a:p>
+        </p:txBody>
+      </p:sp>
+      <p:sp>
+        <p:nvSpPr>
+          <p:cNvPr id="3" name="副标题 2"/>
+          <p:cNvSpPr>
+            <a:spLocks noGrp="1"/>
+          </p:cNvSpPr>
+          <p:nvPr>
+            <p:ph type="subTitle" idx="1"/>
+          </p:nvPr>
+        </p:nvSpPr>
+        <p:spPr>
+          <a:xfrm>
+            <a:off x="1143000" y="1722120"/>
+            <a:ext cx="6858000" cy="3535680"/>
+          </a:xfrm>
+        </p:spPr>
+        <p:txBody>
+          <a:bodyPr/>
+          <a:p>
+            <a:pPr marL="285750" indent="-285750" algn="l">
+              <a:buFont typeface="Arial" panose="020B0604020202020204" pitchFamily="34" charset="0"/>
+              <a:buChar char="•"/>
+            </a:pPr>
+            <a:endParaRPr lang="zh-CN" altLang="en-US"/>
           </a:p>
         </p:txBody>
       </p:sp>
@@ -20443,15 +22477,7 @@
           <a:p>
             <a:r>
               <a:rPr lang="zh-CN" altLang="en-US"/>
-              <a:t>创建</a:t>
-            </a:r>
-            <a:r>
-              <a:rPr lang="en-US" altLang="zh-CN"/>
-              <a:t>WBS---</a:t>
-            </a:r>
-            <a:r>
-              <a:rPr lang="zh-CN" altLang="en-US"/>
-              <a:t>输出</a:t>
+              <a:t>规划成本管理</a:t>
             </a:r>
             <a:endParaRPr lang="zh-CN" altLang="en-US"/>
           </a:p>
@@ -20480,6 +22506,118 @@
               <a:buFont typeface="Arial" panose="020B0604020202020204" pitchFamily="34" charset="0"/>
               <a:buChar char="•"/>
             </a:pPr>
+            <a:r>
+              <a:rPr lang="zh-CN" altLang="en-US"/>
+              <a:t>为规划，管理，化肥和控制项目成本而制定的政策，程序和文档的过程</a:t>
+            </a:r>
+            <a:endParaRPr lang="zh-CN" altLang="en-US"/>
+          </a:p>
+          <a:p>
+            <a:pPr marL="285750" indent="-285750" algn="l">
+              <a:buFont typeface="Arial" panose="020B0604020202020204" pitchFamily="34" charset="0"/>
+              <a:buChar char="•"/>
+            </a:pPr>
+            <a:r>
+              <a:rPr lang="zh-CN" altLang="en-US"/>
+              <a:t>主要作用是：在整个项目中为如何管理项目成本提供指南和方向</a:t>
+            </a:r>
+            <a:endParaRPr lang="zh-CN" altLang="en-US"/>
+          </a:p>
+          <a:p>
+            <a:pPr marL="285750" indent="-285750" algn="l">
+              <a:buFont typeface="Arial" panose="020B0604020202020204" pitchFamily="34" charset="0"/>
+              <a:buChar char="•"/>
+            </a:pPr>
+            <a:r>
+              <a:rPr lang="zh-CN" altLang="en-US"/>
+              <a:t>输入：</a:t>
+            </a:r>
+            <a:r>
+              <a:rPr lang="en-US" altLang="zh-CN"/>
+              <a:t>1</a:t>
+            </a:r>
+            <a:r>
+              <a:rPr lang="zh-CN" altLang="en-US"/>
+              <a:t>：项目管理计划，</a:t>
+            </a:r>
+            <a:r>
+              <a:rPr lang="en-US" altLang="zh-CN"/>
+              <a:t>2</a:t>
+            </a:r>
+            <a:r>
+              <a:rPr lang="zh-CN" altLang="en-US"/>
+              <a:t>：项目章程，</a:t>
+            </a:r>
+            <a:r>
+              <a:rPr lang="en-US" altLang="zh-CN"/>
+              <a:t>3</a:t>
+            </a:r>
+            <a:r>
+              <a:rPr lang="zh-CN" altLang="en-US"/>
+              <a:t>：事业环境因素，</a:t>
+            </a:r>
+            <a:r>
+              <a:rPr lang="en-US" altLang="zh-CN"/>
+              <a:t>4</a:t>
+            </a:r>
+            <a:r>
+              <a:rPr lang="zh-CN" altLang="en-US"/>
+              <a:t>：组织过程资产</a:t>
+            </a:r>
+            <a:endParaRPr lang="zh-CN" altLang="en-US"/>
+          </a:p>
+          <a:p>
+            <a:pPr marL="285750" indent="-285750" algn="l">
+              <a:buFont typeface="Arial" panose="020B0604020202020204" pitchFamily="34" charset="0"/>
+              <a:buChar char="•"/>
+            </a:pPr>
+            <a:r>
+              <a:rPr lang="zh-CN" altLang="en-US"/>
+              <a:t>工具和技术：</a:t>
+            </a:r>
+            <a:r>
+              <a:rPr lang="en-US" altLang="zh-CN"/>
+              <a:t>1</a:t>
+            </a:r>
+            <a:r>
+              <a:rPr lang="zh-CN" altLang="en-US"/>
+              <a:t>，专家判断，</a:t>
+            </a:r>
+            <a:r>
+              <a:rPr lang="en-US" altLang="zh-CN"/>
+              <a:t>2</a:t>
+            </a:r>
+            <a:r>
+              <a:rPr lang="zh-CN" altLang="en-US"/>
+              <a:t>：分析技术，</a:t>
+            </a:r>
+            <a:r>
+              <a:rPr lang="en-US" altLang="zh-CN"/>
+              <a:t>3</a:t>
+            </a:r>
+            <a:r>
+              <a:rPr lang="zh-CN" altLang="en-US"/>
+              <a:t>：会议</a:t>
+            </a:r>
+            <a:endParaRPr lang="zh-CN" altLang="en-US"/>
+          </a:p>
+          <a:p>
+            <a:pPr marL="285750" indent="-285750" algn="l">
+              <a:buFont typeface="Arial" panose="020B0604020202020204" pitchFamily="34" charset="0"/>
+              <a:buChar char="•"/>
+            </a:pPr>
+            <a:r>
+              <a:rPr lang="zh-CN" altLang="en-US"/>
+              <a:t>输出：</a:t>
+            </a:r>
+            <a:r>
+              <a:rPr lang="en-US" altLang="zh-CN"/>
+              <a:t>1</a:t>
+            </a:r>
+            <a:r>
+              <a:rPr lang="zh-CN" altLang="en-US"/>
+              <a:t>：成本管理计划</a:t>
+            </a:r>
             <a:endParaRPr lang="zh-CN" altLang="en-US"/>
           </a:p>
         </p:txBody>
@@ -20522,18 +22660,10 @@
           <a:bodyPr/>
           <a:p>
             <a:r>
-              <a:rPr lang="zh-CN" altLang="en-US"/>
-              <a:t>创建</a:t>
-            </a:r>
-            <a:r>
-              <a:rPr lang="en-US" altLang="zh-CN"/>
-              <a:t>WBS---</a:t>
-            </a:r>
-            <a:r>
-              <a:rPr lang="zh-CN" altLang="en-US"/>
-              <a:t>输出</a:t>
-            </a:r>
-            <a:endParaRPr lang="zh-CN" altLang="en-US"/>
+              <a:rPr lang="zh-CN"/>
+              <a:t>成本管理计划</a:t>
+            </a:r>
+            <a:endParaRPr lang="zh-CN"/>
           </a:p>
         </p:txBody>
       </p:sp>
@@ -20560,6 +22690,144 @@
               <a:buFont typeface="Arial" panose="020B0604020202020204" pitchFamily="34" charset="0"/>
               <a:buChar char="•"/>
             </a:pPr>
+            <a:r>
+              <a:rPr lang="zh-CN" altLang="en-US"/>
+              <a:t>项目管理计划的组成部分</a:t>
+            </a:r>
+            <a:endParaRPr lang="zh-CN" altLang="en-US"/>
+          </a:p>
+          <a:p>
+            <a:pPr marL="285750" indent="-285750" algn="l">
+              <a:buFont typeface="Arial" panose="020B0604020202020204" pitchFamily="34" charset="0"/>
+              <a:buChar char="•"/>
+            </a:pPr>
+            <a:r>
+              <a:rPr lang="zh-CN" altLang="en-US"/>
+              <a:t>描述将如何规划，安排，和控制项目成本</a:t>
+            </a:r>
+            <a:endParaRPr lang="zh-CN" altLang="en-US"/>
+          </a:p>
+          <a:p>
+            <a:pPr marL="285750" indent="-285750" algn="l">
+              <a:buFont typeface="Arial" panose="020B0604020202020204" pitchFamily="34" charset="0"/>
+              <a:buChar char="•"/>
+            </a:pPr>
+            <a:r>
+              <a:rPr lang="zh-CN" altLang="en-US"/>
+              <a:t>记录了成本管理过程及其工具与技术</a:t>
+            </a:r>
+            <a:endParaRPr lang="zh-CN" altLang="en-US"/>
+          </a:p>
+          <a:p>
+            <a:pPr marL="285750" indent="-285750" algn="l">
+              <a:buFont typeface="Arial" panose="020B0604020202020204" pitchFamily="34" charset="0"/>
+              <a:buChar char="•"/>
+            </a:pPr>
+            <a:r>
+              <a:rPr lang="zh-CN" altLang="en-US"/>
+              <a:t>成本管理计划中规定</a:t>
+            </a:r>
+            <a:endParaRPr lang="zh-CN" altLang="en-US"/>
+          </a:p>
+          <a:p>
+            <a:pPr marL="742950" lvl="1" indent="-285750" algn="l">
+              <a:buFont typeface="Arial" panose="020B0604020202020204" pitchFamily="34" charset="0"/>
+              <a:buChar char="•"/>
+            </a:pPr>
+            <a:r>
+              <a:rPr lang="zh-CN" altLang="en-US"/>
+              <a:t>计量单位（资源的计量单位，如人天，人月等）</a:t>
+            </a:r>
+            <a:endParaRPr lang="zh-CN" altLang="en-US"/>
+          </a:p>
+          <a:p>
+            <a:pPr marL="742950" lvl="1" indent="-285750" algn="l">
+              <a:buFont typeface="Arial" panose="020B0604020202020204" pitchFamily="34" charset="0"/>
+              <a:buChar char="•"/>
+            </a:pPr>
+            <a:r>
+              <a:rPr lang="zh-CN" altLang="en-US"/>
+              <a:t>精确度（最小货币单位）</a:t>
+            </a:r>
+            <a:endParaRPr lang="zh-CN" altLang="en-US"/>
+          </a:p>
+          <a:p>
+            <a:pPr marL="742950" lvl="1" indent="-285750" algn="l">
+              <a:buFont typeface="Arial" panose="020B0604020202020204" pitchFamily="34" charset="0"/>
+              <a:buChar char="•"/>
+            </a:pPr>
+            <a:r>
+              <a:rPr lang="zh-CN" altLang="en-US"/>
+              <a:t>准确度（可接受的区间，如</a:t>
+            </a:r>
+            <a:r>
+              <a:rPr lang="en-US" altLang="zh-CN"/>
+              <a:t>+-10%</a:t>
+            </a:r>
+            <a:r>
+              <a:rPr lang="zh-CN" altLang="en-US"/>
+              <a:t>）</a:t>
+            </a:r>
+            <a:endParaRPr lang="zh-CN" altLang="en-US"/>
+          </a:p>
+          <a:p>
+            <a:pPr marL="742950" lvl="1" indent="-285750" algn="l">
+              <a:buFont typeface="Arial" panose="020B0604020202020204" pitchFamily="34" charset="0"/>
+              <a:buChar char="•"/>
+            </a:pPr>
+            <a:r>
+              <a:rPr lang="zh-CN" altLang="en-US"/>
+              <a:t>组织程序链接（控制账户</a:t>
+            </a:r>
+            <a:r>
+              <a:rPr lang="en-US" altLang="zh-CN"/>
+              <a:t>CA</a:t>
+            </a:r>
+            <a:r>
+              <a:rPr lang="zh-CN" altLang="en-US"/>
+              <a:t>）</a:t>
+            </a:r>
+            <a:endParaRPr lang="zh-CN" altLang="en-US"/>
+          </a:p>
+          <a:p>
+            <a:pPr marL="742950" lvl="1" indent="-285750" algn="l">
+              <a:buFont typeface="Arial" panose="020B0604020202020204" pitchFamily="34" charset="0"/>
+              <a:buChar char="•"/>
+            </a:pPr>
+            <a:r>
+              <a:rPr lang="zh-CN" altLang="en-US"/>
+              <a:t>控制临界值（通常用偏离基准的百分数）</a:t>
+            </a:r>
+            <a:endParaRPr lang="zh-CN" altLang="en-US"/>
+          </a:p>
+          <a:p>
+            <a:pPr marL="742950" lvl="1" indent="-285750" algn="l">
+              <a:buFont typeface="Arial" panose="020B0604020202020204" pitchFamily="34" charset="0"/>
+              <a:buChar char="•"/>
+            </a:pPr>
+            <a:r>
+              <a:rPr lang="zh-CN" altLang="en-US"/>
+              <a:t>绩效测量规则（</a:t>
+            </a:r>
+            <a:r>
+              <a:rPr lang="en-US" altLang="zh-CN"/>
+              <a:t>EVM</a:t>
+            </a:r>
+            <a:r>
+              <a:rPr lang="zh-CN" altLang="en-US"/>
+              <a:t>）</a:t>
+            </a:r>
+            <a:endParaRPr lang="zh-CN" altLang="en-US"/>
+          </a:p>
+          <a:p>
+            <a:pPr marL="1200150" lvl="2" indent="-285750" algn="l">
+              <a:buFont typeface="Arial" panose="020B0604020202020204" pitchFamily="34" charset="0"/>
+              <a:buChar char="•"/>
+            </a:pPr>
+            <a:r>
+              <a:rPr lang="zh-CN" altLang="en-US"/>
+              <a:t>挣值测量技术等</a:t>
+            </a:r>
             <a:endParaRPr lang="zh-CN" altLang="en-US"/>
           </a:p>
         </p:txBody>
@@ -20958,7 +23226,7 @@
         </p:nvSpPr>
         <p:spPr>
           <a:xfrm>
-            <a:off x="1187450" y="548640"/>
+            <a:off x="1188085" y="332105"/>
             <a:ext cx="6858000" cy="878840"/>
           </a:xfrm>
         </p:spPr>
@@ -20967,15 +23235,7 @@
           <a:p>
             <a:r>
               <a:rPr lang="zh-CN" altLang="en-US"/>
-              <a:t>创建</a:t>
-            </a:r>
-            <a:r>
-              <a:rPr lang="en-US" altLang="zh-CN"/>
-              <a:t>WBS---</a:t>
-            </a:r>
-            <a:r>
-              <a:rPr lang="zh-CN" altLang="en-US"/>
-              <a:t>输出</a:t>
+              <a:t>估算成本</a:t>
             </a:r>
             <a:endParaRPr lang="zh-CN" altLang="en-US"/>
           </a:p>
@@ -20993,7 +23253,7 @@
         </p:nvSpPr>
         <p:spPr>
           <a:xfrm>
-            <a:off x="1143000" y="1722120"/>
+            <a:off x="1143000" y="1340485"/>
             <a:ext cx="6858000" cy="3535680"/>
           </a:xfrm>
         </p:spPr>
@@ -21004,6 +23264,177 @@
               <a:buFont typeface="Arial" panose="020B0604020202020204" pitchFamily="34" charset="0"/>
               <a:buChar char="•"/>
             </a:pPr>
+            <a:r>
+              <a:rPr lang="zh-CN" altLang="en-US"/>
+              <a:t>对完成项目活动所需资金进行近似估算的过程</a:t>
+            </a:r>
+            <a:endParaRPr lang="zh-CN" altLang="en-US"/>
+          </a:p>
+          <a:p>
+            <a:pPr marL="285750" indent="-285750" algn="l">
+              <a:buFont typeface="Arial" panose="020B0604020202020204" pitchFamily="34" charset="0"/>
+              <a:buChar char="•"/>
+            </a:pPr>
+            <a:r>
+              <a:rPr lang="zh-CN" altLang="en-US"/>
+              <a:t>主要作用是：确定完成项目工作所需的成本数额</a:t>
+            </a:r>
+            <a:endParaRPr lang="zh-CN" altLang="en-US"/>
+          </a:p>
+          <a:p>
+            <a:pPr marL="285750" indent="-285750" algn="l">
+              <a:buFont typeface="Arial" panose="020B0604020202020204" pitchFamily="34" charset="0"/>
+              <a:buChar char="•"/>
+            </a:pPr>
+            <a:r>
+              <a:rPr lang="zh-CN" altLang="en-US"/>
+              <a:t>进行成本估算，应考虑将向项目收费的全部资源，包括但不限于人工，材料，设备，服务，设施，以及一些特殊的成本种类，如通货膨胀补贴，融资成本或应急成本</a:t>
+            </a:r>
+            <a:endParaRPr lang="zh-CN" altLang="en-US"/>
+          </a:p>
+          <a:p>
+            <a:pPr marL="285750" indent="-285750" algn="l">
+              <a:buFont typeface="Arial" panose="020B0604020202020204" pitchFamily="34" charset="0"/>
+              <a:buChar char="•"/>
+            </a:pPr>
+            <a:r>
+              <a:rPr lang="zh-CN" altLang="en-US"/>
+              <a:t>成本估算步骤</a:t>
+            </a:r>
+            <a:endParaRPr lang="zh-CN" altLang="en-US"/>
+          </a:p>
+          <a:p>
+            <a:pPr marL="742950" lvl="1" indent="-285750" algn="l">
+              <a:buFont typeface="Arial" panose="020B0604020202020204" pitchFamily="34" charset="0"/>
+              <a:buChar char="•"/>
+            </a:pPr>
+            <a:r>
+              <a:rPr lang="zh-CN" altLang="en-US"/>
+              <a:t>识别并分析项目成本的构成项目</a:t>
+            </a:r>
+            <a:endParaRPr lang="zh-CN" altLang="en-US"/>
+          </a:p>
+          <a:p>
+            <a:pPr marL="742950" lvl="1" indent="-285750" algn="l">
+              <a:buFont typeface="Arial" panose="020B0604020202020204" pitchFamily="34" charset="0"/>
+              <a:buChar char="•"/>
+            </a:pPr>
+            <a:r>
+              <a:rPr lang="zh-CN" altLang="en-US"/>
+              <a:t>估算每一科目的成本大小</a:t>
+            </a:r>
+            <a:endParaRPr lang="zh-CN" altLang="en-US"/>
+          </a:p>
+          <a:p>
+            <a:pPr marL="742950" lvl="1" indent="-285750" algn="l">
+              <a:buFont typeface="Arial" panose="020B0604020202020204" pitchFamily="34" charset="0"/>
+              <a:buChar char="•"/>
+            </a:pPr>
+            <a:r>
+              <a:rPr lang="zh-CN" altLang="en-US"/>
+              <a:t>分析成本估算结果，找出各种可以替代的成本，协调各种成本之间的比例关系</a:t>
+            </a:r>
+            <a:endParaRPr lang="zh-CN" altLang="en-US"/>
+          </a:p>
+          <a:p>
+            <a:pPr marL="285750" lvl="0" indent="-285750" algn="l">
+              <a:buFont typeface="Arial" panose="020B0604020202020204" pitchFamily="34" charset="0"/>
+              <a:buChar char="•"/>
+            </a:pPr>
+            <a:r>
+              <a:rPr lang="zh-CN" altLang="en-US"/>
+              <a:t>估算成本的原则</a:t>
+            </a:r>
+            <a:endParaRPr lang="zh-CN" altLang="en-US"/>
+          </a:p>
+          <a:p>
+            <a:pPr marL="742950" lvl="1" indent="-285750" algn="l">
+              <a:buFont typeface="Arial" panose="020B0604020202020204" pitchFamily="34" charset="0"/>
+              <a:buChar char="•"/>
+            </a:pPr>
+            <a:r>
+              <a:rPr lang="zh-CN" altLang="en-US"/>
+              <a:t>估算应该建立在</a:t>
+            </a:r>
+            <a:r>
+              <a:rPr lang="en-US" altLang="zh-CN"/>
+              <a:t>WBS</a:t>
+            </a:r>
+            <a:r>
+              <a:rPr lang="zh-CN" altLang="en-US"/>
+              <a:t>的基础上以增加准确度</a:t>
+            </a:r>
+            <a:endParaRPr lang="zh-CN" altLang="en-US"/>
+          </a:p>
+          <a:p>
+            <a:pPr marL="742950" lvl="1" indent="-285750" algn="l">
+              <a:buFont typeface="Arial" panose="020B0604020202020204" pitchFamily="34" charset="0"/>
+              <a:buChar char="•"/>
+            </a:pPr>
+            <a:r>
+              <a:rPr lang="zh-CN" altLang="en-US"/>
+              <a:t>估算应该由具体做该工作的人来进行</a:t>
+            </a:r>
+            <a:endParaRPr lang="zh-CN" altLang="en-US"/>
+          </a:p>
+          <a:p>
+            <a:pPr marL="742950" lvl="1" indent="-285750" algn="l">
+              <a:buFont typeface="Arial" panose="020B0604020202020204" pitchFamily="34" charset="0"/>
+              <a:buChar char="•"/>
+            </a:pPr>
+            <a:r>
+              <a:rPr lang="zh-CN" altLang="en-US"/>
+              <a:t>合理使用历史资料</a:t>
+            </a:r>
+            <a:endParaRPr lang="zh-CN" altLang="en-US"/>
+          </a:p>
+          <a:p>
+            <a:pPr marL="742950" lvl="1" indent="-285750" algn="l">
+              <a:buFont typeface="Arial" panose="020B0604020202020204" pitchFamily="34" charset="0"/>
+              <a:buChar char="•"/>
+            </a:pPr>
+            <a:r>
+              <a:rPr lang="zh-CN" altLang="en-US"/>
+              <a:t>估算中不应该掺水，</a:t>
+            </a:r>
+            <a:r>
+              <a:rPr lang="en-US" altLang="zh-CN"/>
+              <a:t>Reserver</a:t>
+            </a:r>
+            <a:r>
+              <a:rPr lang="zh-CN" altLang="en-US"/>
+              <a:t>允许，</a:t>
+            </a:r>
+            <a:r>
+              <a:rPr lang="en-US" altLang="zh-CN"/>
+              <a:t>Padding</a:t>
+            </a:r>
+            <a:r>
+              <a:rPr lang="zh-CN" altLang="en-US"/>
+              <a:t>不允许</a:t>
+            </a:r>
+            <a:endParaRPr lang="zh-CN" altLang="en-US"/>
+          </a:p>
+          <a:p>
+            <a:pPr marL="742950" lvl="1" indent="-285750" algn="l">
+              <a:buFont typeface="Arial" panose="020B0604020202020204" pitchFamily="34" charset="0"/>
+              <a:buChar char="•"/>
+            </a:pPr>
+            <a:r>
+              <a:rPr lang="zh-CN" altLang="en-US"/>
+              <a:t>不能简单接受管理层的意见</a:t>
+            </a:r>
+            <a:endParaRPr lang="zh-CN" altLang="en-US"/>
+          </a:p>
+          <a:p>
+            <a:pPr marL="742950" lvl="1" indent="-285750" algn="l">
+              <a:buFont typeface="Arial" panose="020B0604020202020204" pitchFamily="34" charset="0"/>
+              <a:buChar char="•"/>
+            </a:pPr>
+            <a:r>
+              <a:rPr lang="zh-CN" altLang="en-US"/>
+              <a:t>估算时需要识别和分析被选成本方案</a:t>
+            </a:r>
             <a:endParaRPr lang="zh-CN" altLang="en-US"/>
           </a:p>
         </p:txBody>
@@ -21047,15 +23478,7 @@
           <a:p>
             <a:r>
               <a:rPr lang="zh-CN" altLang="en-US"/>
-              <a:t>创建</a:t>
-            </a:r>
-            <a:r>
-              <a:rPr lang="en-US" altLang="zh-CN"/>
-              <a:t>WBS---</a:t>
-            </a:r>
-            <a:r>
-              <a:rPr lang="zh-CN" altLang="en-US"/>
-              <a:t>输出</a:t>
+              <a:t>估算准确度</a:t>
             </a:r>
             <a:endParaRPr lang="zh-CN" altLang="en-US"/>
           </a:p>
@@ -21084,10 +23507,870 @@
               <a:buFont typeface="Arial" panose="020B0604020202020204" pitchFamily="34" charset="0"/>
               <a:buChar char="•"/>
             </a:pPr>
-            <a:endParaRPr lang="zh-CN" altLang="en-US"/>
-          </a:p>
-        </p:txBody>
-      </p:sp>
+            <a:r>
+              <a:rPr lang="en-US" altLang="zh-CN"/>
+              <a:t> </a:t>
+            </a:r>
+            <a:endParaRPr lang="en-US" altLang="zh-CN"/>
+          </a:p>
+        </p:txBody>
+      </p:sp>
+      <p:graphicFrame>
+        <p:nvGraphicFramePr>
+          <p:cNvPr id="4" name="表格 3"/>
+          <p:cNvGraphicFramePr/>
+          <p:nvPr>
+            <p:custDataLst>
+              <p:tags r:id="rId1"/>
+            </p:custDataLst>
+          </p:nvPr>
+        </p:nvGraphicFramePr>
+        <p:xfrm>
+          <a:off x="506730" y="1856740"/>
+          <a:ext cx="7263130" cy="3195320"/>
+        </p:xfrm>
+        <a:graphic>
+          <a:graphicData uri="http://schemas.openxmlformats.org/drawingml/2006/table">
+            <a:tbl>
+              <a:tblPr firstRow="1" bandRow="1">
+                <a:tableStyleId>{5C22544A-7EE6-4342-B048-85BDC9FD1C3A}</a:tableStyleId>
+              </a:tblPr>
+              <a:tblGrid>
+                <a:gridCol w="1380490"/>
+                <a:gridCol w="1544955"/>
+                <a:gridCol w="2738120"/>
+                <a:gridCol w="1599565"/>
+              </a:tblGrid>
+              <a:tr h="798830">
+                <a:tc>
+                  <a:txBody>
+                    <a:bodyPr/>
+                    <a:p>
+                      <a:pPr>
+                        <a:buNone/>
+                      </a:pPr>
+                      <a:r>
+                        <a:rPr lang="zh-CN" altLang="en-US" b="1">
+                          <a:solidFill>
+                            <a:schemeClr val="tx1"/>
+                          </a:solidFill>
+                        </a:rPr>
+                        <a:t>估算类别</a:t>
+                      </a:r>
+                      <a:endParaRPr lang="zh-CN" altLang="en-US" b="1">
+                        <a:solidFill>
+                          <a:schemeClr val="tx1"/>
+                        </a:solidFill>
+                      </a:endParaRPr>
+                    </a:p>
+                  </a:txBody>
+                  <a:tcPr/>
+                </a:tc>
+                <a:tc>
+                  <a:txBody>
+                    <a:bodyPr/>
+                    <a:p>
+                      <a:pPr>
+                        <a:buNone/>
+                      </a:pPr>
+                      <a:r>
+                        <a:rPr lang="zh-CN" altLang="en-US" b="1">
+                          <a:solidFill>
+                            <a:schemeClr val="tx1"/>
+                          </a:solidFill>
+                        </a:rPr>
+                        <a:t>准确度</a:t>
+                      </a:r>
+                      <a:endParaRPr lang="zh-CN" altLang="en-US" b="1">
+                        <a:solidFill>
+                          <a:schemeClr val="tx1"/>
+                        </a:solidFill>
+                      </a:endParaRPr>
+                    </a:p>
+                  </a:txBody>
+                  <a:tcPr/>
+                </a:tc>
+                <a:tc>
+                  <a:txBody>
+                    <a:bodyPr/>
+                    <a:p>
+                      <a:pPr>
+                        <a:buNone/>
+                      </a:pPr>
+                      <a:r>
+                        <a:rPr lang="zh-CN" altLang="en-US" b="1">
+                          <a:solidFill>
+                            <a:schemeClr val="tx1"/>
+                          </a:solidFill>
+                        </a:rPr>
+                        <a:t>说明</a:t>
+                      </a:r>
+                      <a:endParaRPr lang="zh-CN" altLang="en-US" b="1">
+                        <a:solidFill>
+                          <a:schemeClr val="tx1"/>
+                        </a:solidFill>
+                      </a:endParaRPr>
+                    </a:p>
+                  </a:txBody>
+                  <a:tcPr/>
+                </a:tc>
+                <a:tc>
+                  <a:txBody>
+                    <a:bodyPr/>
+                    <a:p>
+                      <a:pPr>
+                        <a:buNone/>
+                      </a:pPr>
+                      <a:r>
+                        <a:rPr lang="zh-CN" altLang="en-US" b="1">
+                          <a:solidFill>
+                            <a:schemeClr val="tx1"/>
+                          </a:solidFill>
+                        </a:rPr>
+                        <a:t>其他称谓</a:t>
+                      </a:r>
+                      <a:endParaRPr lang="zh-CN" altLang="en-US" b="1">
+                        <a:solidFill>
+                          <a:schemeClr val="tx1"/>
+                        </a:solidFill>
+                      </a:endParaRPr>
+                    </a:p>
+                  </a:txBody>
+                  <a:tcPr/>
+                </a:tc>
+              </a:tr>
+              <a:tr h="798830">
+                <a:tc>
+                  <a:txBody>
+                    <a:bodyPr/>
+                    <a:p>
+                      <a:pPr>
+                        <a:buNone/>
+                      </a:pPr>
+                      <a:r>
+                        <a:rPr lang="zh-CN" altLang="en-US" b="1">
+                          <a:solidFill>
+                            <a:schemeClr val="tx1"/>
+                          </a:solidFill>
+                        </a:rPr>
+                        <a:t>粗略级估算</a:t>
+                      </a:r>
+                      <a:endParaRPr lang="zh-CN" altLang="en-US" b="1">
+                        <a:solidFill>
+                          <a:schemeClr val="tx1"/>
+                        </a:solidFill>
+                      </a:endParaRPr>
+                    </a:p>
+                  </a:txBody>
+                  <a:tcPr/>
+                </a:tc>
+                <a:tc>
+                  <a:txBody>
+                    <a:bodyPr/>
+                    <a:p>
+                      <a:pPr>
+                        <a:buNone/>
+                      </a:pPr>
+                      <a:r>
+                        <a:rPr lang="en-US" altLang="zh-CN" b="1">
+                          <a:solidFill>
+                            <a:schemeClr val="tx1"/>
+                          </a:solidFill>
+                        </a:rPr>
+                        <a:t>-25% - +75%</a:t>
+                      </a:r>
+                      <a:endParaRPr lang="en-US" altLang="zh-CN" b="1">
+                        <a:solidFill>
+                          <a:schemeClr val="tx1"/>
+                        </a:solidFill>
+                      </a:endParaRPr>
+                    </a:p>
+                  </a:txBody>
+                  <a:tcPr/>
+                </a:tc>
+                <a:tc>
+                  <a:txBody>
+                    <a:bodyPr/>
+                    <a:p>
+                      <a:pPr>
+                        <a:buNone/>
+                      </a:pPr>
+                      <a:r>
+                        <a:rPr lang="en-US" altLang="zh-CN" sz="1400" b="1">
+                          <a:solidFill>
+                            <a:schemeClr val="tx1"/>
+                          </a:solidFill>
+                        </a:rPr>
+                        <a:t>1</a:t>
+                      </a:r>
+                      <a:r>
+                        <a:rPr lang="zh-CN" altLang="en-US" sz="1400" b="1">
+                          <a:solidFill>
+                            <a:schemeClr val="tx1"/>
+                          </a:solidFill>
+                        </a:rPr>
+                        <a:t>：通常在概念形成与启动阶段</a:t>
+                      </a:r>
+                      <a:endParaRPr lang="zh-CN" altLang="en-US" sz="1400" b="1">
+                        <a:solidFill>
+                          <a:schemeClr val="tx1"/>
+                        </a:solidFill>
+                      </a:endParaRPr>
+                    </a:p>
+                    <a:p>
+                      <a:pPr>
+                        <a:buNone/>
+                      </a:pPr>
+                      <a:r>
+                        <a:rPr lang="en-US" altLang="zh-CN" sz="1400" b="1">
+                          <a:solidFill>
+                            <a:schemeClr val="tx1"/>
+                          </a:solidFill>
+                        </a:rPr>
+                        <a:t>2</a:t>
+                      </a:r>
+                      <a:r>
+                        <a:rPr lang="zh-CN" altLang="en-US" sz="1400" b="1">
+                          <a:solidFill>
+                            <a:schemeClr val="tx1"/>
+                          </a:solidFill>
+                        </a:rPr>
+                        <a:t>：基于具有比例因子的某一工作范围</a:t>
+                      </a:r>
+                      <a:endParaRPr lang="zh-CN" altLang="en-US" sz="1400" b="1">
+                        <a:solidFill>
+                          <a:schemeClr val="tx1"/>
+                        </a:solidFill>
+                      </a:endParaRPr>
+                    </a:p>
+                    <a:p>
+                      <a:pPr>
+                        <a:buNone/>
+                      </a:pPr>
+                      <a:r>
+                        <a:rPr lang="en-US" altLang="zh-CN" sz="1400" b="1">
+                          <a:solidFill>
+                            <a:schemeClr val="tx1"/>
+                          </a:solidFill>
+                        </a:rPr>
+                        <a:t>3</a:t>
+                      </a:r>
+                      <a:r>
+                        <a:rPr lang="zh-CN" altLang="en-US" sz="1400" b="1">
+                          <a:solidFill>
+                            <a:schemeClr val="tx1"/>
+                          </a:solidFill>
+                        </a:rPr>
+                        <a:t>：用于可行性研究</a:t>
+                      </a:r>
+                      <a:endParaRPr lang="zh-CN" altLang="en-US" sz="1400" b="1">
+                        <a:solidFill>
+                          <a:schemeClr val="tx1"/>
+                        </a:solidFill>
+                      </a:endParaRPr>
+                    </a:p>
+                  </a:txBody>
+                  <a:tcPr/>
+                </a:tc>
+                <a:tc>
+                  <a:txBody>
+                    <a:bodyPr/>
+                    <a:p>
+                      <a:pPr>
+                        <a:buNone/>
+                      </a:pPr>
+                      <a:r>
+                        <a:rPr lang="en-US" altLang="zh-CN" sz="1200" b="1">
+                          <a:solidFill>
+                            <a:schemeClr val="tx1"/>
+                          </a:solidFill>
+                        </a:rPr>
+                        <a:t>1</a:t>
+                      </a:r>
+                      <a:r>
+                        <a:rPr lang="zh-CN" altLang="en-US" sz="1200" b="1">
+                          <a:solidFill>
+                            <a:schemeClr val="tx1"/>
+                          </a:solidFill>
+                        </a:rPr>
+                        <a:t>：棒球场估算</a:t>
+                      </a:r>
+                      <a:endParaRPr lang="zh-CN" altLang="en-US" sz="1200" b="1">
+                        <a:solidFill>
+                          <a:schemeClr val="tx1"/>
+                        </a:solidFill>
+                      </a:endParaRPr>
+                    </a:p>
+                    <a:p>
+                      <a:pPr>
+                        <a:buNone/>
+                      </a:pPr>
+                      <a:r>
+                        <a:rPr lang="en-US" altLang="zh-CN" sz="1200" b="1">
+                          <a:solidFill>
+                            <a:schemeClr val="tx1"/>
+                          </a:solidFill>
+                        </a:rPr>
+                        <a:t>2</a:t>
+                      </a:r>
+                      <a:r>
+                        <a:rPr lang="zh-CN" altLang="en-US" sz="1200" b="1">
+                          <a:solidFill>
+                            <a:schemeClr val="tx1"/>
+                          </a:solidFill>
+                        </a:rPr>
+                        <a:t>：</a:t>
+                      </a:r>
+                      <a:r>
+                        <a:rPr lang="en-US" altLang="zh-CN" sz="1200" b="1">
+                          <a:solidFill>
+                            <a:schemeClr val="tx1"/>
+                          </a:solidFill>
+                        </a:rPr>
+                        <a:t>C</a:t>
+                      </a:r>
+                      <a:r>
+                        <a:rPr lang="zh-CN" altLang="en-US" sz="1200" b="1">
+                          <a:solidFill>
+                            <a:schemeClr val="tx1"/>
+                          </a:solidFill>
+                        </a:rPr>
+                        <a:t>概念估算</a:t>
+                      </a:r>
+                      <a:endParaRPr lang="zh-CN" altLang="en-US" sz="1200" b="1">
+                        <a:solidFill>
+                          <a:schemeClr val="tx1"/>
+                        </a:solidFill>
+                      </a:endParaRPr>
+                    </a:p>
+                    <a:p>
+                      <a:pPr>
+                        <a:buNone/>
+                      </a:pPr>
+                      <a:r>
+                        <a:rPr lang="en-US" altLang="zh-CN" sz="1200" b="1">
+                          <a:solidFill>
+                            <a:schemeClr val="tx1"/>
+                          </a:solidFill>
+                        </a:rPr>
+                        <a:t>3</a:t>
+                      </a:r>
+                      <a:r>
+                        <a:rPr lang="zh-CN" altLang="en-US" sz="1200" b="1">
+                          <a:solidFill>
+                            <a:schemeClr val="tx1"/>
+                          </a:solidFill>
+                        </a:rPr>
+                        <a:t>：可行性估算</a:t>
+                      </a:r>
+                      <a:endParaRPr lang="zh-CN" altLang="en-US" sz="1200" b="1">
+                        <a:solidFill>
+                          <a:schemeClr val="tx1"/>
+                        </a:solidFill>
+                      </a:endParaRPr>
+                    </a:p>
+                    <a:p>
+                      <a:pPr>
+                        <a:buNone/>
+                      </a:pPr>
+                      <a:r>
+                        <a:rPr lang="en-US" altLang="zh-CN" sz="1200" b="1">
+                          <a:solidFill>
+                            <a:schemeClr val="tx1"/>
+                          </a:solidFill>
+                        </a:rPr>
+                        <a:t>4</a:t>
+                      </a:r>
+                      <a:r>
+                        <a:rPr lang="zh-CN" altLang="en-US" sz="1200" b="1">
+                          <a:solidFill>
+                            <a:schemeClr val="tx1"/>
+                          </a:solidFill>
+                        </a:rPr>
+                        <a:t>：</a:t>
+                      </a:r>
+                      <a:r>
+                        <a:rPr lang="en-US" altLang="zh-CN" sz="1200" b="1">
+                          <a:solidFill>
+                            <a:schemeClr val="tx1"/>
+                          </a:solidFill>
+                        </a:rPr>
+                        <a:t>SWAG</a:t>
+                      </a:r>
+                      <a:r>
+                        <a:rPr lang="zh-CN" altLang="en-US" sz="1200" b="1">
+                          <a:solidFill>
+                            <a:schemeClr val="tx1"/>
+                          </a:solidFill>
+                        </a:rPr>
+                        <a:t>估算</a:t>
+                      </a:r>
+                      <a:endParaRPr lang="zh-CN" altLang="en-US" sz="1200" b="1">
+                        <a:solidFill>
+                          <a:schemeClr val="tx1"/>
+                        </a:solidFill>
+                      </a:endParaRPr>
+                    </a:p>
+                    <a:p>
+                      <a:pPr>
+                        <a:buNone/>
+                      </a:pPr>
+                      <a:endParaRPr lang="zh-CN" altLang="en-US" sz="1200" b="1">
+                        <a:solidFill>
+                          <a:schemeClr val="tx1"/>
+                        </a:solidFill>
+                      </a:endParaRPr>
+                    </a:p>
+                  </a:txBody>
+                  <a:tcPr/>
+                </a:tc>
+              </a:tr>
+              <a:tr h="798830">
+                <a:tc>
+                  <a:txBody>
+                    <a:bodyPr/>
+                    <a:p>
+                      <a:pPr>
+                        <a:buNone/>
+                      </a:pPr>
+                      <a:r>
+                        <a:rPr lang="zh-CN" altLang="en-US" b="1">
+                          <a:solidFill>
+                            <a:schemeClr val="tx1"/>
+                          </a:solidFill>
+                        </a:rPr>
+                        <a:t>预算估算</a:t>
+                      </a:r>
+                      <a:endParaRPr lang="zh-CN" altLang="en-US" b="1">
+                        <a:solidFill>
+                          <a:schemeClr val="tx1"/>
+                        </a:solidFill>
+                      </a:endParaRPr>
+                    </a:p>
+                  </a:txBody>
+                  <a:tcPr/>
+                </a:tc>
+                <a:tc>
+                  <a:txBody>
+                    <a:bodyPr/>
+                    <a:p>
+                      <a:pPr>
+                        <a:buNone/>
+                      </a:pPr>
+                      <a:r>
+                        <a:rPr lang="en-US" altLang="zh-CN" b="1">
+                          <a:solidFill>
+                            <a:schemeClr val="tx1"/>
+                          </a:solidFill>
+                        </a:rPr>
+                        <a:t>-10% - +25%</a:t>
+                      </a:r>
+                      <a:endParaRPr lang="en-US" altLang="zh-CN" b="1">
+                        <a:solidFill>
+                          <a:schemeClr val="tx1"/>
+                        </a:solidFill>
+                      </a:endParaRPr>
+                    </a:p>
+                  </a:txBody>
+                  <a:tcPr/>
+                </a:tc>
+                <a:tc>
+                  <a:txBody>
+                    <a:bodyPr/>
+                    <a:p>
+                      <a:pPr>
+                        <a:buNone/>
+                      </a:pPr>
+                      <a:r>
+                        <a:rPr lang="en-US" altLang="zh-CN" sz="1400" b="1">
+                          <a:solidFill>
+                            <a:schemeClr val="tx1"/>
+                          </a:solidFill>
+                        </a:rPr>
+                        <a:t>1</a:t>
+                      </a:r>
+                      <a:r>
+                        <a:rPr lang="zh-CN" altLang="en-US" sz="1400" b="1">
+                          <a:solidFill>
+                            <a:schemeClr val="tx1"/>
+                          </a:solidFill>
+                        </a:rPr>
+                        <a:t>：通常发生在计划编制阶段</a:t>
+                      </a:r>
+                      <a:endParaRPr lang="zh-CN" altLang="en-US" sz="1400" b="1">
+                        <a:solidFill>
+                          <a:schemeClr val="tx1"/>
+                        </a:solidFill>
+                      </a:endParaRPr>
+                    </a:p>
+                    <a:p>
+                      <a:pPr>
+                        <a:buNone/>
+                      </a:pPr>
+                      <a:r>
+                        <a:rPr lang="en-US" altLang="zh-CN" sz="1400" b="1">
+                          <a:solidFill>
+                            <a:schemeClr val="tx1"/>
+                          </a:solidFill>
+                        </a:rPr>
+                        <a:t>2</a:t>
+                      </a:r>
+                      <a:r>
+                        <a:rPr lang="zh-CN" altLang="en-US" sz="1400" b="1">
+                          <a:solidFill>
+                            <a:schemeClr val="tx1"/>
+                          </a:solidFill>
+                        </a:rPr>
+                        <a:t>：一种自上而下的估算</a:t>
+                      </a:r>
+                      <a:endParaRPr lang="zh-CN" altLang="en-US" sz="1400" b="1">
+                        <a:solidFill>
+                          <a:schemeClr val="tx1"/>
+                        </a:solidFill>
+                      </a:endParaRPr>
+                    </a:p>
+                  </a:txBody>
+                  <a:tcPr/>
+                </a:tc>
+                <a:tc>
+                  <a:txBody>
+                    <a:bodyPr/>
+                    <a:p>
+                      <a:pPr>
+                        <a:buNone/>
+                      </a:pPr>
+                      <a:r>
+                        <a:rPr lang="en-US" altLang="zh-CN" sz="1200" b="1">
+                          <a:solidFill>
+                            <a:schemeClr val="tx1"/>
+                          </a:solidFill>
+                        </a:rPr>
+                        <a:t>1</a:t>
+                      </a:r>
+                      <a:r>
+                        <a:rPr lang="zh-CN" altLang="en-US" sz="1200" b="1">
+                          <a:solidFill>
+                            <a:schemeClr val="tx1"/>
+                          </a:solidFill>
+                        </a:rPr>
+                        <a:t>：自上而下估算</a:t>
+                      </a:r>
+                      <a:endParaRPr lang="zh-CN" altLang="en-US" sz="1200" b="1">
+                        <a:solidFill>
+                          <a:schemeClr val="tx1"/>
+                        </a:solidFill>
+                      </a:endParaRPr>
+                    </a:p>
+                    <a:p>
+                      <a:pPr>
+                        <a:buNone/>
+                      </a:pPr>
+                      <a:r>
+                        <a:rPr lang="en-US" altLang="zh-CN" sz="1200" b="1">
+                          <a:solidFill>
+                            <a:schemeClr val="tx1"/>
+                          </a:solidFill>
+                        </a:rPr>
+                        <a:t>2</a:t>
+                      </a:r>
+                      <a:r>
+                        <a:rPr lang="zh-CN" altLang="en-US" sz="1200" b="1">
+                          <a:solidFill>
+                            <a:schemeClr val="tx1"/>
+                          </a:solidFill>
+                        </a:rPr>
+                        <a:t>：类比估算</a:t>
+                      </a:r>
+                      <a:endParaRPr lang="zh-CN" altLang="en-US" sz="1200" b="1">
+                        <a:solidFill>
+                          <a:schemeClr val="tx1"/>
+                        </a:solidFill>
+                      </a:endParaRPr>
+                    </a:p>
+                  </a:txBody>
+                  <a:tcPr/>
+                </a:tc>
+              </a:tr>
+              <a:tr h="798830">
+                <a:tc>
+                  <a:txBody>
+                    <a:bodyPr/>
+                    <a:p>
+                      <a:pPr>
+                        <a:buNone/>
+                      </a:pPr>
+                      <a:r>
+                        <a:rPr lang="zh-CN" altLang="en-US" b="1">
+                          <a:solidFill>
+                            <a:schemeClr val="tx1"/>
+                          </a:solidFill>
+                        </a:rPr>
+                        <a:t>确定性估算</a:t>
+                      </a:r>
+                      <a:endParaRPr lang="zh-CN" altLang="en-US" b="1">
+                        <a:solidFill>
+                          <a:schemeClr val="tx1"/>
+                        </a:solidFill>
+                      </a:endParaRPr>
+                    </a:p>
+                  </a:txBody>
+                  <a:tcPr/>
+                </a:tc>
+                <a:tc>
+                  <a:txBody>
+                    <a:bodyPr/>
+                    <a:p>
+                      <a:pPr>
+                        <a:buNone/>
+                      </a:pPr>
+                      <a:r>
+                        <a:rPr lang="en-US" altLang="zh-CN" b="1">
+                          <a:solidFill>
+                            <a:schemeClr val="tx1"/>
+                          </a:solidFill>
+                        </a:rPr>
+                        <a:t>-5% - +10%</a:t>
+                      </a:r>
+                      <a:endParaRPr lang="en-US" altLang="zh-CN" b="1">
+                        <a:solidFill>
+                          <a:schemeClr val="tx1"/>
+                        </a:solidFill>
+                      </a:endParaRPr>
+                    </a:p>
+                  </a:txBody>
+                  <a:tcPr/>
+                </a:tc>
+                <a:tc>
+                  <a:txBody>
+                    <a:bodyPr/>
+                    <a:p>
+                      <a:pPr>
+                        <a:buNone/>
+                      </a:pPr>
+                      <a:r>
+                        <a:rPr lang="en-US" altLang="zh-CN" sz="1400" b="1">
+                          <a:solidFill>
+                            <a:schemeClr val="tx1"/>
+                          </a:solidFill>
+                        </a:rPr>
+                        <a:t>1</a:t>
+                      </a:r>
+                      <a:r>
+                        <a:rPr lang="zh-CN" altLang="en-US" sz="1400" b="1">
+                          <a:solidFill>
+                            <a:schemeClr val="tx1"/>
+                          </a:solidFill>
+                        </a:rPr>
+                        <a:t>：最准确的估算方法</a:t>
+                      </a:r>
+                      <a:endParaRPr lang="zh-CN" altLang="en-US" sz="1400" b="1">
+                        <a:solidFill>
+                          <a:schemeClr val="tx1"/>
+                        </a:solidFill>
+                      </a:endParaRPr>
+                    </a:p>
+                    <a:p>
+                      <a:pPr>
+                        <a:buNone/>
+                      </a:pPr>
+                      <a:r>
+                        <a:rPr lang="en-US" altLang="zh-CN" sz="1400" b="1">
+                          <a:solidFill>
+                            <a:schemeClr val="tx1"/>
+                          </a:solidFill>
+                        </a:rPr>
+                        <a:t>2</a:t>
+                      </a:r>
+                      <a:r>
+                        <a:rPr lang="zh-CN" altLang="en-US" sz="1400" b="1">
+                          <a:solidFill>
+                            <a:schemeClr val="tx1"/>
+                          </a:solidFill>
+                        </a:rPr>
+                        <a:t>：在计划编制阶段进行</a:t>
+                      </a:r>
+                      <a:endParaRPr lang="zh-CN" altLang="en-US" sz="1400" b="1">
+                        <a:solidFill>
+                          <a:schemeClr val="tx1"/>
+                        </a:solidFill>
+                      </a:endParaRPr>
+                    </a:p>
+                    <a:p>
+                      <a:pPr>
+                        <a:buNone/>
+                      </a:pPr>
+                      <a:r>
+                        <a:rPr lang="en-US" altLang="zh-CN" sz="1400" b="1">
+                          <a:solidFill>
+                            <a:schemeClr val="tx1"/>
+                          </a:solidFill>
+                        </a:rPr>
+                        <a:t>3</a:t>
+                      </a:r>
+                      <a:r>
+                        <a:rPr lang="zh-CN" altLang="en-US" sz="1400" b="1">
+                          <a:solidFill>
+                            <a:schemeClr val="tx1"/>
+                          </a:solidFill>
+                        </a:rPr>
+                        <a:t>：用</a:t>
+                      </a:r>
+                      <a:r>
+                        <a:rPr lang="en-US" altLang="zh-CN" sz="1400" b="1">
+                          <a:solidFill>
+                            <a:schemeClr val="tx1"/>
+                          </a:solidFill>
+                        </a:rPr>
+                        <a:t>WBS</a:t>
+                      </a:r>
+                      <a:r>
+                        <a:rPr lang="zh-CN" altLang="en-US" sz="1400" b="1">
+                          <a:solidFill>
+                            <a:schemeClr val="tx1"/>
+                          </a:solidFill>
+                        </a:rPr>
+                        <a:t>进行自下而上的估算</a:t>
+                      </a:r>
+                      <a:endParaRPr lang="zh-CN" altLang="en-US" sz="1400" b="1">
+                        <a:solidFill>
+                          <a:schemeClr val="tx1"/>
+                        </a:solidFill>
+                      </a:endParaRPr>
+                    </a:p>
+                  </a:txBody>
+                  <a:tcPr/>
+                </a:tc>
+                <a:tc>
+                  <a:txBody>
+                    <a:bodyPr/>
+                    <a:p>
+                      <a:pPr>
+                        <a:buNone/>
+                      </a:pPr>
+                      <a:r>
+                        <a:rPr lang="en-US" altLang="zh-CN" sz="1200" b="1">
+                          <a:solidFill>
+                            <a:schemeClr val="tx1"/>
+                          </a:solidFill>
+                        </a:rPr>
+                        <a:t>1</a:t>
+                      </a:r>
+                      <a:r>
+                        <a:rPr lang="zh-CN" altLang="en-US" sz="1200" b="1">
+                          <a:solidFill>
+                            <a:schemeClr val="tx1"/>
+                          </a:solidFill>
+                        </a:rPr>
+                        <a:t>：详细估算</a:t>
+                      </a:r>
+                      <a:endParaRPr lang="zh-CN" altLang="en-US" sz="1200" b="1">
+                        <a:solidFill>
+                          <a:schemeClr val="tx1"/>
+                        </a:solidFill>
+                      </a:endParaRPr>
+                    </a:p>
+                    <a:p>
+                      <a:pPr>
+                        <a:buNone/>
+                      </a:pPr>
+                      <a:r>
+                        <a:rPr lang="en-US" altLang="zh-CN" sz="1200" b="1">
+                          <a:solidFill>
+                            <a:schemeClr val="tx1"/>
+                          </a:solidFill>
+                        </a:rPr>
+                        <a:t>2</a:t>
+                      </a:r>
+                      <a:r>
+                        <a:rPr lang="zh-CN" altLang="en-US" sz="1200" b="1">
+                          <a:solidFill>
+                            <a:schemeClr val="tx1"/>
+                          </a:solidFill>
+                        </a:rPr>
+                        <a:t>：</a:t>
+                      </a:r>
+                      <a:r>
+                        <a:rPr lang="en-US" altLang="zh-CN" sz="1200" b="1">
+                          <a:solidFill>
+                            <a:schemeClr val="tx1"/>
+                          </a:solidFill>
+                        </a:rPr>
+                        <a:t>WBS</a:t>
+                      </a:r>
+                      <a:r>
+                        <a:rPr lang="zh-CN" altLang="en-US" sz="1200" b="1">
+                          <a:solidFill>
+                            <a:schemeClr val="tx1"/>
+                          </a:solidFill>
+                        </a:rPr>
+                        <a:t>估算</a:t>
+                      </a:r>
+                      <a:endParaRPr lang="zh-CN" altLang="en-US" sz="1200" b="1">
+                        <a:solidFill>
+                          <a:schemeClr val="tx1"/>
+                        </a:solidFill>
+                      </a:endParaRPr>
+                    </a:p>
+                    <a:p>
+                      <a:pPr>
+                        <a:buNone/>
+                      </a:pPr>
+                      <a:r>
+                        <a:rPr lang="en-US" altLang="zh-CN" sz="1200" b="1">
+                          <a:solidFill>
+                            <a:schemeClr val="tx1"/>
+                          </a:solidFill>
+                        </a:rPr>
+                        <a:t>3</a:t>
+                      </a:r>
+                      <a:r>
+                        <a:rPr lang="zh-CN" altLang="en-US" sz="1200" b="1">
+                          <a:solidFill>
+                            <a:schemeClr val="tx1"/>
+                          </a:solidFill>
+                        </a:rPr>
+                        <a:t>：工程设计估算</a:t>
+                      </a:r>
+                      <a:endParaRPr lang="zh-CN" altLang="en-US" sz="1200" b="1">
+                        <a:solidFill>
+                          <a:schemeClr val="tx1"/>
+                        </a:solidFill>
+                      </a:endParaRPr>
+                    </a:p>
+                    <a:p>
+                      <a:pPr>
+                        <a:buNone/>
+                      </a:pPr>
+                      <a:r>
+                        <a:rPr lang="en-US" altLang="zh-CN" sz="1200" b="1">
+                          <a:solidFill>
+                            <a:schemeClr val="tx1"/>
+                          </a:solidFill>
+                        </a:rPr>
+                        <a:t>4</a:t>
+                      </a:r>
+                      <a:r>
+                        <a:rPr lang="zh-CN" altLang="en-US" sz="1200" b="1">
+                          <a:solidFill>
+                            <a:schemeClr val="tx1"/>
+                          </a:solidFill>
+                        </a:rPr>
+                        <a:t>：控制估算</a:t>
+                      </a:r>
+                      <a:endParaRPr lang="zh-CN" altLang="en-US" sz="1200" b="1">
+                        <a:solidFill>
+                          <a:schemeClr val="tx1"/>
+                        </a:solidFill>
+                      </a:endParaRPr>
+                    </a:p>
+                  </a:txBody>
+                  <a:tcPr/>
+                </a:tc>
+              </a:tr>
+            </a:tbl>
+          </a:graphicData>
+        </a:graphic>
+      </p:graphicFrame>
     </p:spTree>
   </p:cSld>
   <p:clrMapOvr>
@@ -21118,7 +24401,7 @@
         </p:nvSpPr>
         <p:spPr>
           <a:xfrm>
-            <a:off x="1187450" y="548640"/>
+            <a:off x="1188085" y="260350"/>
             <a:ext cx="6858000" cy="878840"/>
           </a:xfrm>
         </p:spPr>
@@ -21126,18 +24409,10 @@
           <a:bodyPr/>
           <a:p>
             <a:r>
-              <a:rPr lang="zh-CN" altLang="en-US"/>
-              <a:t>创建</a:t>
-            </a:r>
-            <a:r>
-              <a:rPr lang="en-US" altLang="zh-CN"/>
-              <a:t>WBS---</a:t>
-            </a:r>
-            <a:r>
-              <a:rPr lang="zh-CN" altLang="en-US"/>
-              <a:t>输出</a:t>
-            </a:r>
-            <a:endParaRPr lang="zh-CN" altLang="en-US"/>
+              <a:rPr lang="zh-CN"/>
+              <a:t>估算成本</a:t>
+            </a:r>
+            <a:endParaRPr lang="zh-CN"/>
           </a:p>
         </p:txBody>
       </p:sp>
@@ -21153,8 +24428,8 @@
         </p:nvSpPr>
         <p:spPr>
           <a:xfrm>
-            <a:off x="1143000" y="1722120"/>
-            <a:ext cx="6858000" cy="3535680"/>
+            <a:off x="1143000" y="1196340"/>
+            <a:ext cx="6858000" cy="5459730"/>
           </a:xfrm>
         </p:spPr>
         <p:txBody>
@@ -21164,6 +24439,274 @@
               <a:buFont typeface="Arial" panose="020B0604020202020204" pitchFamily="34" charset="0"/>
               <a:buChar char="•"/>
             </a:pPr>
+            <a:r>
+              <a:rPr lang="zh-CN" altLang="en-US"/>
+              <a:t>输入：</a:t>
+            </a:r>
+            <a:endParaRPr lang="zh-CN" altLang="en-US"/>
+          </a:p>
+          <a:p>
+            <a:pPr marL="742950" lvl="1" indent="-285750" algn="l">
+              <a:buFont typeface="Arial" panose="020B0604020202020204" pitchFamily="34" charset="0"/>
+              <a:buChar char="•"/>
+            </a:pPr>
+            <a:r>
+              <a:rPr lang="zh-CN" altLang="en-US"/>
+              <a:t>成本管理计划</a:t>
+            </a:r>
+            <a:endParaRPr lang="zh-CN" altLang="en-US"/>
+          </a:p>
+          <a:p>
+            <a:pPr marL="742950" lvl="1" indent="-285750" algn="l">
+              <a:buFont typeface="Arial" panose="020B0604020202020204" pitchFamily="34" charset="0"/>
+              <a:buChar char="•"/>
+            </a:pPr>
+            <a:r>
+              <a:rPr lang="zh-CN" altLang="en-US"/>
+              <a:t>人力资源管理计划</a:t>
+            </a:r>
+            <a:endParaRPr lang="zh-CN" altLang="en-US"/>
+          </a:p>
+          <a:p>
+            <a:pPr marL="742950" lvl="1" indent="-285750" algn="l">
+              <a:buFont typeface="Arial" panose="020B0604020202020204" pitchFamily="34" charset="0"/>
+              <a:buChar char="•"/>
+            </a:pPr>
+            <a:r>
+              <a:rPr lang="zh-CN" altLang="en-US"/>
+              <a:t>范围基准</a:t>
+            </a:r>
+            <a:endParaRPr lang="zh-CN" altLang="en-US"/>
+          </a:p>
+          <a:p>
+            <a:pPr marL="742950" lvl="1" indent="-285750" algn="l">
+              <a:buFont typeface="Arial" panose="020B0604020202020204" pitchFamily="34" charset="0"/>
+              <a:buChar char="•"/>
+            </a:pPr>
+            <a:r>
+              <a:rPr lang="zh-CN" altLang="en-US"/>
+              <a:t>项目进度计划</a:t>
+            </a:r>
+            <a:endParaRPr lang="zh-CN" altLang="en-US"/>
+          </a:p>
+          <a:p>
+            <a:pPr marL="742950" lvl="1" indent="-285750" algn="l">
+              <a:buFont typeface="Arial" panose="020B0604020202020204" pitchFamily="34" charset="0"/>
+              <a:buChar char="•"/>
+            </a:pPr>
+            <a:r>
+              <a:rPr lang="zh-CN" altLang="en-US"/>
+              <a:t>风险登记册</a:t>
+            </a:r>
+            <a:endParaRPr lang="zh-CN" altLang="en-US"/>
+          </a:p>
+          <a:p>
+            <a:pPr marL="742950" lvl="1" indent="-285750" algn="l">
+              <a:buFont typeface="Arial" panose="020B0604020202020204" pitchFamily="34" charset="0"/>
+              <a:buChar char="•"/>
+            </a:pPr>
+            <a:r>
+              <a:rPr lang="zh-CN" altLang="en-US"/>
+              <a:t>事业环境因素</a:t>
+            </a:r>
+            <a:endParaRPr lang="zh-CN" altLang="en-US"/>
+          </a:p>
+          <a:p>
+            <a:pPr marL="742950" lvl="1" indent="-285750" algn="l">
+              <a:buFont typeface="Arial" panose="020B0604020202020204" pitchFamily="34" charset="0"/>
+              <a:buChar char="•"/>
+            </a:pPr>
+            <a:r>
+              <a:rPr lang="zh-CN" altLang="en-US"/>
+              <a:t>组织过程资产</a:t>
+            </a:r>
+            <a:endParaRPr lang="zh-CN" altLang="en-US"/>
+          </a:p>
+          <a:p>
+            <a:pPr marL="285750" lvl="0" indent="-285750" algn="l">
+              <a:buFont typeface="Arial" panose="020B0604020202020204" pitchFamily="34" charset="0"/>
+              <a:buChar char="•"/>
+            </a:pPr>
+            <a:r>
+              <a:rPr lang="zh-CN" altLang="en-US"/>
+              <a:t>工具和技术</a:t>
+            </a:r>
+            <a:endParaRPr lang="zh-CN" altLang="en-US"/>
+          </a:p>
+          <a:p>
+            <a:pPr marL="742950" lvl="1" indent="-285750" algn="l">
+              <a:buFont typeface="Arial" panose="020B0604020202020204" pitchFamily="34" charset="0"/>
+              <a:buChar char="•"/>
+            </a:pPr>
+            <a:r>
+              <a:rPr lang="zh-CN" altLang="en-US"/>
+              <a:t>专家判断</a:t>
+            </a:r>
+            <a:endParaRPr lang="zh-CN" altLang="en-US"/>
+          </a:p>
+          <a:p>
+            <a:pPr marL="742950" lvl="1" indent="-285750" algn="l">
+              <a:buFont typeface="Arial" panose="020B0604020202020204" pitchFamily="34" charset="0"/>
+              <a:buChar char="•"/>
+            </a:pPr>
+            <a:r>
+              <a:rPr lang="zh-CN" altLang="en-US"/>
+              <a:t>类比估算</a:t>
+            </a:r>
+            <a:endParaRPr lang="zh-CN" altLang="en-US"/>
+          </a:p>
+          <a:p>
+            <a:pPr marL="742950" lvl="1" indent="-285750" algn="l">
+              <a:buFont typeface="Arial" panose="020B0604020202020204" pitchFamily="34" charset="0"/>
+              <a:buChar char="•"/>
+            </a:pPr>
+            <a:r>
+              <a:rPr lang="zh-CN" altLang="en-US"/>
+              <a:t>参数估算</a:t>
+            </a:r>
+            <a:endParaRPr lang="zh-CN" altLang="en-US"/>
+          </a:p>
+          <a:p>
+            <a:pPr marL="742950" lvl="1" indent="-285750" algn="l">
+              <a:buFont typeface="Arial" panose="020B0604020202020204" pitchFamily="34" charset="0"/>
+              <a:buChar char="•"/>
+            </a:pPr>
+            <a:r>
+              <a:rPr lang="zh-CN" altLang="en-US"/>
+              <a:t>自下而上估算</a:t>
+            </a:r>
+            <a:endParaRPr lang="zh-CN" altLang="en-US"/>
+          </a:p>
+          <a:p>
+            <a:pPr marL="742950" lvl="1" indent="-285750" algn="l">
+              <a:buFont typeface="Arial" panose="020B0604020202020204" pitchFamily="34" charset="0"/>
+              <a:buChar char="•"/>
+            </a:pPr>
+            <a:r>
+              <a:rPr lang="zh-CN" altLang="en-US"/>
+              <a:t>三点估算</a:t>
+            </a:r>
+            <a:endParaRPr lang="zh-CN" altLang="en-US"/>
+          </a:p>
+          <a:p>
+            <a:pPr marL="742950" lvl="1" indent="-285750" algn="l">
+              <a:buFont typeface="Arial" panose="020B0604020202020204" pitchFamily="34" charset="0"/>
+              <a:buChar char="•"/>
+            </a:pPr>
+            <a:r>
+              <a:rPr lang="zh-CN" altLang="en-US"/>
+              <a:t>储备分析</a:t>
+            </a:r>
+            <a:endParaRPr lang="zh-CN" altLang="en-US"/>
+          </a:p>
+          <a:p>
+            <a:pPr marL="742950" lvl="1" indent="-285750" algn="l">
+              <a:buFont typeface="Arial" panose="020B0604020202020204" pitchFamily="34" charset="0"/>
+              <a:buChar char="•"/>
+            </a:pPr>
+            <a:r>
+              <a:rPr lang="zh-CN" altLang="en-US"/>
+              <a:t>质量成本</a:t>
+            </a:r>
+            <a:endParaRPr lang="zh-CN" altLang="en-US"/>
+          </a:p>
+          <a:p>
+            <a:pPr marL="742950" lvl="1" indent="-285750" algn="l">
+              <a:buFont typeface="Arial" panose="020B0604020202020204" pitchFamily="34" charset="0"/>
+              <a:buChar char="•"/>
+            </a:pPr>
+            <a:r>
+              <a:rPr lang="zh-CN" altLang="en-US"/>
+              <a:t>项目管理软件</a:t>
+            </a:r>
+            <a:endParaRPr lang="zh-CN" altLang="en-US"/>
+          </a:p>
+          <a:p>
+            <a:pPr marL="742950" lvl="1" indent="-285750" algn="l">
+              <a:buFont typeface="Arial" panose="020B0604020202020204" pitchFamily="34" charset="0"/>
+              <a:buChar char="•"/>
+            </a:pPr>
+            <a:r>
+              <a:rPr lang="zh-CN" altLang="en-US"/>
+              <a:t>卖方投标分析</a:t>
+            </a:r>
+            <a:endParaRPr lang="zh-CN" altLang="en-US"/>
+          </a:p>
+          <a:p>
+            <a:pPr marL="742950" lvl="1" indent="-285750" algn="l">
+              <a:buFont typeface="Arial" panose="020B0604020202020204" pitchFamily="34" charset="0"/>
+              <a:buChar char="•"/>
+            </a:pPr>
+            <a:r>
+              <a:rPr lang="zh-CN" altLang="en-US"/>
+              <a:t>群体决策技术</a:t>
+            </a:r>
+            <a:endParaRPr lang="zh-CN" altLang="en-US"/>
+          </a:p>
+        </p:txBody>
+      </p:sp>
+      <p:sp>
+        <p:nvSpPr>
+          <p:cNvPr id="4" name="文本框 3"/>
+          <p:cNvSpPr txBox="1"/>
+          <p:nvPr/>
+        </p:nvSpPr>
+        <p:spPr>
+          <a:xfrm>
+            <a:off x="4337685" y="3244850"/>
+            <a:ext cx="2788920" cy="1198880"/>
+          </a:xfrm>
+          <a:prstGeom prst="rect">
+            <a:avLst/>
+          </a:prstGeom>
+          <a:noFill/>
+        </p:spPr>
+        <p:txBody>
+          <a:bodyPr wrap="square" rtlCol="0" anchor="t">
+            <a:spAutoFit/>
+          </a:bodyPr>
+          <a:p>
+            <a:pPr marL="285750" indent="-285750" algn="l">
+              <a:buFont typeface="Arial" panose="020B0604020202020204" pitchFamily="34" charset="0"/>
+              <a:buChar char="•"/>
+            </a:pPr>
+            <a:r>
+              <a:rPr lang="zh-CN" altLang="en-US"/>
+              <a:t>输出：</a:t>
+            </a:r>
+            <a:endParaRPr lang="zh-CN" altLang="en-US"/>
+          </a:p>
+          <a:p>
+            <a:pPr marL="742950" lvl="1" indent="-285750" algn="l">
+              <a:buFont typeface="Arial" panose="020B0604020202020204" pitchFamily="34" charset="0"/>
+              <a:buChar char="•"/>
+            </a:pPr>
+            <a:r>
+              <a:rPr lang="zh-CN" altLang="en-US"/>
+              <a:t>活动成本估算</a:t>
+            </a:r>
+            <a:endParaRPr lang="zh-CN" altLang="en-US"/>
+          </a:p>
+          <a:p>
+            <a:pPr marL="742950" lvl="1" indent="-285750" algn="l">
+              <a:buFont typeface="Arial" panose="020B0604020202020204" pitchFamily="34" charset="0"/>
+              <a:buChar char="•"/>
+            </a:pPr>
+            <a:r>
+              <a:rPr lang="zh-CN" altLang="en-US"/>
+              <a:t>估算依据</a:t>
+            </a:r>
+            <a:endParaRPr lang="zh-CN" altLang="en-US"/>
+          </a:p>
+          <a:p>
+            <a:pPr marL="742950" lvl="1" indent="-285750" algn="l">
+              <a:buFont typeface="Arial" panose="020B0604020202020204" pitchFamily="34" charset="0"/>
+              <a:buChar char="•"/>
+            </a:pPr>
+            <a:r>
+              <a:rPr lang="zh-CN" altLang="en-US"/>
+              <a:t>项目文件更新</a:t>
+            </a:r>
             <a:endParaRPr lang="zh-CN" altLang="en-US"/>
           </a:p>
         </p:txBody>
@@ -21206,18 +24749,10 @@
           <a:bodyPr/>
           <a:p>
             <a:r>
-              <a:rPr lang="zh-CN" altLang="en-US"/>
-              <a:t>创建</a:t>
-            </a:r>
-            <a:r>
-              <a:rPr lang="en-US" altLang="zh-CN"/>
-              <a:t>WBS---</a:t>
-            </a:r>
-            <a:r>
-              <a:rPr lang="zh-CN" altLang="en-US"/>
-              <a:t>输出</a:t>
-            </a:r>
-            <a:endParaRPr lang="zh-CN" altLang="en-US"/>
+              <a:rPr lang="zh-CN"/>
+              <a:t>自下而上估算</a:t>
+            </a:r>
+            <a:endParaRPr lang="zh-CN"/>
           </a:p>
         </p:txBody>
       </p:sp>
@@ -21233,8 +24768,8 @@
         </p:nvSpPr>
         <p:spPr>
           <a:xfrm>
-            <a:off x="1143000" y="1722120"/>
-            <a:ext cx="6858000" cy="3535680"/>
+            <a:off x="1298575" y="1906270"/>
+            <a:ext cx="6702425" cy="3351530"/>
           </a:xfrm>
         </p:spPr>
         <p:txBody>
@@ -21244,10 +24779,71 @@
               <a:buFont typeface="Arial" panose="020B0604020202020204" pitchFamily="34" charset="0"/>
               <a:buChar char="•"/>
             </a:pPr>
-            <a:endParaRPr lang="zh-CN" altLang="en-US"/>
-          </a:p>
-        </p:txBody>
-      </p:sp>
+            <a:r>
+              <a:rPr lang="zh-CN" altLang="en-US"/>
+              <a:t>是对工作组成部分进行估算的一种方法</a:t>
+            </a:r>
+            <a:endParaRPr lang="zh-CN" altLang="en-US"/>
+          </a:p>
+          <a:p>
+            <a:pPr marL="742950" lvl="1" indent="-285750" algn="l">
+              <a:buFont typeface="Arial" panose="020B0604020202020204" pitchFamily="34" charset="0"/>
+              <a:buChar char="•"/>
+            </a:pPr>
+            <a:r>
+              <a:rPr lang="zh-CN" altLang="en-US"/>
+              <a:t>首先对单个工作包或活动的成本进行最具体，细致的估算</a:t>
+            </a:r>
+            <a:endParaRPr lang="zh-CN" altLang="en-US"/>
+          </a:p>
+          <a:p>
+            <a:pPr marL="742950" lvl="1" indent="-285750" algn="l">
+              <a:buFont typeface="Arial" panose="020B0604020202020204" pitchFamily="34" charset="0"/>
+              <a:buChar char="•"/>
+            </a:pPr>
+            <a:r>
+              <a:rPr lang="zh-CN" altLang="en-US"/>
+              <a:t>然后将这些细节性成本向上汇总或滚动到更高层次</a:t>
+            </a:r>
+            <a:endParaRPr lang="zh-CN" altLang="en-US"/>
+          </a:p>
+          <a:p>
+            <a:pPr marL="742950" lvl="1" indent="-285750" algn="l">
+              <a:buFont typeface="Arial" panose="020B0604020202020204" pitchFamily="34" charset="0"/>
+              <a:buChar char="•"/>
+            </a:pPr>
+            <a:endParaRPr lang="zh-CN" altLang="en-US"/>
+          </a:p>
+        </p:txBody>
+      </p:sp>
+      <p:pic>
+        <p:nvPicPr>
+          <p:cNvPr id="4" name="图片 3" descr="自下而上估算"/>
+          <p:cNvPicPr>
+            <a:picLocks noChangeAspect="1"/>
+          </p:cNvPicPr>
+          <p:nvPr>
+            <p:custDataLst>
+              <p:tags r:id="rId1"/>
+            </p:custDataLst>
+          </p:nvPr>
+        </p:nvPicPr>
+        <p:blipFill>
+          <a:blip r:embed="rId2"/>
+          <a:stretch>
+            <a:fillRect/>
+          </a:stretch>
+        </p:blipFill>
+        <p:spPr>
+          <a:xfrm>
+            <a:off x="1158240" y="2852420"/>
+            <a:ext cx="6842760" cy="3550920"/>
+          </a:xfrm>
+          <a:prstGeom prst="rect">
+            <a:avLst/>
+          </a:prstGeom>
+        </p:spPr>
+      </p:pic>
     </p:spTree>
   </p:cSld>
   <p:clrMapOvr>
@@ -21286,16 +24882,16 @@
           <a:bodyPr/>
           <a:p>
             <a:r>
-              <a:rPr lang="zh-CN" altLang="en-US"/>
-              <a:t>创建</a:t>
-            </a:r>
-            <a:r>
-              <a:rPr lang="en-US" altLang="zh-CN"/>
-              <a:t>WBS---</a:t>
-            </a:r>
-            <a:r>
-              <a:rPr lang="zh-CN" altLang="en-US"/>
-              <a:t>输出</a:t>
+              <a:rPr lang="zh-CN"/>
+              <a:t>参数估算</a:t>
+            </a:r>
+            <a:r>
+              <a:rPr lang="en-US" altLang="zh-CN"/>
+              <a:t>+</a:t>
+            </a:r>
+            <a:r>
+              <a:rPr lang="zh-CN" altLang="en-US"/>
+              <a:t>自下而上估算</a:t>
             </a:r>
             <a:endParaRPr lang="zh-CN" altLang="en-US"/>
           </a:p>
@@ -21324,10 +24920,231 @@
               <a:buFont typeface="Arial" panose="020B0604020202020204" pitchFamily="34" charset="0"/>
               <a:buChar char="•"/>
             </a:pPr>
-            <a:endParaRPr lang="zh-CN" altLang="en-US"/>
-          </a:p>
-        </p:txBody>
-      </p:sp>
+            <a:r>
+              <a:rPr lang="zh-CN" altLang="en-US"/>
+              <a:t>参数估算</a:t>
+            </a:r>
+            <a:endParaRPr lang="zh-CN" altLang="en-US"/>
+          </a:p>
+          <a:p>
+            <a:pPr marL="742950" lvl="1" indent="-285750" algn="l">
+              <a:buFont typeface="Arial" panose="020B0604020202020204" pitchFamily="34" charset="0"/>
+              <a:buChar char="•"/>
+            </a:pPr>
+            <a:r>
+              <a:rPr lang="zh-CN" altLang="en-US"/>
+              <a:t>特征参数和变量统计关系来估算项目成本的方法</a:t>
+            </a:r>
+            <a:endParaRPr lang="zh-CN" altLang="en-US"/>
+          </a:p>
+          <a:p>
+            <a:pPr marL="742950" lvl="1" indent="-285750" algn="l">
+              <a:buFont typeface="Arial" panose="020B0604020202020204" pitchFamily="34" charset="0"/>
+              <a:buChar char="•"/>
+            </a:pPr>
+            <a:endParaRPr lang="zh-CN" altLang="en-US"/>
+          </a:p>
+          <a:p>
+            <a:pPr marL="742950" lvl="1" indent="-285750" algn="l">
+              <a:buFont typeface="Arial" panose="020B0604020202020204" pitchFamily="34" charset="0"/>
+              <a:buChar char="•"/>
+            </a:pPr>
+            <a:endParaRPr lang="zh-CN" altLang="en-US"/>
+          </a:p>
+          <a:p>
+            <a:pPr marL="742950" lvl="1" indent="-285750" algn="l">
+              <a:buFont typeface="Arial" panose="020B0604020202020204" pitchFamily="34" charset="0"/>
+              <a:buChar char="•"/>
+            </a:pPr>
+            <a:endParaRPr lang="zh-CN" altLang="en-US"/>
+          </a:p>
+          <a:p>
+            <a:pPr marL="742950" lvl="1" indent="-285750" algn="l">
+              <a:buFont typeface="Arial" panose="020B0604020202020204" pitchFamily="34" charset="0"/>
+              <a:buChar char="•"/>
+            </a:pPr>
+            <a:endParaRPr lang="zh-CN" altLang="en-US"/>
+          </a:p>
+          <a:p>
+            <a:pPr marL="742950" lvl="1" indent="-285750" algn="l">
+              <a:buFont typeface="Arial" panose="020B0604020202020204" pitchFamily="34" charset="0"/>
+              <a:buChar char="•"/>
+            </a:pPr>
+            <a:endParaRPr lang="zh-CN" altLang="en-US"/>
+          </a:p>
+          <a:p>
+            <a:pPr marL="285750" lvl="0" indent="-285750" algn="l">
+              <a:buFont typeface="Arial" panose="020B0604020202020204" pitchFamily="34" charset="0"/>
+              <a:buChar char="•"/>
+            </a:pPr>
+            <a:r>
+              <a:rPr lang="zh-CN" altLang="en-US"/>
+              <a:t>自下而上估算</a:t>
+            </a:r>
+            <a:endParaRPr lang="zh-CN" altLang="en-US"/>
+          </a:p>
+          <a:p>
+            <a:pPr marL="285750" lvl="0" indent="-285750" algn="l">
+              <a:buFont typeface="Arial" panose="020B0604020202020204" pitchFamily="34" charset="0"/>
+              <a:buChar char="•"/>
+            </a:pPr>
+            <a:endParaRPr lang="zh-CN" altLang="en-US"/>
+          </a:p>
+          <a:p>
+            <a:pPr marL="285750" lvl="0" indent="-285750" algn="l">
+              <a:buFont typeface="Arial" panose="020B0604020202020204" pitchFamily="34" charset="0"/>
+              <a:buChar char="•"/>
+            </a:pPr>
+            <a:endParaRPr lang="zh-CN" altLang="en-US"/>
+          </a:p>
+          <a:p>
+            <a:pPr marL="285750" lvl="0" indent="-285750" algn="l">
+              <a:buFont typeface="Arial" panose="020B0604020202020204" pitchFamily="34" charset="0"/>
+              <a:buChar char="•"/>
+            </a:pPr>
+            <a:endParaRPr lang="zh-CN" altLang="en-US"/>
+          </a:p>
+          <a:p>
+            <a:pPr marL="285750" lvl="0" indent="-285750" algn="l">
+              <a:buFont typeface="Arial" panose="020B0604020202020204" pitchFamily="34" charset="0"/>
+              <a:buChar char="•"/>
+            </a:pPr>
+            <a:endParaRPr lang="zh-CN" altLang="en-US"/>
+          </a:p>
+          <a:p>
+            <a:pPr marL="285750" lvl="0" indent="-285750" algn="l">
+              <a:buFont typeface="Arial" panose="020B0604020202020204" pitchFamily="34" charset="0"/>
+              <a:buChar char="•"/>
+            </a:pPr>
+            <a:endParaRPr lang="zh-CN" altLang="en-US"/>
+          </a:p>
+          <a:p>
+            <a:pPr marL="285750" lvl="0" indent="-285750" algn="l">
+              <a:buFont typeface="Arial" panose="020B0604020202020204" pitchFamily="34" charset="0"/>
+              <a:buChar char="•"/>
+            </a:pPr>
+            <a:endParaRPr lang="zh-CN" altLang="en-US"/>
+          </a:p>
+          <a:p>
+            <a:pPr marL="285750" lvl="0" indent="-285750" algn="l">
+              <a:buFont typeface="Arial" panose="020B0604020202020204" pitchFamily="34" charset="0"/>
+              <a:buChar char="•"/>
+            </a:pPr>
+            <a:endParaRPr lang="zh-CN" altLang="en-US"/>
+          </a:p>
+          <a:p>
+            <a:pPr marL="285750" lvl="0" indent="-285750" algn="l">
+              <a:buFont typeface="Arial" panose="020B0604020202020204" pitchFamily="34" charset="0"/>
+              <a:buChar char="•"/>
+            </a:pPr>
+            <a:endParaRPr lang="zh-CN" altLang="en-US"/>
+          </a:p>
+          <a:p>
+            <a:pPr marL="285750" lvl="0" indent="-285750" algn="l">
+              <a:buFont typeface="Arial" panose="020B0604020202020204" pitchFamily="34" charset="0"/>
+              <a:buChar char="•"/>
+            </a:pPr>
+            <a:endParaRPr lang="zh-CN" altLang="en-US"/>
+          </a:p>
+          <a:p>
+            <a:pPr marL="285750" lvl="0" indent="-285750" algn="l">
+              <a:buFont typeface="Arial" panose="020B0604020202020204" pitchFamily="34" charset="0"/>
+              <a:buChar char="•"/>
+            </a:pPr>
+            <a:endParaRPr lang="zh-CN" altLang="en-US"/>
+          </a:p>
+          <a:p>
+            <a:pPr marL="742950" lvl="1" indent="-285750" algn="l">
+              <a:buFont typeface="Arial" panose="020B0604020202020204" pitchFamily="34" charset="0"/>
+              <a:buChar char="•"/>
+            </a:pPr>
+            <a:endParaRPr lang="zh-CN" altLang="en-US"/>
+          </a:p>
+          <a:p>
+            <a:pPr marL="742950" lvl="1" indent="-285750" algn="l">
+              <a:buFont typeface="Arial" panose="020B0604020202020204" pitchFamily="34" charset="0"/>
+              <a:buChar char="•"/>
+            </a:pPr>
+            <a:endParaRPr lang="zh-CN" altLang="en-US"/>
+          </a:p>
+          <a:p>
+            <a:pPr marL="742950" lvl="1" indent="-285750" algn="l">
+              <a:buFont typeface="Arial" panose="020B0604020202020204" pitchFamily="34" charset="0"/>
+              <a:buChar char="•"/>
+            </a:pPr>
+            <a:endParaRPr lang="zh-CN" altLang="en-US"/>
+          </a:p>
+          <a:p>
+            <a:pPr marL="742950" lvl="1" indent="-285750" algn="l">
+              <a:buFont typeface="Arial" panose="020B0604020202020204" pitchFamily="34" charset="0"/>
+              <a:buChar char="•"/>
+            </a:pPr>
+            <a:endParaRPr lang="zh-CN" altLang="en-US"/>
+          </a:p>
+          <a:p>
+            <a:pPr marL="742950" lvl="1" indent="-285750" algn="l">
+              <a:buFont typeface="Arial" panose="020B0604020202020204" pitchFamily="34" charset="0"/>
+              <a:buChar char="•"/>
+            </a:pPr>
+            <a:endParaRPr lang="zh-CN" altLang="en-US"/>
+          </a:p>
+          <a:p>
+            <a:pPr marL="742950" lvl="1" indent="-285750" algn="l">
+              <a:buFont typeface="Arial" panose="020B0604020202020204" pitchFamily="34" charset="0"/>
+              <a:buChar char="•"/>
+            </a:pPr>
+            <a:endParaRPr lang="zh-CN" altLang="en-US"/>
+          </a:p>
+        </p:txBody>
+      </p:sp>
+      <p:pic>
+        <p:nvPicPr>
+          <p:cNvPr id="5" name="图片 4"/>
+          <p:cNvPicPr>
+            <a:picLocks noChangeAspect="1"/>
+          </p:cNvPicPr>
+          <p:nvPr/>
+        </p:nvPicPr>
+        <p:blipFill>
+          <a:blip r:embed="rId1"/>
+          <a:stretch>
+            <a:fillRect/>
+          </a:stretch>
+        </p:blipFill>
+        <p:spPr>
+          <a:xfrm>
+            <a:off x="1764030" y="2276475"/>
+            <a:ext cx="5059680" cy="1257300"/>
+          </a:xfrm>
+          <a:prstGeom prst="rect">
+            <a:avLst/>
+          </a:prstGeom>
+        </p:spPr>
+      </p:pic>
+      <p:pic>
+        <p:nvPicPr>
+          <p:cNvPr id="8" name="图片 7"/>
+          <p:cNvPicPr>
+            <a:picLocks noChangeAspect="1"/>
+          </p:cNvPicPr>
+          <p:nvPr/>
+        </p:nvPicPr>
+        <p:blipFill>
+          <a:blip r:embed="rId2"/>
+          <a:stretch>
+            <a:fillRect/>
+          </a:stretch>
+        </p:blipFill>
+        <p:spPr>
+          <a:xfrm>
+            <a:off x="1352550" y="4149090"/>
+            <a:ext cx="5882640" cy="2568575"/>
+          </a:xfrm>
+          <a:prstGeom prst="rect">
+            <a:avLst/>
+          </a:prstGeom>
+        </p:spPr>
+      </p:pic>
     </p:spTree>
   </p:cSld>
   <p:clrMapOvr>
@@ -21366,16 +25183,16 @@
           <a:bodyPr/>
           <a:p>
             <a:r>
-              <a:rPr lang="zh-CN" altLang="en-US"/>
-              <a:t>创建</a:t>
-            </a:r>
-            <a:r>
-              <a:rPr lang="en-US" altLang="zh-CN"/>
-              <a:t>WBS---</a:t>
-            </a:r>
-            <a:r>
-              <a:rPr lang="zh-CN" altLang="en-US"/>
-              <a:t>输出</a:t>
+              <a:rPr lang="zh-CN"/>
+              <a:t>类比估算</a:t>
+            </a:r>
+            <a:r>
+              <a:rPr lang="en-US" altLang="zh-CN"/>
+              <a:t>+</a:t>
+            </a:r>
+            <a:r>
+              <a:rPr lang="zh-CN" altLang="en-US"/>
+              <a:t>储备分析</a:t>
             </a:r>
             <a:endParaRPr lang="zh-CN" altLang="en-US"/>
           </a:p>
@@ -21404,10 +25221,171 @@
               <a:buFont typeface="Arial" panose="020B0604020202020204" pitchFamily="34" charset="0"/>
               <a:buChar char="•"/>
             </a:pPr>
-            <a:endParaRPr lang="zh-CN" altLang="en-US"/>
-          </a:p>
-        </p:txBody>
-      </p:sp>
+            <a:r>
+              <a:rPr lang="zh-CN" altLang="en-US"/>
+              <a:t>类比估算</a:t>
+            </a:r>
+            <a:endParaRPr lang="zh-CN" altLang="en-US"/>
+          </a:p>
+          <a:p>
+            <a:pPr marL="285750" indent="-285750" algn="l">
+              <a:buFont typeface="Arial" panose="020B0604020202020204" pitchFamily="34" charset="0"/>
+              <a:buChar char="•"/>
+            </a:pPr>
+            <a:endParaRPr lang="zh-CN" altLang="en-US"/>
+          </a:p>
+          <a:p>
+            <a:pPr marL="285750" indent="-285750" algn="l">
+              <a:buFont typeface="Arial" panose="020B0604020202020204" pitchFamily="34" charset="0"/>
+              <a:buChar char="•"/>
+            </a:pPr>
+            <a:endParaRPr lang="zh-CN" altLang="en-US"/>
+          </a:p>
+          <a:p>
+            <a:pPr marL="285750" indent="-285750" algn="l">
+              <a:buFont typeface="Arial" panose="020B0604020202020204" pitchFamily="34" charset="0"/>
+              <a:buChar char="•"/>
+            </a:pPr>
+            <a:endParaRPr lang="zh-CN" altLang="en-US"/>
+          </a:p>
+          <a:p>
+            <a:pPr marL="285750" indent="-285750" algn="l">
+              <a:buFont typeface="Arial" panose="020B0604020202020204" pitchFamily="34" charset="0"/>
+              <a:buChar char="•"/>
+            </a:pPr>
+            <a:endParaRPr lang="zh-CN" altLang="en-US"/>
+          </a:p>
+          <a:p>
+            <a:pPr marL="285750" indent="-285750" algn="l">
+              <a:buFont typeface="Arial" panose="020B0604020202020204" pitchFamily="34" charset="0"/>
+              <a:buChar char="•"/>
+            </a:pPr>
+            <a:endParaRPr lang="zh-CN" altLang="en-US"/>
+          </a:p>
+          <a:p>
+            <a:pPr marL="285750" indent="-285750" algn="l">
+              <a:buFont typeface="Arial" panose="020B0604020202020204" pitchFamily="34" charset="0"/>
+              <a:buChar char="•"/>
+            </a:pPr>
+            <a:endParaRPr lang="zh-CN" altLang="en-US"/>
+          </a:p>
+          <a:p>
+            <a:pPr marL="285750" indent="-285750" algn="l">
+              <a:buFont typeface="Arial" panose="020B0604020202020204" pitchFamily="34" charset="0"/>
+              <a:buChar char="•"/>
+            </a:pPr>
+            <a:endParaRPr lang="zh-CN" altLang="en-US"/>
+          </a:p>
+          <a:p>
+            <a:pPr marL="285750" indent="-285750" algn="l">
+              <a:buFont typeface="Arial" panose="020B0604020202020204" pitchFamily="34" charset="0"/>
+              <a:buChar char="•"/>
+            </a:pPr>
+            <a:r>
+              <a:rPr lang="zh-CN" altLang="en-US"/>
+              <a:t>储备分析</a:t>
+            </a:r>
+            <a:endParaRPr lang="zh-CN" altLang="en-US"/>
+          </a:p>
+          <a:p>
+            <a:pPr marL="285750" indent="-285750" algn="l">
+              <a:buFont typeface="Arial" panose="020B0604020202020204" pitchFamily="34" charset="0"/>
+              <a:buChar char="•"/>
+            </a:pPr>
+            <a:endParaRPr lang="zh-CN" altLang="en-US"/>
+          </a:p>
+          <a:p>
+            <a:pPr marL="285750" indent="-285750" algn="l">
+              <a:buFont typeface="Arial" panose="020B0604020202020204" pitchFamily="34" charset="0"/>
+              <a:buChar char="•"/>
+            </a:pPr>
+            <a:endParaRPr lang="zh-CN" altLang="en-US"/>
+          </a:p>
+          <a:p>
+            <a:pPr marL="285750" indent="-285750" algn="l">
+              <a:buFont typeface="Arial" panose="020B0604020202020204" pitchFamily="34" charset="0"/>
+              <a:buChar char="•"/>
+            </a:pPr>
+            <a:endParaRPr lang="zh-CN" altLang="en-US"/>
+          </a:p>
+          <a:p>
+            <a:pPr marL="285750" indent="-285750" algn="l">
+              <a:buFont typeface="Arial" panose="020B0604020202020204" pitchFamily="34" charset="0"/>
+              <a:buChar char="•"/>
+            </a:pPr>
+            <a:endParaRPr lang="zh-CN" altLang="en-US"/>
+          </a:p>
+          <a:p>
+            <a:pPr marL="285750" indent="-285750" algn="l">
+              <a:buFont typeface="Arial" panose="020B0604020202020204" pitchFamily="34" charset="0"/>
+              <a:buChar char="•"/>
+            </a:pPr>
+            <a:endParaRPr lang="zh-CN" altLang="en-US"/>
+          </a:p>
+          <a:p>
+            <a:pPr marL="285750" indent="-285750" algn="l">
+              <a:buFont typeface="Arial" panose="020B0604020202020204" pitchFamily="34" charset="0"/>
+              <a:buChar char="•"/>
+            </a:pPr>
+            <a:endParaRPr lang="zh-CN" altLang="en-US"/>
+          </a:p>
+          <a:p>
+            <a:pPr marL="285750" indent="-285750" algn="l">
+              <a:buFont typeface="Arial" panose="020B0604020202020204" pitchFamily="34" charset="0"/>
+              <a:buChar char="•"/>
+            </a:pPr>
+            <a:endParaRPr lang="zh-CN" altLang="en-US"/>
+          </a:p>
+        </p:txBody>
+      </p:sp>
+      <p:pic>
+        <p:nvPicPr>
+          <p:cNvPr id="4" name="图片 3"/>
+          <p:cNvPicPr>
+            <a:picLocks noChangeAspect="1"/>
+          </p:cNvPicPr>
+          <p:nvPr/>
+        </p:nvPicPr>
+        <p:blipFill>
+          <a:blip r:embed="rId1"/>
+          <a:stretch>
+            <a:fillRect/>
+          </a:stretch>
+        </p:blipFill>
+        <p:spPr>
+          <a:xfrm>
+            <a:off x="2484120" y="1772285"/>
+            <a:ext cx="4632960" cy="2184400"/>
+          </a:xfrm>
+          <a:prstGeom prst="rect">
+            <a:avLst/>
+          </a:prstGeom>
+        </p:spPr>
+      </p:pic>
+      <p:pic>
+        <p:nvPicPr>
+          <p:cNvPr id="5" name="图片 4"/>
+          <p:cNvPicPr>
+            <a:picLocks noChangeAspect="1"/>
+          </p:cNvPicPr>
+          <p:nvPr/>
+        </p:nvPicPr>
+        <p:blipFill>
+          <a:blip r:embed="rId2"/>
+          <a:stretch>
+            <a:fillRect/>
+          </a:stretch>
+        </p:blipFill>
+        <p:spPr>
+          <a:xfrm>
+            <a:off x="3348355" y="4292600"/>
+            <a:ext cx="2095500" cy="1737360"/>
+          </a:xfrm>
+          <a:prstGeom prst="rect">
+            <a:avLst/>
+          </a:prstGeom>
+        </p:spPr>
+      </p:pic>
     </p:spTree>
   </p:cSld>
   <p:clrMapOvr>
@@ -21446,18 +25424,10 @@
           <a:bodyPr/>
           <a:p>
             <a:r>
-              <a:rPr lang="zh-CN" altLang="en-US"/>
-              <a:t>创建</a:t>
-            </a:r>
-            <a:r>
-              <a:rPr lang="en-US" altLang="zh-CN"/>
-              <a:t>WBS---</a:t>
-            </a:r>
-            <a:r>
-              <a:rPr lang="zh-CN" altLang="en-US"/>
-              <a:t>输出</a:t>
-            </a:r>
-            <a:endParaRPr lang="zh-CN" altLang="en-US"/>
+              <a:rPr lang="zh-CN"/>
+              <a:t>制定预算</a:t>
+            </a:r>
+            <a:endParaRPr lang="zh-CN"/>
           </a:p>
         </p:txBody>
       </p:sp>
@@ -21484,6 +25454,190 @@
               <a:buFont typeface="Arial" panose="020B0604020202020204" pitchFamily="34" charset="0"/>
               <a:buChar char="•"/>
             </a:pPr>
+            <a:r>
+              <a:rPr lang="zh-CN" altLang="en-US"/>
+              <a:t>汇总所有单个活动或工作包的估算成本，建立一个经批准的成本基准的过程</a:t>
+            </a:r>
+            <a:endParaRPr lang="zh-CN" altLang="en-US"/>
+          </a:p>
+          <a:p>
+            <a:pPr marL="285750" indent="-285750" algn="l">
+              <a:buFont typeface="Arial" panose="020B0604020202020204" pitchFamily="34" charset="0"/>
+              <a:buChar char="•"/>
+            </a:pPr>
+            <a:r>
+              <a:rPr lang="zh-CN" altLang="en-US"/>
+              <a:t>主要作用：确定成本基准，可据此监督和控制项目绩效</a:t>
+            </a:r>
+            <a:endParaRPr lang="zh-CN" altLang="en-US"/>
+          </a:p>
+          <a:p>
+            <a:pPr marL="285750" indent="-285750" algn="l">
+              <a:buFont typeface="Arial" panose="020B0604020202020204" pitchFamily="34" charset="0"/>
+              <a:buChar char="•"/>
+            </a:pPr>
+            <a:r>
+              <a:rPr lang="zh-CN" altLang="en-US"/>
+              <a:t>输入：</a:t>
+            </a:r>
+            <a:r>
+              <a:rPr lang="en-US" altLang="zh-CN"/>
+              <a:t>1</a:t>
+            </a:r>
+            <a:r>
+              <a:rPr lang="zh-CN" altLang="en-US"/>
+              <a:t>：成本管理计划，</a:t>
+            </a:r>
+            <a:r>
+              <a:rPr lang="en-US" altLang="zh-CN"/>
+              <a:t>2</a:t>
+            </a:r>
+            <a:r>
+              <a:rPr lang="zh-CN" altLang="en-US"/>
+              <a:t>：范围基准，</a:t>
+            </a:r>
+            <a:r>
+              <a:rPr lang="en-US" altLang="zh-CN"/>
+              <a:t>3</a:t>
+            </a:r>
+            <a:r>
+              <a:rPr lang="zh-CN" altLang="en-US"/>
+              <a:t>：活动成本估算，</a:t>
+            </a:r>
+            <a:r>
+              <a:rPr lang="en-US" altLang="zh-CN"/>
+              <a:t>4</a:t>
+            </a:r>
+            <a:r>
+              <a:rPr lang="zh-CN" altLang="en-US"/>
+              <a:t>：估算依据，</a:t>
+            </a:r>
+            <a:r>
+              <a:rPr lang="en-US" altLang="zh-CN"/>
+              <a:t>5</a:t>
+            </a:r>
+            <a:r>
+              <a:rPr lang="zh-CN" altLang="en-US"/>
+              <a:t>：项目进度计划，</a:t>
+            </a:r>
+            <a:r>
+              <a:rPr lang="en-US" altLang="zh-CN"/>
+              <a:t>6</a:t>
+            </a:r>
+            <a:r>
+              <a:rPr lang="zh-CN" altLang="en-US"/>
+              <a:t>：资源日历，</a:t>
+            </a:r>
+            <a:r>
+              <a:rPr lang="en-US" altLang="zh-CN"/>
+              <a:t>7</a:t>
+            </a:r>
+            <a:r>
+              <a:rPr lang="zh-CN" altLang="en-US"/>
+              <a:t>：风险登记册，</a:t>
+            </a:r>
+            <a:r>
+              <a:rPr lang="en-US" altLang="zh-CN"/>
+              <a:t>8</a:t>
+            </a:r>
+            <a:r>
+              <a:rPr lang="zh-CN" altLang="en-US"/>
+              <a:t>：协议，</a:t>
+            </a:r>
+            <a:r>
+              <a:rPr lang="en-US" altLang="zh-CN"/>
+              <a:t>9</a:t>
+            </a:r>
+            <a:r>
+              <a:rPr lang="zh-CN" altLang="en-US"/>
+              <a:t>：组织过程资产</a:t>
+            </a:r>
+            <a:endParaRPr lang="zh-CN" altLang="en-US"/>
+          </a:p>
+          <a:p>
+            <a:pPr marL="285750" indent="-285750" algn="l">
+              <a:buFont typeface="Arial" panose="020B0604020202020204" pitchFamily="34" charset="0"/>
+              <a:buChar char="•"/>
+            </a:pPr>
+            <a:r>
+              <a:rPr lang="zh-CN" altLang="en-US"/>
+              <a:t>工具和技术：</a:t>
+            </a:r>
+            <a:r>
+              <a:rPr lang="en-US" altLang="zh-CN"/>
+              <a:t>1</a:t>
+            </a:r>
+            <a:r>
+              <a:rPr lang="zh-CN" altLang="en-US"/>
+              <a:t>：成本汇总，</a:t>
+            </a:r>
+            <a:r>
+              <a:rPr lang="en-US" altLang="zh-CN"/>
+              <a:t>2</a:t>
+            </a:r>
+            <a:r>
+              <a:rPr lang="zh-CN" altLang="en-US"/>
+              <a:t>：储备分析，</a:t>
+            </a:r>
+            <a:r>
+              <a:rPr lang="en-US" altLang="zh-CN"/>
+              <a:t>3</a:t>
+            </a:r>
+            <a:r>
+              <a:rPr lang="zh-CN" altLang="en-US"/>
+              <a:t>：专家判断，</a:t>
+            </a:r>
+            <a:r>
+              <a:rPr lang="en-US" altLang="zh-CN"/>
+              <a:t>4</a:t>
+            </a:r>
+            <a:r>
+              <a:rPr lang="zh-CN" altLang="en-US"/>
+              <a:t>：历史关系，</a:t>
+            </a:r>
+            <a:r>
+              <a:rPr lang="en-US" altLang="zh-CN"/>
+              <a:t>5</a:t>
+            </a:r>
+            <a:r>
+              <a:rPr lang="zh-CN" altLang="en-US"/>
+              <a:t>：资金限制平衡</a:t>
+            </a:r>
+            <a:endParaRPr lang="zh-CN" altLang="en-US"/>
+          </a:p>
+          <a:p>
+            <a:pPr marL="285750" indent="-285750" algn="l">
+              <a:buFont typeface="Arial" panose="020B0604020202020204" pitchFamily="34" charset="0"/>
+              <a:buChar char="•"/>
+            </a:pPr>
+            <a:r>
+              <a:rPr lang="zh-CN" altLang="en-US"/>
+              <a:t>输出：</a:t>
+            </a:r>
+            <a:r>
+              <a:rPr lang="en-US" altLang="zh-CN"/>
+              <a:t>1</a:t>
+            </a:r>
+            <a:r>
+              <a:rPr lang="zh-CN" altLang="en-US"/>
+              <a:t>：成本基准，</a:t>
+            </a:r>
+            <a:r>
+              <a:rPr lang="en-US" altLang="zh-CN"/>
+              <a:t>2</a:t>
+            </a:r>
+            <a:r>
+              <a:rPr lang="zh-CN" altLang="en-US"/>
+              <a:t>：项目资金需求，</a:t>
+            </a:r>
+            <a:r>
+              <a:rPr lang="en-US" altLang="zh-CN"/>
+              <a:t>3</a:t>
+            </a:r>
+            <a:r>
+              <a:rPr lang="zh-CN" altLang="en-US"/>
+              <a:t>：项目文件更新</a:t>
+            </a:r>
             <a:endParaRPr lang="zh-CN" altLang="en-US"/>
           </a:p>
         </p:txBody>
@@ -21526,18 +25680,10 @@
           <a:bodyPr/>
           <a:p>
             <a:r>
-              <a:rPr lang="zh-CN" altLang="en-US"/>
-              <a:t>创建</a:t>
-            </a:r>
-            <a:r>
-              <a:rPr lang="en-US" altLang="zh-CN"/>
-              <a:t>WBS---</a:t>
-            </a:r>
-            <a:r>
-              <a:rPr lang="zh-CN" altLang="en-US"/>
-              <a:t>输出</a:t>
-            </a:r>
-            <a:endParaRPr lang="zh-CN" altLang="en-US"/>
+              <a:rPr lang="zh-CN"/>
+              <a:t>储备分析</a:t>
+            </a:r>
+            <a:endParaRPr lang="zh-CN"/>
           </a:p>
         </p:txBody>
       </p:sp>
@@ -21566,8 +25712,39 @@
             </a:pPr>
             <a:endParaRPr lang="zh-CN" altLang="en-US"/>
           </a:p>
-        </p:txBody>
-      </p:sp>
+          <a:p>
+            <a:pPr marL="285750" indent="-285750" algn="l">
+              <a:buFont typeface="Arial" panose="020B0604020202020204" pitchFamily="34" charset="0"/>
+              <a:buChar char="•"/>
+            </a:pPr>
+            <a:endParaRPr lang="zh-CN" altLang="en-US"/>
+          </a:p>
+        </p:txBody>
+      </p:sp>
+      <p:pic>
+        <p:nvPicPr>
+          <p:cNvPr id="4" name="图片 3"/>
+          <p:cNvPicPr>
+            <a:picLocks noChangeAspect="1"/>
+          </p:cNvPicPr>
+          <p:nvPr/>
+        </p:nvPicPr>
+        <p:blipFill>
+          <a:blip r:embed="rId1"/>
+          <a:stretch>
+            <a:fillRect/>
+          </a:stretch>
+        </p:blipFill>
+        <p:spPr>
+          <a:xfrm>
+            <a:off x="806450" y="1988820"/>
+            <a:ext cx="7620000" cy="4478020"/>
+          </a:xfrm>
+          <a:prstGeom prst="rect">
+            <a:avLst/>
+          </a:prstGeom>
+        </p:spPr>
+      </p:pic>
     </p:spTree>
   </p:cSld>
   <p:clrMapOvr>
@@ -21606,18 +25783,10 @@
           <a:bodyPr/>
           <a:p>
             <a:r>
-              <a:rPr lang="zh-CN" altLang="en-US"/>
-              <a:t>创建</a:t>
-            </a:r>
-            <a:r>
-              <a:rPr lang="en-US" altLang="zh-CN"/>
-              <a:t>WBS---</a:t>
-            </a:r>
-            <a:r>
-              <a:rPr lang="zh-CN" altLang="en-US"/>
-              <a:t>输出</a:t>
-            </a:r>
-            <a:endParaRPr lang="zh-CN" altLang="en-US"/>
+              <a:rPr lang="zh-CN"/>
+              <a:t>历史关系</a:t>
+            </a:r>
+            <a:endParaRPr lang="zh-CN"/>
           </a:p>
         </p:txBody>
       </p:sp>
@@ -21639,6 +25808,94 @@
         </p:spPr>
         <p:txBody>
           <a:bodyPr/>
+          <a:p>
+            <a:pPr marL="285750" indent="-285750" algn="l">
+              <a:buFont typeface="Arial" panose="020B0604020202020204" pitchFamily="34" charset="0"/>
+              <a:buChar char="•"/>
+            </a:pPr>
+            <a:r>
+              <a:rPr lang="zh-CN" altLang="en-US"/>
+              <a:t>有关变量之间可能存在一些可据以进行参数估算或类比估算的历史关系</a:t>
+            </a:r>
+            <a:endParaRPr lang="zh-CN" altLang="en-US"/>
+          </a:p>
+          <a:p>
+            <a:pPr marL="285750" indent="-285750" algn="l">
+              <a:buFont typeface="Arial" panose="020B0604020202020204" pitchFamily="34" charset="0"/>
+              <a:buChar char="•"/>
+            </a:pPr>
+            <a:r>
+              <a:rPr lang="zh-CN" altLang="en-US"/>
+              <a:t>可以基于这些历史关系，利用项目特征（参数）来建立数学模型，预测项目总成本</a:t>
+            </a:r>
+            <a:endParaRPr lang="zh-CN" altLang="en-US"/>
+          </a:p>
+          <a:p>
+            <a:pPr marL="285750" indent="-285750" algn="l">
+              <a:buFont typeface="Arial" panose="020B0604020202020204" pitchFamily="34" charset="0"/>
+              <a:buChar char="•"/>
+            </a:pPr>
+            <a:r>
+              <a:rPr lang="zh-CN" altLang="en-US"/>
+              <a:t>数学模型可以是简单的，也可以是复杂的</a:t>
+            </a:r>
+            <a:endParaRPr lang="zh-CN" altLang="en-US"/>
+          </a:p>
+          <a:p>
+            <a:pPr marL="285750" indent="-285750" algn="l">
+              <a:buFont typeface="Arial" panose="020B0604020202020204" pitchFamily="34" charset="0"/>
+              <a:buChar char="•"/>
+            </a:pPr>
+            <a:r>
+              <a:rPr lang="zh-CN" altLang="en-US"/>
+              <a:t>类比模型或参数模型的准确性及所需成本可能变动很大</a:t>
+            </a:r>
+            <a:endParaRPr lang="zh-CN" altLang="en-US"/>
+          </a:p>
+          <a:p>
+            <a:pPr marL="285750" indent="-285750" algn="l">
+              <a:buFont typeface="Arial" panose="020B0604020202020204" pitchFamily="34" charset="0"/>
+              <a:buChar char="•"/>
+            </a:pPr>
+            <a:r>
+              <a:rPr lang="zh-CN" altLang="en-US"/>
+              <a:t>模型准确性的前提</a:t>
+            </a:r>
+            <a:endParaRPr lang="zh-CN" altLang="en-US"/>
+          </a:p>
+          <a:p>
+            <a:pPr marL="742950" lvl="1" indent="-285750" algn="l">
+              <a:buFont typeface="Arial" panose="020B0604020202020204" pitchFamily="34" charset="0"/>
+              <a:buChar char="•"/>
+            </a:pPr>
+            <a:r>
+              <a:rPr lang="zh-CN" altLang="en-US" sz="1500"/>
+              <a:t>历史信息准确</a:t>
+            </a:r>
+            <a:endParaRPr lang="zh-CN" altLang="en-US" sz="1500"/>
+          </a:p>
+          <a:p>
+            <a:pPr marL="742950" lvl="1" indent="-285750" algn="l">
+              <a:buFont typeface="Arial" panose="020B0604020202020204" pitchFamily="34" charset="0"/>
+              <a:buChar char="•"/>
+            </a:pPr>
+            <a:r>
+              <a:rPr lang="zh-CN" altLang="en-US" sz="1500"/>
+              <a:t>参数易于量化</a:t>
+            </a:r>
+            <a:endParaRPr lang="zh-CN" altLang="en-US" sz="1500"/>
+          </a:p>
+          <a:p>
+            <a:pPr marL="742950" lvl="1" indent="-285750" algn="l">
+              <a:buFont typeface="Arial" panose="020B0604020202020204" pitchFamily="34" charset="0"/>
+              <a:buChar char="•"/>
+            </a:pPr>
+            <a:r>
+              <a:rPr lang="zh-CN" altLang="en-US" sz="1500"/>
+              <a:t>模型可以调整，对于大小项目各阶段都适用</a:t>
+            </a:r>
+            <a:endParaRPr lang="zh-CN" altLang="en-US"/>
+          </a:p>
           <a:p>
             <a:pPr marL="285750" indent="-285750" algn="l">
               <a:buFont typeface="Arial" panose="020B0604020202020204" pitchFamily="34" charset="0"/>
@@ -21687,15 +25944,7 @@
           <a:p>
             <a:r>
               <a:rPr lang="zh-CN" altLang="en-US"/>
-              <a:t>创建</a:t>
-            </a:r>
-            <a:r>
-              <a:rPr lang="en-US" altLang="zh-CN"/>
-              <a:t>WBS---</a:t>
-            </a:r>
-            <a:r>
-              <a:rPr lang="zh-CN" altLang="en-US"/>
-              <a:t>输出</a:t>
+              <a:t>资金限制平衡</a:t>
             </a:r>
             <a:endParaRPr lang="zh-CN" altLang="en-US"/>
           </a:p>
@@ -21724,6 +25973,43 @@
               <a:buFont typeface="Arial" panose="020B0604020202020204" pitchFamily="34" charset="0"/>
               <a:buChar char="•"/>
             </a:pPr>
+            <a:r>
+              <a:rPr lang="zh-CN" altLang="en-US"/>
+              <a:t>根据对项目资金的任何限制，来平衡资金支出</a:t>
+            </a:r>
+            <a:endParaRPr lang="zh-CN" altLang="en-US"/>
+          </a:p>
+          <a:p>
+            <a:pPr marL="285750" indent="-285750" algn="l">
+              <a:buFont typeface="Arial" panose="020B0604020202020204" pitchFamily="34" charset="0"/>
+              <a:buChar char="•"/>
+            </a:pPr>
+            <a:r>
+              <a:rPr lang="zh-CN" altLang="en-US"/>
+              <a:t>如果发现资金限制与计划支出之间的差异，则可能需要调整工作进度计划，以平衡资金支出水平</a:t>
+            </a:r>
+            <a:endParaRPr lang="zh-CN" altLang="en-US"/>
+          </a:p>
+          <a:p>
+            <a:pPr marL="285750" indent="-285750" algn="l">
+              <a:buFont typeface="Arial" panose="020B0604020202020204" pitchFamily="34" charset="0"/>
+              <a:buChar char="•"/>
+            </a:pPr>
+            <a:r>
+              <a:rPr lang="zh-CN" altLang="en-US"/>
+              <a:t>可以通过在项目进度计划中添加强制日期来实现</a:t>
+            </a:r>
+            <a:endParaRPr lang="zh-CN" altLang="en-US"/>
+          </a:p>
+          <a:p>
+            <a:pPr marL="285750" indent="-285750" algn="l">
+              <a:buFont typeface="Arial" panose="020B0604020202020204" pitchFamily="34" charset="0"/>
+              <a:buChar char="•"/>
+            </a:pPr>
+            <a:r>
+              <a:rPr lang="zh-CN" altLang="en-US"/>
+              <a:t>资金限制平衡的原因在于组织对于项目预算资金的拨付不是一次性全部到位</a:t>
+            </a:r>
             <a:endParaRPr lang="zh-CN" altLang="en-US"/>
           </a:p>
         </p:txBody>
@@ -22033,15 +26319,7 @@
           <a:p>
             <a:r>
               <a:rPr lang="zh-CN" altLang="en-US"/>
-              <a:t>创建</a:t>
-            </a:r>
-            <a:r>
-              <a:rPr lang="en-US" altLang="zh-CN"/>
-              <a:t>WBS---</a:t>
-            </a:r>
-            <a:r>
-              <a:rPr lang="zh-CN" altLang="en-US"/>
-              <a:t>输出</a:t>
+              <a:t>成本基准</a:t>
             </a:r>
             <a:endParaRPr lang="zh-CN" altLang="en-US"/>
           </a:p>
@@ -22070,6 +26348,96 @@
               <a:buFont typeface="Arial" panose="020B0604020202020204" pitchFamily="34" charset="0"/>
               <a:buChar char="•"/>
             </a:pPr>
+            <a:r>
+              <a:rPr lang="zh-CN" altLang="en-US"/>
+              <a:t>成本基准是经过批准的，按时间段分配的项目预算</a:t>
+            </a:r>
+            <a:endParaRPr lang="zh-CN" altLang="en-US"/>
+          </a:p>
+          <a:p>
+            <a:pPr marL="285750" indent="-285750" algn="l">
+              <a:buFont typeface="Arial" panose="020B0604020202020204" pitchFamily="34" charset="0"/>
+              <a:buChar char="•"/>
+            </a:pPr>
+            <a:r>
+              <a:rPr lang="zh-CN" altLang="en-US"/>
+              <a:t>成本基准不包括任何管理储备</a:t>
+            </a:r>
+            <a:endParaRPr lang="zh-CN" altLang="en-US"/>
+          </a:p>
+          <a:p>
+            <a:pPr marL="285750" indent="-285750" algn="l">
+              <a:buFont typeface="Arial" panose="020B0604020202020204" pitchFamily="34" charset="0"/>
+              <a:buChar char="•"/>
+            </a:pPr>
+            <a:r>
+              <a:rPr lang="zh-CN" altLang="en-US"/>
+              <a:t>只有通过正式的变更控制程序才能变更</a:t>
+            </a:r>
+            <a:endParaRPr lang="zh-CN" altLang="en-US"/>
+          </a:p>
+          <a:p>
+            <a:pPr marL="285750" indent="-285750" algn="l">
+              <a:buFont typeface="Arial" panose="020B0604020202020204" pitchFamily="34" charset="0"/>
+              <a:buChar char="•"/>
+            </a:pPr>
+            <a:r>
+              <a:rPr lang="zh-CN" altLang="en-US"/>
+              <a:t>用作与实际结果进行比较的依据</a:t>
+            </a:r>
+            <a:endParaRPr lang="zh-CN" altLang="en-US"/>
+          </a:p>
+          <a:p>
+            <a:pPr marL="285750" indent="-285750" algn="l">
+              <a:buFont typeface="Arial" panose="020B0604020202020204" pitchFamily="34" charset="0"/>
+              <a:buChar char="•"/>
+            </a:pPr>
+            <a:r>
+              <a:rPr lang="zh-CN" altLang="en-US"/>
+              <a:t>是不同进度活动经批准的预算的总和</a:t>
+            </a:r>
+            <a:endParaRPr lang="zh-CN" altLang="en-US"/>
+          </a:p>
+          <a:p>
+            <a:pPr marL="285750" indent="-285750" algn="l">
+              <a:buFont typeface="Arial" panose="020B0604020202020204" pitchFamily="34" charset="0"/>
+              <a:buChar char="•"/>
+            </a:pPr>
+            <a:r>
+              <a:rPr lang="zh-CN" altLang="en-US"/>
+              <a:t>根据活动的进度计划，按时间段分配成本基准，就得到一条</a:t>
+            </a:r>
+            <a:r>
+              <a:rPr lang="en-US" altLang="zh-CN"/>
+              <a:t>S</a:t>
+            </a:r>
+            <a:r>
+              <a:rPr lang="zh-CN" altLang="en-US"/>
+              <a:t>曲线</a:t>
+            </a:r>
+            <a:endParaRPr lang="zh-CN" altLang="en-US"/>
+          </a:p>
+          <a:p>
+            <a:pPr marL="285750" indent="-285750" algn="l">
+              <a:buFont typeface="Arial" panose="020B0604020202020204" pitchFamily="34" charset="0"/>
+              <a:buChar char="•"/>
+            </a:pPr>
+            <a:r>
+              <a:rPr lang="en-US" altLang="zh-CN"/>
+              <a:t>S</a:t>
+            </a:r>
+            <a:r>
+              <a:rPr lang="zh-CN" altLang="en-US"/>
+              <a:t>曲线在挣值管理中相当于</a:t>
+            </a:r>
+            <a:r>
+              <a:rPr lang="en-US" altLang="zh-CN"/>
+              <a:t>PV</a:t>
+            </a:r>
+            <a:r>
+              <a:rPr lang="zh-CN" altLang="en-US"/>
+              <a:t>线</a:t>
+            </a:r>
             <a:endParaRPr lang="zh-CN" altLang="en-US"/>
           </a:p>
         </p:txBody>
@@ -22113,15 +26481,7 @@
           <a:p>
             <a:r>
               <a:rPr lang="zh-CN" altLang="en-US"/>
-              <a:t>创建</a:t>
-            </a:r>
-            <a:r>
-              <a:rPr lang="en-US" altLang="zh-CN"/>
-              <a:t>WBS---</a:t>
-            </a:r>
-            <a:r>
-              <a:rPr lang="zh-CN" altLang="en-US"/>
-              <a:t>输出</a:t>
+              <a:t>项目资金需求</a:t>
             </a:r>
             <a:endParaRPr lang="zh-CN" altLang="en-US"/>
           </a:p>
@@ -22154,6 +26514,30 @@
           </a:p>
         </p:txBody>
       </p:sp>
+      <p:pic>
+        <p:nvPicPr>
+          <p:cNvPr id="4" name="图片 3" descr="项目资金需求"/>
+          <p:cNvPicPr>
+            <a:picLocks noChangeAspect="1"/>
+          </p:cNvPicPr>
+          <p:nvPr/>
+        </p:nvPicPr>
+        <p:blipFill>
+          <a:blip r:embed="rId1"/>
+          <a:stretch>
+            <a:fillRect/>
+          </a:stretch>
+        </p:blipFill>
+        <p:spPr>
+          <a:xfrm>
+            <a:off x="876300" y="1340485"/>
+            <a:ext cx="7391400" cy="4411980"/>
+          </a:xfrm>
+          <a:prstGeom prst="rect">
+            <a:avLst/>
+          </a:prstGeom>
+        </p:spPr>
+      </p:pic>
     </p:spTree>
   </p:cSld>
   <p:clrMapOvr>
@@ -22192,18 +26576,10 @@
           <a:bodyPr/>
           <a:p>
             <a:r>
-              <a:rPr lang="zh-CN" altLang="en-US"/>
-              <a:t>创建</a:t>
-            </a:r>
-            <a:r>
-              <a:rPr lang="en-US" altLang="zh-CN"/>
-              <a:t>WBS---</a:t>
-            </a:r>
-            <a:r>
-              <a:rPr lang="zh-CN" altLang="en-US"/>
-              <a:t>输出</a:t>
-            </a:r>
-            <a:endParaRPr lang="zh-CN" altLang="en-US"/>
+              <a:rPr lang="zh-CN"/>
+              <a:t>控制成本</a:t>
+            </a:r>
+            <a:endParaRPr lang="zh-CN"/>
           </a:p>
         </p:txBody>
       </p:sp>
@@ -22230,6 +26606,182 @@
               <a:buFont typeface="Arial" panose="020B0604020202020204" pitchFamily="34" charset="0"/>
               <a:buChar char="•"/>
             </a:pPr>
+            <a:r>
+              <a:rPr lang="zh-CN" altLang="en-US"/>
+              <a:t>监督项目状态，以更新项目成本，管理成本基准变更的过程</a:t>
+            </a:r>
+            <a:endParaRPr lang="zh-CN" altLang="en-US"/>
+          </a:p>
+          <a:p>
+            <a:pPr marL="285750" indent="-285750" algn="l">
+              <a:buFont typeface="Arial" panose="020B0604020202020204" pitchFamily="34" charset="0"/>
+              <a:buChar char="•"/>
+            </a:pPr>
+            <a:r>
+              <a:rPr lang="zh-CN" altLang="en-US"/>
+              <a:t>主要作用是：发现实际与计划的差异，以便采取纠正措施，降低风险</a:t>
+            </a:r>
+            <a:endParaRPr lang="zh-CN" altLang="en-US"/>
+          </a:p>
+          <a:p>
+            <a:pPr marL="285750" indent="-285750" algn="l">
+              <a:buFont typeface="Arial" panose="020B0604020202020204" pitchFamily="34" charset="0"/>
+              <a:buChar char="•"/>
+            </a:pPr>
+            <a:r>
+              <a:rPr lang="zh-CN" altLang="en-US"/>
+              <a:t>输入：</a:t>
+            </a:r>
+            <a:r>
+              <a:rPr lang="en-US" altLang="zh-CN"/>
+              <a:t>1</a:t>
+            </a:r>
+            <a:r>
+              <a:rPr lang="zh-CN" altLang="en-US"/>
+              <a:t>：项目管理计划，</a:t>
+            </a:r>
+            <a:r>
+              <a:rPr lang="en-US" altLang="zh-CN"/>
+              <a:t>2</a:t>
+            </a:r>
+            <a:r>
+              <a:rPr lang="zh-CN" altLang="en-US"/>
+              <a:t>：项目资金需求，</a:t>
+            </a:r>
+            <a:r>
+              <a:rPr lang="en-US" altLang="zh-CN"/>
+              <a:t>3</a:t>
+            </a:r>
+            <a:r>
+              <a:rPr lang="zh-CN" altLang="en-US"/>
+              <a:t>：工作绩效数据，</a:t>
+            </a:r>
+            <a:r>
+              <a:rPr lang="en-US" altLang="zh-CN"/>
+              <a:t>4</a:t>
+            </a:r>
+            <a:r>
+              <a:rPr lang="zh-CN" altLang="en-US"/>
+              <a:t>：组织过程资产</a:t>
+            </a:r>
+            <a:endParaRPr lang="zh-CN" altLang="en-US"/>
+          </a:p>
+          <a:p>
+            <a:pPr marL="285750" indent="-285750" algn="l">
+              <a:buFont typeface="Arial" panose="020B0604020202020204" pitchFamily="34" charset="0"/>
+              <a:buChar char="•"/>
+            </a:pPr>
+            <a:r>
+              <a:rPr lang="zh-CN" altLang="en-US"/>
+              <a:t>工具和技术：</a:t>
+            </a:r>
+            <a:r>
+              <a:rPr lang="en-US" altLang="zh-CN"/>
+              <a:t>1</a:t>
+            </a:r>
+            <a:r>
+              <a:rPr lang="zh-CN" altLang="en-US"/>
+              <a:t>：挣值管理，</a:t>
+            </a:r>
+            <a:r>
+              <a:rPr lang="en-US" altLang="zh-CN"/>
+              <a:t>2</a:t>
+            </a:r>
+            <a:r>
+              <a:rPr lang="zh-CN" altLang="en-US"/>
+              <a:t>：预测，</a:t>
+            </a:r>
+            <a:r>
+              <a:rPr lang="en-US" altLang="zh-CN"/>
+              <a:t>3</a:t>
+            </a:r>
+            <a:r>
+              <a:rPr lang="zh-CN" altLang="en-US"/>
+              <a:t>：完工尚需绩效指数，</a:t>
+            </a:r>
+            <a:r>
+              <a:rPr lang="en-US" altLang="zh-CN"/>
+              <a:t>4</a:t>
+            </a:r>
+            <a:r>
+              <a:rPr lang="zh-CN" altLang="en-US"/>
+              <a:t>：绩效审查，</a:t>
+            </a:r>
+            <a:r>
+              <a:rPr lang="en-US" altLang="zh-CN"/>
+              <a:t>5</a:t>
+            </a:r>
+            <a:r>
+              <a:rPr lang="zh-CN" altLang="en-US"/>
+              <a:t>：项目管理软件，</a:t>
+            </a:r>
+            <a:r>
+              <a:rPr lang="en-US" altLang="zh-CN"/>
+              <a:t>6</a:t>
+            </a:r>
+            <a:r>
+              <a:rPr lang="zh-CN" altLang="en-US"/>
+              <a:t>：储备分析</a:t>
+            </a:r>
+            <a:endParaRPr lang="zh-CN" altLang="en-US"/>
+          </a:p>
+          <a:p>
+            <a:pPr marL="285750" indent="-285750" algn="l">
+              <a:buFont typeface="Arial" panose="020B0604020202020204" pitchFamily="34" charset="0"/>
+              <a:buChar char="•"/>
+            </a:pPr>
+            <a:r>
+              <a:rPr lang="zh-CN" altLang="en-US"/>
+              <a:t>输出：</a:t>
+            </a:r>
+            <a:r>
+              <a:rPr lang="en-US" altLang="zh-CN"/>
+              <a:t>1</a:t>
+            </a:r>
+            <a:r>
+              <a:rPr lang="zh-CN" altLang="en-US"/>
+              <a:t>：工作绩效信息，</a:t>
+            </a:r>
+            <a:r>
+              <a:rPr lang="en-US" altLang="zh-CN"/>
+              <a:t>2</a:t>
+            </a:r>
+            <a:r>
+              <a:rPr lang="zh-CN" altLang="en-US"/>
+              <a:t>：成本预测，</a:t>
+            </a:r>
+            <a:r>
+              <a:rPr lang="en-US" altLang="zh-CN"/>
+              <a:t>3</a:t>
+            </a:r>
+            <a:r>
+              <a:rPr lang="zh-CN" altLang="en-US"/>
+              <a:t>：变更请求，</a:t>
+            </a:r>
+            <a:r>
+              <a:rPr lang="en-US" altLang="zh-CN"/>
+              <a:t>4</a:t>
+            </a:r>
+            <a:r>
+              <a:rPr lang="zh-CN" altLang="en-US"/>
+              <a:t>：项目管理计划更新，</a:t>
+            </a:r>
+            <a:r>
+              <a:rPr lang="en-US" altLang="zh-CN"/>
+              <a:t>5</a:t>
+            </a:r>
+            <a:r>
+              <a:rPr lang="zh-CN" altLang="en-US"/>
+              <a:t>：项目文件更新，</a:t>
+            </a:r>
+            <a:r>
+              <a:rPr lang="en-US" altLang="zh-CN"/>
+              <a:t>6</a:t>
+            </a:r>
+            <a:r>
+              <a:rPr lang="zh-CN" altLang="en-US"/>
+              <a:t>：组织过程资产更新</a:t>
+            </a:r>
             <a:endParaRPr lang="zh-CN" altLang="en-US"/>
           </a:p>
         </p:txBody>
@@ -22272,18 +26824,10 @@
           <a:bodyPr/>
           <a:p>
             <a:r>
-              <a:rPr lang="zh-CN" altLang="en-US"/>
-              <a:t>创建</a:t>
-            </a:r>
-            <a:r>
-              <a:rPr lang="en-US" altLang="zh-CN"/>
-              <a:t>WBS---</a:t>
-            </a:r>
-            <a:r>
-              <a:rPr lang="zh-CN" altLang="en-US"/>
-              <a:t>输出</a:t>
-            </a:r>
-            <a:endParaRPr lang="zh-CN" altLang="en-US"/>
+              <a:rPr lang="zh-CN"/>
+              <a:t>挣值管理</a:t>
+            </a:r>
+            <a:endParaRPr lang="zh-CN"/>
           </a:p>
         </p:txBody>
       </p:sp>
@@ -22310,6 +26854,121 @@
               <a:buFont typeface="Arial" panose="020B0604020202020204" pitchFamily="34" charset="0"/>
               <a:buChar char="•"/>
             </a:pPr>
+            <a:r>
+              <a:rPr lang="zh-CN" altLang="en-US"/>
+              <a:t>预测</a:t>
+            </a:r>
+            <a:endParaRPr lang="zh-CN" altLang="en-US"/>
+          </a:p>
+          <a:p>
+            <a:pPr marL="742950" lvl="1" indent="-285750" algn="l">
+              <a:buFont typeface="Arial" panose="020B0604020202020204" pitchFamily="34" charset="0"/>
+              <a:buChar char="•"/>
+            </a:pPr>
+            <a:r>
+              <a:rPr lang="en-US" altLang="zh-CN"/>
+              <a:t>EAC=AC+ETC</a:t>
+            </a:r>
+            <a:endParaRPr lang="en-US" altLang="zh-CN"/>
+          </a:p>
+          <a:p>
+            <a:pPr marL="742950" lvl="1" indent="-285750" algn="l">
+              <a:buFont typeface="Arial" panose="020B0604020202020204" pitchFamily="34" charset="0"/>
+              <a:buChar char="•"/>
+            </a:pPr>
+            <a:r>
+              <a:rPr lang="en-US" altLang="zh-CN"/>
+              <a:t>ETC</a:t>
+            </a:r>
+            <a:r>
+              <a:rPr lang="zh-CN" altLang="en-US"/>
+              <a:t>有两种估算</a:t>
+            </a:r>
+            <a:endParaRPr lang="zh-CN" altLang="en-US"/>
+          </a:p>
+          <a:p>
+            <a:pPr marL="1200150" lvl="2" indent="-285750" algn="l">
+              <a:buFont typeface="Arial" panose="020B0604020202020204" pitchFamily="34" charset="0"/>
+              <a:buChar char="•"/>
+            </a:pPr>
+            <a:r>
+              <a:rPr lang="zh-CN" altLang="en-US"/>
+              <a:t>自下而上重新估算</a:t>
+            </a:r>
+            <a:endParaRPr lang="zh-CN" altLang="en-US"/>
+          </a:p>
+          <a:p>
+            <a:pPr marL="1200150" lvl="2" indent="-285750" algn="l">
+              <a:buFont typeface="Arial" panose="020B0604020202020204" pitchFamily="34" charset="0"/>
+              <a:buChar char="•"/>
+            </a:pPr>
+            <a:r>
+              <a:rPr lang="zh-CN" altLang="en-US"/>
+              <a:t>利用挣值进行估算</a:t>
+            </a:r>
+            <a:endParaRPr lang="zh-CN" altLang="en-US"/>
+          </a:p>
+          <a:p>
+            <a:pPr marL="285750" lvl="0" indent="-285750" algn="l">
+              <a:buFont typeface="Arial" panose="020B0604020202020204" pitchFamily="34" charset="0"/>
+              <a:buChar char="•"/>
+            </a:pPr>
+            <a:r>
+              <a:rPr lang="zh-CN" altLang="en-US"/>
+              <a:t>完工尚需绩效指数（</a:t>
+            </a:r>
+            <a:r>
+              <a:rPr lang="en-US" altLang="zh-CN"/>
+              <a:t>TCPI</a:t>
+            </a:r>
+            <a:r>
+              <a:rPr lang="zh-CN" altLang="en-US"/>
+              <a:t>）</a:t>
+            </a:r>
+            <a:endParaRPr lang="zh-CN" altLang="en-US"/>
+          </a:p>
+          <a:p>
+            <a:pPr marL="285750" lvl="0" indent="-285750" algn="l">
+              <a:buFont typeface="Arial" panose="020B0604020202020204" pitchFamily="34" charset="0"/>
+              <a:buChar char="•"/>
+            </a:pPr>
+            <a:r>
+              <a:rPr lang="zh-CN" altLang="en-US"/>
+              <a:t>绩效审查</a:t>
+            </a:r>
+            <a:endParaRPr lang="zh-CN" altLang="en-US"/>
+          </a:p>
+          <a:p>
+            <a:pPr marL="742950" lvl="1" indent="-285750" algn="l">
+              <a:buFont typeface="Arial" panose="020B0604020202020204" pitchFamily="34" charset="0"/>
+              <a:buChar char="•"/>
+            </a:pPr>
+            <a:r>
+              <a:rPr lang="zh-CN" altLang="en-US"/>
+              <a:t>偏差分析</a:t>
+            </a:r>
+            <a:endParaRPr lang="zh-CN" altLang="en-US"/>
+          </a:p>
+          <a:p>
+            <a:pPr marL="742950" lvl="1" indent="-285750" algn="l">
+              <a:buFont typeface="Arial" panose="020B0604020202020204" pitchFamily="34" charset="0"/>
+              <a:buChar char="•"/>
+            </a:pPr>
+            <a:r>
+              <a:rPr lang="zh-CN" altLang="en-US"/>
+              <a:t>趋势分析</a:t>
+            </a:r>
+            <a:endParaRPr lang="zh-CN" altLang="en-US"/>
+          </a:p>
+          <a:p>
+            <a:pPr marL="742950" lvl="1" indent="-285750" algn="l">
+              <a:buFont typeface="Arial" panose="020B0604020202020204" pitchFamily="34" charset="0"/>
+              <a:buChar char="•"/>
+            </a:pPr>
+            <a:r>
+              <a:rPr lang="zh-CN" altLang="en-US"/>
+              <a:t>挣值绩效</a:t>
+            </a:r>
             <a:endParaRPr lang="zh-CN" altLang="en-US"/>
           </a:p>
         </p:txBody>
@@ -22352,18 +27011,18 @@
           <a:bodyPr/>
           <a:p>
             <a:r>
-              <a:rPr lang="zh-CN" altLang="en-US"/>
-              <a:t>创建</a:t>
-            </a:r>
-            <a:r>
-              <a:rPr lang="en-US" altLang="zh-CN"/>
-              <a:t>WBS---</a:t>
-            </a:r>
-            <a:r>
-              <a:rPr lang="zh-CN" altLang="en-US"/>
-              <a:t>输出</a:t>
-            </a:r>
-            <a:endParaRPr lang="zh-CN" altLang="en-US"/>
+              <a:rPr lang="zh-CN" altLang="en-US">
+                <a:highlight>
+                  <a:srgbClr val="FF00FF"/>
+                </a:highlight>
+              </a:rPr>
+              <a:t>挣值管理</a:t>
+            </a:r>
+            <a:endParaRPr lang="zh-CN" altLang="en-US">
+              <a:highlight>
+                <a:srgbClr val="FF00FF"/>
+              </a:highlight>
+            </a:endParaRPr>
           </a:p>
         </p:txBody>
       </p:sp>
@@ -22394,6 +27053,780 @@
           </a:p>
         </p:txBody>
       </p:sp>
+      <p:graphicFrame>
+        <p:nvGraphicFramePr>
+          <p:cNvPr id="5" name="表格 4"/>
+          <p:cNvGraphicFramePr/>
+          <p:nvPr>
+            <p:custDataLst>
+              <p:tags r:id="rId1"/>
+            </p:custDataLst>
+          </p:nvPr>
+        </p:nvGraphicFramePr>
+        <p:xfrm>
+          <a:off x="1187450" y="1722120"/>
+          <a:ext cx="6853555" cy="3048000"/>
+        </p:xfrm>
+        <a:graphic>
+          <a:graphicData uri="http://schemas.openxmlformats.org/drawingml/2006/table">
+            <a:tbl>
+              <a:tblPr firstRow="1" bandRow="1">
+                <a:tableStyleId>{5C22544A-7EE6-4342-B048-85BDC9FD1C3A}</a:tableStyleId>
+              </a:tblPr>
+              <a:tblGrid>
+                <a:gridCol w="1599565"/>
+                <a:gridCol w="1599565"/>
+                <a:gridCol w="2647950"/>
+                <a:gridCol w="1006475"/>
+              </a:tblGrid>
+              <a:tr h="381000">
+                <a:tc>
+                  <a:txBody>
+                    <a:bodyPr/>
+                    <a:p>
+                      <a:pPr>
+                        <a:buNone/>
+                      </a:pPr>
+                      <a:r>
+                        <a:rPr lang="zh-CN" altLang="en-US" sz="1400" b="1">
+                          <a:solidFill>
+                            <a:schemeClr val="tx1"/>
+                          </a:solidFill>
+                        </a:rPr>
+                        <a:t>术语</a:t>
+                      </a:r>
+                      <a:endParaRPr lang="zh-CN" altLang="en-US" sz="1400" b="1">
+                        <a:solidFill>
+                          <a:schemeClr val="tx1"/>
+                        </a:solidFill>
+                      </a:endParaRPr>
+                    </a:p>
+                  </a:txBody>
+                  <a:tcPr/>
+                </a:tc>
+                <a:tc>
+                  <a:txBody>
+                    <a:bodyPr/>
+                    <a:p>
+                      <a:pPr>
+                        <a:buNone/>
+                      </a:pPr>
+                      <a:r>
+                        <a:rPr lang="zh-CN" altLang="en-US" sz="1400" b="1">
+                          <a:solidFill>
+                            <a:schemeClr val="tx1"/>
+                          </a:solidFill>
+                        </a:rPr>
+                        <a:t>解释</a:t>
+                      </a:r>
+                      <a:endParaRPr lang="zh-CN" altLang="en-US" sz="1400" b="1">
+                        <a:solidFill>
+                          <a:schemeClr val="tx1"/>
+                        </a:solidFill>
+                      </a:endParaRPr>
+                    </a:p>
+                  </a:txBody>
+                  <a:tcPr/>
+                </a:tc>
+                <a:tc>
+                  <a:txBody>
+                    <a:bodyPr/>
+                    <a:p>
+                      <a:pPr>
+                        <a:buNone/>
+                      </a:pPr>
+                      <a:r>
+                        <a:rPr lang="zh-CN" altLang="en-US" sz="1400" b="1">
+                          <a:solidFill>
+                            <a:schemeClr val="tx1"/>
+                          </a:solidFill>
+                        </a:rPr>
+                        <a:t>含义</a:t>
+                      </a:r>
+                      <a:endParaRPr lang="zh-CN" altLang="en-US" sz="1400" b="1">
+                        <a:solidFill>
+                          <a:schemeClr val="tx1"/>
+                        </a:solidFill>
+                      </a:endParaRPr>
+                    </a:p>
+                  </a:txBody>
+                  <a:tcPr/>
+                </a:tc>
+                <a:tc>
+                  <a:txBody>
+                    <a:bodyPr/>
+                    <a:p>
+                      <a:pPr>
+                        <a:buNone/>
+                      </a:pPr>
+                      <a:r>
+                        <a:rPr lang="zh-CN" altLang="en-US" sz="1400" b="1">
+                          <a:solidFill>
+                            <a:schemeClr val="tx1"/>
+                          </a:solidFill>
+                        </a:rPr>
+                        <a:t>旧称</a:t>
+                      </a:r>
+                      <a:endParaRPr lang="zh-CN" altLang="en-US" sz="1400" b="1">
+                        <a:solidFill>
+                          <a:schemeClr val="tx1"/>
+                        </a:solidFill>
+                      </a:endParaRPr>
+                    </a:p>
+                  </a:txBody>
+                  <a:tcPr/>
+                </a:tc>
+              </a:tr>
+              <a:tr h="381000">
+                <a:tc>
+                  <a:txBody>
+                    <a:bodyPr/>
+                    <a:p>
+                      <a:pPr>
+                        <a:buNone/>
+                      </a:pPr>
+                      <a:r>
+                        <a:rPr lang="en-US" altLang="zh-CN" sz="1400" b="1">
+                          <a:solidFill>
+                            <a:schemeClr val="tx1"/>
+                          </a:solidFill>
+                        </a:rPr>
+                        <a:t>PV</a:t>
+                      </a:r>
+                      <a:endParaRPr lang="en-US" altLang="zh-CN" sz="1400" b="1">
+                        <a:solidFill>
+                          <a:schemeClr val="tx1"/>
+                        </a:solidFill>
+                      </a:endParaRPr>
+                    </a:p>
+                  </a:txBody>
+                  <a:tcPr/>
+                </a:tc>
+                <a:tc>
+                  <a:txBody>
+                    <a:bodyPr/>
+                    <a:p>
+                      <a:pPr>
+                        <a:buNone/>
+                      </a:pPr>
+                      <a:r>
+                        <a:rPr lang="zh-CN" altLang="en-US" sz="1400" b="1">
+                          <a:solidFill>
+                            <a:schemeClr val="tx1"/>
+                          </a:solidFill>
+                        </a:rPr>
+                        <a:t>计划值</a:t>
+                      </a:r>
+                      <a:endParaRPr lang="zh-CN" altLang="en-US" sz="1400" b="1">
+                        <a:solidFill>
+                          <a:schemeClr val="tx1"/>
+                        </a:solidFill>
+                      </a:endParaRPr>
+                    </a:p>
+                  </a:txBody>
+                  <a:tcPr/>
+                </a:tc>
+                <a:tc>
+                  <a:txBody>
+                    <a:bodyPr/>
+                    <a:p>
+                      <a:pPr>
+                        <a:buNone/>
+                      </a:pPr>
+                      <a:r>
+                        <a:rPr lang="zh-CN" altLang="en-US" sz="1400" b="1">
+                          <a:solidFill>
+                            <a:schemeClr val="tx1"/>
+                          </a:solidFill>
+                        </a:rPr>
+                        <a:t>应该完成多少工作</a:t>
+                      </a:r>
+                      <a:endParaRPr lang="zh-CN" altLang="en-US" sz="1400" b="1">
+                        <a:solidFill>
+                          <a:schemeClr val="tx1"/>
+                        </a:solidFill>
+                      </a:endParaRPr>
+                    </a:p>
+                  </a:txBody>
+                  <a:tcPr/>
+                </a:tc>
+                <a:tc>
+                  <a:txBody>
+                    <a:bodyPr/>
+                    <a:p>
+                      <a:pPr>
+                        <a:buNone/>
+                      </a:pPr>
+                      <a:r>
+                        <a:rPr lang="en-US" altLang="zh-CN" sz="1400" b="1">
+                          <a:solidFill>
+                            <a:schemeClr val="tx1"/>
+                          </a:solidFill>
+                        </a:rPr>
+                        <a:t>BCWS</a:t>
+                      </a:r>
+                      <a:endParaRPr lang="en-US" altLang="zh-CN" sz="1400" b="1">
+                        <a:solidFill>
+                          <a:schemeClr val="tx1"/>
+                        </a:solidFill>
+                      </a:endParaRPr>
+                    </a:p>
+                  </a:txBody>
+                  <a:tcPr/>
+                </a:tc>
+              </a:tr>
+              <a:tr h="381000">
+                <a:tc>
+                  <a:txBody>
+                    <a:bodyPr/>
+                    <a:p>
+                      <a:pPr>
+                        <a:buNone/>
+                      </a:pPr>
+                      <a:r>
+                        <a:rPr lang="en-US" altLang="zh-CN" sz="1400" b="1">
+                          <a:solidFill>
+                            <a:schemeClr val="tx1"/>
+                          </a:solidFill>
+                        </a:rPr>
+                        <a:t>EV</a:t>
+                      </a:r>
+                      <a:endParaRPr lang="en-US" altLang="zh-CN" sz="1400" b="1">
+                        <a:solidFill>
+                          <a:schemeClr val="tx1"/>
+                        </a:solidFill>
+                      </a:endParaRPr>
+                    </a:p>
+                  </a:txBody>
+                  <a:tcPr/>
+                </a:tc>
+                <a:tc>
+                  <a:txBody>
+                    <a:bodyPr/>
+                    <a:p>
+                      <a:pPr>
+                        <a:buNone/>
+                      </a:pPr>
+                      <a:r>
+                        <a:rPr lang="zh-CN" altLang="en-US" sz="1400" b="1">
+                          <a:solidFill>
+                            <a:schemeClr val="tx1"/>
+                          </a:solidFill>
+                        </a:rPr>
+                        <a:t>实现值</a:t>
+                      </a:r>
+                      <a:endParaRPr lang="zh-CN" altLang="en-US" sz="1400" b="1">
+                        <a:solidFill>
+                          <a:schemeClr val="tx1"/>
+                        </a:solidFill>
+                      </a:endParaRPr>
+                    </a:p>
+                  </a:txBody>
+                  <a:tcPr/>
+                </a:tc>
+                <a:tc>
+                  <a:txBody>
+                    <a:bodyPr/>
+                    <a:p>
+                      <a:pPr>
+                        <a:buNone/>
+                      </a:pPr>
+                      <a:r>
+                        <a:rPr lang="zh-CN" altLang="en-US" sz="1400" b="1">
+                          <a:solidFill>
+                            <a:schemeClr val="tx1"/>
+                          </a:solidFill>
+                        </a:rPr>
+                        <a:t>完成了多少预算工作</a:t>
+                      </a:r>
+                      <a:endParaRPr lang="zh-CN" altLang="en-US" sz="1400" b="1">
+                        <a:solidFill>
+                          <a:schemeClr val="tx1"/>
+                        </a:solidFill>
+                      </a:endParaRPr>
+                    </a:p>
+                  </a:txBody>
+                  <a:tcPr/>
+                </a:tc>
+                <a:tc>
+                  <a:txBody>
+                    <a:bodyPr/>
+                    <a:p>
+                      <a:pPr>
+                        <a:buNone/>
+                      </a:pPr>
+                      <a:r>
+                        <a:rPr lang="en-US" altLang="zh-CN" sz="1400" b="1">
+                          <a:solidFill>
+                            <a:schemeClr val="tx1"/>
+                          </a:solidFill>
+                        </a:rPr>
+                        <a:t>BCWP</a:t>
+                      </a:r>
+                      <a:endParaRPr lang="en-US" altLang="zh-CN" sz="1400" b="1">
+                        <a:solidFill>
+                          <a:schemeClr val="tx1"/>
+                        </a:solidFill>
+                      </a:endParaRPr>
+                    </a:p>
+                  </a:txBody>
+                  <a:tcPr/>
+                </a:tc>
+              </a:tr>
+              <a:tr h="381000">
+                <a:tc>
+                  <a:txBody>
+                    <a:bodyPr/>
+                    <a:p>
+                      <a:pPr>
+                        <a:buNone/>
+                      </a:pPr>
+                      <a:r>
+                        <a:rPr lang="en-US" altLang="zh-CN" sz="1400" b="1">
+                          <a:solidFill>
+                            <a:schemeClr val="tx1"/>
+                          </a:solidFill>
+                        </a:rPr>
+                        <a:t>AC</a:t>
+                      </a:r>
+                      <a:endParaRPr lang="en-US" altLang="zh-CN" sz="1400" b="1">
+                        <a:solidFill>
+                          <a:schemeClr val="tx1"/>
+                        </a:solidFill>
+                      </a:endParaRPr>
+                    </a:p>
+                  </a:txBody>
+                  <a:tcPr/>
+                </a:tc>
+                <a:tc>
+                  <a:txBody>
+                    <a:bodyPr/>
+                    <a:p>
+                      <a:pPr>
+                        <a:buNone/>
+                      </a:pPr>
+                      <a:r>
+                        <a:rPr lang="zh-CN" altLang="en-US" sz="1400" b="1">
+                          <a:solidFill>
+                            <a:schemeClr val="tx1"/>
+                          </a:solidFill>
+                        </a:rPr>
+                        <a:t>实际成本</a:t>
+                      </a:r>
+                      <a:endParaRPr lang="zh-CN" altLang="en-US" sz="1400" b="1">
+                        <a:solidFill>
+                          <a:schemeClr val="tx1"/>
+                        </a:solidFill>
+                      </a:endParaRPr>
+                    </a:p>
+                  </a:txBody>
+                  <a:tcPr/>
+                </a:tc>
+                <a:tc>
+                  <a:txBody>
+                    <a:bodyPr/>
+                    <a:p>
+                      <a:pPr>
+                        <a:buNone/>
+                      </a:pPr>
+                      <a:r>
+                        <a:rPr lang="zh-CN" altLang="en-US" sz="1400" b="1">
+                          <a:solidFill>
+                            <a:schemeClr val="tx1"/>
+                          </a:solidFill>
+                        </a:rPr>
+                        <a:t>完成工作的成本是多少</a:t>
+                      </a:r>
+                      <a:endParaRPr lang="zh-CN" altLang="en-US" sz="1400" b="1">
+                        <a:solidFill>
+                          <a:schemeClr val="tx1"/>
+                        </a:solidFill>
+                      </a:endParaRPr>
+                    </a:p>
+                  </a:txBody>
+                  <a:tcPr/>
+                </a:tc>
+                <a:tc>
+                  <a:txBody>
+                    <a:bodyPr/>
+                    <a:p>
+                      <a:pPr>
+                        <a:buNone/>
+                      </a:pPr>
+                      <a:r>
+                        <a:rPr lang="en-US" altLang="zh-CN" sz="1400" b="1">
+                          <a:solidFill>
+                            <a:schemeClr val="tx1"/>
+                          </a:solidFill>
+                        </a:rPr>
+                        <a:t>ACWP</a:t>
+                      </a:r>
+                      <a:endParaRPr lang="en-US" altLang="zh-CN" sz="1400" b="1">
+                        <a:solidFill>
+                          <a:schemeClr val="tx1"/>
+                        </a:solidFill>
+                      </a:endParaRPr>
+                    </a:p>
+                  </a:txBody>
+                  <a:tcPr/>
+                </a:tc>
+              </a:tr>
+              <a:tr h="381000">
+                <a:tc>
+                  <a:txBody>
+                    <a:bodyPr/>
+                    <a:p>
+                      <a:pPr>
+                        <a:buNone/>
+                      </a:pPr>
+                      <a:r>
+                        <a:rPr lang="en-US" altLang="zh-CN" sz="1400" b="1">
+                          <a:solidFill>
+                            <a:schemeClr val="tx1"/>
+                          </a:solidFill>
+                        </a:rPr>
+                        <a:t>BAC</a:t>
+                      </a:r>
+                      <a:endParaRPr lang="en-US" altLang="zh-CN" sz="1400" b="1">
+                        <a:solidFill>
+                          <a:schemeClr val="tx1"/>
+                        </a:solidFill>
+                      </a:endParaRPr>
+                    </a:p>
+                  </a:txBody>
+                  <a:tcPr/>
+                </a:tc>
+                <a:tc>
+                  <a:txBody>
+                    <a:bodyPr/>
+                    <a:p>
+                      <a:pPr>
+                        <a:buNone/>
+                      </a:pPr>
+                      <a:r>
+                        <a:rPr lang="zh-CN" altLang="en-US" sz="1400" b="1">
+                          <a:solidFill>
+                            <a:schemeClr val="tx1"/>
+                          </a:solidFill>
+                        </a:rPr>
+                        <a:t>完工预算</a:t>
+                      </a:r>
+                      <a:endParaRPr lang="zh-CN" altLang="en-US" sz="1400" b="1">
+                        <a:solidFill>
+                          <a:schemeClr val="tx1"/>
+                        </a:solidFill>
+                      </a:endParaRPr>
+                    </a:p>
+                  </a:txBody>
+                  <a:tcPr/>
+                </a:tc>
+                <a:tc>
+                  <a:txBody>
+                    <a:bodyPr/>
+                    <a:p>
+                      <a:pPr>
+                        <a:buNone/>
+                      </a:pPr>
+                      <a:r>
+                        <a:rPr lang="zh-CN" altLang="en-US" sz="1400" b="1">
+                          <a:solidFill>
+                            <a:schemeClr val="tx1"/>
+                          </a:solidFill>
+                        </a:rPr>
+                        <a:t>成本绩效基准（</a:t>
+                      </a:r>
+                      <a:r>
+                        <a:rPr lang="en-US" altLang="zh-CN" sz="1400" b="1">
+                          <a:solidFill>
+                            <a:schemeClr val="tx1"/>
+                          </a:solidFill>
+                        </a:rPr>
+                        <a:t>PMB</a:t>
+                      </a:r>
+                      <a:r>
+                        <a:rPr lang="zh-CN" altLang="en-US" sz="1400" b="1">
+                          <a:solidFill>
+                            <a:schemeClr val="tx1"/>
+                          </a:solidFill>
+                        </a:rPr>
+                        <a:t>）</a:t>
+                      </a:r>
+                      <a:endParaRPr lang="zh-CN" altLang="en-US" sz="1400" b="1">
+                        <a:solidFill>
+                          <a:schemeClr val="tx1"/>
+                        </a:solidFill>
+                      </a:endParaRPr>
+                    </a:p>
+                  </a:txBody>
+                  <a:tcPr/>
+                </a:tc>
+                <a:tc>
+                  <a:txBody>
+                    <a:bodyPr/>
+                    <a:p>
+                      <a:pPr>
+                        <a:buNone/>
+                      </a:pPr>
+                      <a:endParaRPr lang="zh-CN" altLang="en-US" sz="1400" b="1">
+                        <a:solidFill>
+                          <a:schemeClr val="tx1"/>
+                        </a:solidFill>
+                      </a:endParaRPr>
+                    </a:p>
+                  </a:txBody>
+                  <a:tcPr/>
+                </a:tc>
+              </a:tr>
+              <a:tr h="381000">
+                <a:tc>
+                  <a:txBody>
+                    <a:bodyPr/>
+                    <a:p>
+                      <a:pPr>
+                        <a:buNone/>
+                      </a:pPr>
+                      <a:r>
+                        <a:rPr lang="en-US" altLang="zh-CN" sz="1400" b="1">
+                          <a:solidFill>
+                            <a:schemeClr val="tx1"/>
+                          </a:solidFill>
+                        </a:rPr>
+                        <a:t>EAC</a:t>
+                      </a:r>
+                      <a:endParaRPr lang="en-US" altLang="zh-CN" sz="1400" b="1">
+                        <a:solidFill>
+                          <a:schemeClr val="tx1"/>
+                        </a:solidFill>
+                      </a:endParaRPr>
+                    </a:p>
+                  </a:txBody>
+                  <a:tcPr/>
+                </a:tc>
+                <a:tc>
+                  <a:txBody>
+                    <a:bodyPr/>
+                    <a:p>
+                      <a:pPr>
+                        <a:buNone/>
+                      </a:pPr>
+                      <a:r>
+                        <a:rPr lang="zh-CN" altLang="en-US" sz="1400" b="1">
+                          <a:solidFill>
+                            <a:schemeClr val="tx1"/>
+                          </a:solidFill>
+                        </a:rPr>
+                        <a:t>完工估算</a:t>
+                      </a:r>
+                      <a:endParaRPr lang="zh-CN" altLang="en-US" sz="1400" b="1">
+                        <a:solidFill>
+                          <a:schemeClr val="tx1"/>
+                        </a:solidFill>
+                      </a:endParaRPr>
+                    </a:p>
+                  </a:txBody>
+                  <a:tcPr/>
+                </a:tc>
+                <a:tc>
+                  <a:txBody>
+                    <a:bodyPr/>
+                    <a:p>
+                      <a:pPr>
+                        <a:buNone/>
+                      </a:pPr>
+                      <a:r>
+                        <a:rPr lang="zh-CN" altLang="en-US" sz="1400" b="1">
+                          <a:solidFill>
+                            <a:schemeClr val="tx1"/>
+                          </a:solidFill>
+                        </a:rPr>
+                        <a:t>完成全部工作的成本将是多少</a:t>
+                      </a:r>
+                      <a:endParaRPr lang="zh-CN" altLang="en-US" sz="1400" b="1">
+                        <a:solidFill>
+                          <a:schemeClr val="tx1"/>
+                        </a:solidFill>
+                      </a:endParaRPr>
+                    </a:p>
+                  </a:txBody>
+                  <a:tcPr/>
+                </a:tc>
+                <a:tc>
+                  <a:txBody>
+                    <a:bodyPr/>
+                    <a:p>
+                      <a:pPr>
+                        <a:buNone/>
+                      </a:pPr>
+                      <a:endParaRPr lang="zh-CN" altLang="en-US" sz="1400" b="1">
+                        <a:solidFill>
+                          <a:schemeClr val="tx1"/>
+                        </a:solidFill>
+                      </a:endParaRPr>
+                    </a:p>
+                  </a:txBody>
+                  <a:tcPr/>
+                </a:tc>
+              </a:tr>
+              <a:tr h="381000">
+                <a:tc>
+                  <a:txBody>
+                    <a:bodyPr/>
+                    <a:p>
+                      <a:pPr>
+                        <a:buNone/>
+                      </a:pPr>
+                      <a:r>
+                        <a:rPr lang="en-US" altLang="zh-CN" sz="1400" b="1">
+                          <a:solidFill>
+                            <a:schemeClr val="tx1"/>
+                          </a:solidFill>
+                        </a:rPr>
+                        <a:t>ETC</a:t>
+                      </a:r>
+                      <a:endParaRPr lang="en-US" altLang="zh-CN" sz="1400" b="1">
+                        <a:solidFill>
+                          <a:schemeClr val="tx1"/>
+                        </a:solidFill>
+                      </a:endParaRPr>
+                    </a:p>
+                  </a:txBody>
+                  <a:tcPr/>
+                </a:tc>
+                <a:tc>
+                  <a:txBody>
+                    <a:bodyPr/>
+                    <a:p>
+                      <a:pPr>
+                        <a:buNone/>
+                      </a:pPr>
+                      <a:r>
+                        <a:rPr lang="zh-CN" altLang="en-US" sz="1400" b="1">
+                          <a:solidFill>
+                            <a:schemeClr val="tx1"/>
+                          </a:solidFill>
+                        </a:rPr>
+                        <a:t>待完工估算</a:t>
+                      </a:r>
+                      <a:endParaRPr lang="zh-CN" altLang="en-US" sz="1400" b="1">
+                        <a:solidFill>
+                          <a:schemeClr val="tx1"/>
+                        </a:solidFill>
+                      </a:endParaRPr>
+                    </a:p>
+                  </a:txBody>
+                  <a:tcPr/>
+                </a:tc>
+                <a:tc>
+                  <a:txBody>
+                    <a:bodyPr/>
+                    <a:p>
+                      <a:pPr>
+                        <a:buNone/>
+                      </a:pPr>
+                      <a:r>
+                        <a:rPr lang="zh-CN" altLang="en-US" sz="1400" b="1">
+                          <a:solidFill>
+                            <a:schemeClr val="tx1"/>
+                          </a:solidFill>
+                        </a:rPr>
+                        <a:t>还需要多少成本才能完成</a:t>
+                      </a:r>
+                      <a:endParaRPr lang="zh-CN" altLang="en-US" sz="1400" b="1">
+                        <a:solidFill>
+                          <a:schemeClr val="tx1"/>
+                        </a:solidFill>
+                      </a:endParaRPr>
+                    </a:p>
+                  </a:txBody>
+                  <a:tcPr/>
+                </a:tc>
+                <a:tc>
+                  <a:txBody>
+                    <a:bodyPr/>
+                    <a:p>
+                      <a:pPr>
+                        <a:buNone/>
+                      </a:pPr>
+                      <a:endParaRPr lang="zh-CN" altLang="en-US" sz="1400" b="1">
+                        <a:solidFill>
+                          <a:schemeClr val="tx1"/>
+                        </a:solidFill>
+                      </a:endParaRPr>
+                    </a:p>
+                  </a:txBody>
+                  <a:tcPr/>
+                </a:tc>
+              </a:tr>
+              <a:tr h="381000">
+                <a:tc>
+                  <a:txBody>
+                    <a:bodyPr/>
+                    <a:p>
+                      <a:pPr>
+                        <a:buNone/>
+                      </a:pPr>
+                      <a:endParaRPr lang="en-US" altLang="zh-CN" sz="1400" b="1">
+                        <a:solidFill>
+                          <a:schemeClr val="tx1"/>
+                        </a:solidFill>
+                      </a:endParaRPr>
+                    </a:p>
+                  </a:txBody>
+                  <a:tcPr/>
+                </a:tc>
+                <a:tc>
+                  <a:txBody>
+                    <a:bodyPr/>
+                    <a:p>
+                      <a:pPr>
+                        <a:buNone/>
+                      </a:pPr>
+                      <a:endParaRPr lang="zh-CN" altLang="en-US" sz="1400" b="1">
+                        <a:solidFill>
+                          <a:schemeClr val="tx1"/>
+                        </a:solidFill>
+                      </a:endParaRPr>
+                    </a:p>
+                  </a:txBody>
+                  <a:tcPr/>
+                </a:tc>
+                <a:tc>
+                  <a:txBody>
+                    <a:bodyPr/>
+                    <a:p>
+                      <a:pPr>
+                        <a:buNone/>
+                      </a:pPr>
+                      <a:endParaRPr lang="zh-CN" altLang="en-US" sz="1400" b="1">
+                        <a:solidFill>
+                          <a:schemeClr val="tx1"/>
+                        </a:solidFill>
+                      </a:endParaRPr>
+                    </a:p>
+                  </a:txBody>
+                  <a:tcPr/>
+                </a:tc>
+                <a:tc>
+                  <a:txBody>
+                    <a:bodyPr/>
+                    <a:p>
+                      <a:pPr>
+                        <a:buNone/>
+                      </a:pPr>
+                      <a:endParaRPr lang="zh-CN" altLang="en-US" sz="1400" b="1">
+                        <a:solidFill>
+                          <a:schemeClr val="tx1"/>
+                        </a:solidFill>
+                      </a:endParaRPr>
+                    </a:p>
+                  </a:txBody>
+                  <a:tcPr/>
+                </a:tc>
+              </a:tr>
+            </a:tbl>
+          </a:graphicData>
+        </a:graphic>
+      </p:graphicFrame>
     </p:spTree>
   </p:cSld>
   <p:clrMapOvr>
@@ -22424,7 +27857,7 @@
         </p:nvSpPr>
         <p:spPr>
           <a:xfrm>
-            <a:off x="1187450" y="548640"/>
+            <a:off x="1115695" y="260350"/>
             <a:ext cx="6858000" cy="878840"/>
           </a:xfrm>
         </p:spPr>
@@ -22432,18 +27865,18 @@
           <a:bodyPr/>
           <a:p>
             <a:r>
-              <a:rPr lang="zh-CN" altLang="en-US"/>
-              <a:t>创建</a:t>
-            </a:r>
-            <a:r>
-              <a:rPr lang="en-US" altLang="zh-CN"/>
-              <a:t>WBS---</a:t>
-            </a:r>
-            <a:r>
-              <a:rPr lang="zh-CN" altLang="en-US"/>
-              <a:t>输出</a:t>
-            </a:r>
-            <a:endParaRPr lang="zh-CN" altLang="en-US"/>
+              <a:rPr lang="zh-CN">
+                <a:highlight>
+                  <a:srgbClr val="FF00FF"/>
+                </a:highlight>
+              </a:rPr>
+              <a:t>挣值管理</a:t>
+            </a:r>
+            <a:endParaRPr lang="zh-CN">
+              <a:highlight>
+                <a:srgbClr val="FF00FF"/>
+              </a:highlight>
+            </a:endParaRPr>
           </a:p>
         </p:txBody>
       </p:sp>
@@ -22474,6 +27907,1005 @@
           </a:p>
         </p:txBody>
       </p:sp>
+      <p:graphicFrame>
+        <p:nvGraphicFramePr>
+          <p:cNvPr id="5" name="表格 4"/>
+          <p:cNvGraphicFramePr/>
+          <p:nvPr>
+            <p:custDataLst>
+              <p:tags r:id="rId1"/>
+            </p:custDataLst>
+          </p:nvPr>
+        </p:nvGraphicFramePr>
+        <p:xfrm>
+          <a:off x="1144905" y="1714500"/>
+          <a:ext cx="6889115" cy="3238500"/>
+        </p:xfrm>
+        <a:graphic>
+          <a:graphicData uri="http://schemas.openxmlformats.org/drawingml/2006/table">
+            <a:tbl>
+              <a:tblPr firstRow="1" bandRow="1">
+                <a:tableStyleId>{5C22544A-7EE6-4342-B048-85BDC9FD1C3A}</a:tableStyleId>
+              </a:tblPr>
+              <a:tblGrid>
+                <a:gridCol w="1116330"/>
+                <a:gridCol w="1626235"/>
+                <a:gridCol w="2282825"/>
+                <a:gridCol w="1863725"/>
+              </a:tblGrid>
+              <a:tr h="571500">
+                <a:tc>
+                  <a:txBody>
+                    <a:bodyPr/>
+                    <a:p>
+                      <a:pPr>
+                        <a:buNone/>
+                      </a:pPr>
+                      <a:r>
+                        <a:rPr lang="en-US" altLang="zh-CN" sz="1400" b="1">
+                          <a:solidFill>
+                            <a:schemeClr val="tx1"/>
+                          </a:solidFill>
+                        </a:rPr>
+                        <a:t>SV</a:t>
+                      </a:r>
+                      <a:endParaRPr lang="en-US" altLang="zh-CN" sz="1400" b="1">
+                        <a:solidFill>
+                          <a:schemeClr val="tx1"/>
+                        </a:solidFill>
+                      </a:endParaRPr>
+                    </a:p>
+                  </a:txBody>
+                  <a:tcPr/>
+                </a:tc>
+                <a:tc>
+                  <a:txBody>
+                    <a:bodyPr/>
+                    <a:p>
+                      <a:pPr>
+                        <a:buNone/>
+                      </a:pPr>
+                      <a:r>
+                        <a:rPr lang="zh-CN" altLang="en-US" sz="1400" b="1">
+                          <a:solidFill>
+                            <a:schemeClr val="tx1"/>
+                          </a:solidFill>
+                        </a:rPr>
+                        <a:t>进度偏差</a:t>
+                      </a:r>
+                      <a:endParaRPr lang="zh-CN" altLang="en-US" sz="1400" b="1">
+                        <a:solidFill>
+                          <a:schemeClr val="tx1"/>
+                        </a:solidFill>
+                      </a:endParaRPr>
+                    </a:p>
+                  </a:txBody>
+                  <a:tcPr/>
+                </a:tc>
+                <a:tc>
+                  <a:txBody>
+                    <a:bodyPr/>
+                    <a:p>
+                      <a:pPr>
+                        <a:buNone/>
+                      </a:pPr>
+                      <a:r>
+                        <a:rPr lang="en-US" altLang="zh-CN" sz="1400" b="1">
+                          <a:solidFill>
+                            <a:schemeClr val="tx1"/>
+                          </a:solidFill>
+                        </a:rPr>
+                        <a:t>EV-PV</a:t>
+                      </a:r>
+                      <a:endParaRPr lang="en-US" altLang="zh-CN" sz="1400" b="1">
+                        <a:solidFill>
+                          <a:schemeClr val="tx1"/>
+                        </a:solidFill>
+                      </a:endParaRPr>
+                    </a:p>
+                  </a:txBody>
+                  <a:tcPr/>
+                </a:tc>
+                <a:tc>
+                  <a:txBody>
+                    <a:bodyPr/>
+                    <a:p>
+                      <a:pPr>
+                        <a:buNone/>
+                      </a:pPr>
+                      <a:endParaRPr lang="zh-CN" altLang="en-US" sz="1400" b="1">
+                        <a:solidFill>
+                          <a:schemeClr val="tx1"/>
+                        </a:solidFill>
+                      </a:endParaRPr>
+                    </a:p>
+                  </a:txBody>
+                  <a:tcPr/>
+                </a:tc>
+              </a:tr>
+              <a:tr h="381000">
+                <a:tc>
+                  <a:txBody>
+                    <a:bodyPr/>
+                    <a:p>
+                      <a:pPr>
+                        <a:buNone/>
+                      </a:pPr>
+                      <a:r>
+                        <a:rPr lang="en-US" altLang="zh-CN" sz="1400" b="1">
+                          <a:solidFill>
+                            <a:schemeClr val="tx1"/>
+                          </a:solidFill>
+                        </a:rPr>
+                        <a:t>SPI</a:t>
+                      </a:r>
+                      <a:endParaRPr lang="en-US" altLang="zh-CN" sz="1400" b="1">
+                        <a:solidFill>
+                          <a:schemeClr val="tx1"/>
+                        </a:solidFill>
+                      </a:endParaRPr>
+                    </a:p>
+                  </a:txBody>
+                  <a:tcPr/>
+                </a:tc>
+                <a:tc>
+                  <a:txBody>
+                    <a:bodyPr/>
+                    <a:p>
+                      <a:pPr>
+                        <a:buNone/>
+                      </a:pPr>
+                      <a:r>
+                        <a:rPr lang="zh-CN" altLang="en-US" sz="1400" b="1">
+                          <a:solidFill>
+                            <a:schemeClr val="tx1"/>
+                          </a:solidFill>
+                        </a:rPr>
+                        <a:t>进度绩效指数</a:t>
+                      </a:r>
+                      <a:endParaRPr lang="zh-CN" altLang="en-US" sz="1400" b="1">
+                        <a:solidFill>
+                          <a:schemeClr val="tx1"/>
+                        </a:solidFill>
+                      </a:endParaRPr>
+                    </a:p>
+                  </a:txBody>
+                  <a:tcPr/>
+                </a:tc>
+                <a:tc>
+                  <a:txBody>
+                    <a:bodyPr/>
+                    <a:p>
+                      <a:pPr>
+                        <a:buNone/>
+                      </a:pPr>
+                      <a:r>
+                        <a:rPr lang="en-US" altLang="zh-CN" sz="1400" b="1">
+                          <a:solidFill>
+                            <a:schemeClr val="tx1"/>
+                          </a:solidFill>
+                        </a:rPr>
+                        <a:t>EV/PV</a:t>
+                      </a:r>
+                      <a:endParaRPr lang="en-US" altLang="zh-CN" sz="1400" b="1">
+                        <a:solidFill>
+                          <a:schemeClr val="tx1"/>
+                        </a:solidFill>
+                      </a:endParaRPr>
+                    </a:p>
+                  </a:txBody>
+                  <a:tcPr/>
+                </a:tc>
+                <a:tc>
+                  <a:txBody>
+                    <a:bodyPr/>
+                    <a:p>
+                      <a:pPr>
+                        <a:buNone/>
+                      </a:pPr>
+                      <a:endParaRPr lang="zh-CN" altLang="en-US" sz="1400" b="1">
+                        <a:solidFill>
+                          <a:schemeClr val="tx1"/>
+                        </a:solidFill>
+                      </a:endParaRPr>
+                    </a:p>
+                  </a:txBody>
+                  <a:tcPr/>
+                </a:tc>
+              </a:tr>
+              <a:tr h="381000">
+                <a:tc>
+                  <a:txBody>
+                    <a:bodyPr/>
+                    <a:p>
+                      <a:pPr>
+                        <a:buNone/>
+                      </a:pPr>
+                      <a:r>
+                        <a:rPr lang="en-US" altLang="zh-CN" sz="1400" b="1">
+                          <a:solidFill>
+                            <a:schemeClr val="tx1"/>
+                          </a:solidFill>
+                        </a:rPr>
+                        <a:t>CV</a:t>
+                      </a:r>
+                      <a:endParaRPr lang="en-US" altLang="zh-CN" sz="1400" b="1">
+                        <a:solidFill>
+                          <a:schemeClr val="tx1"/>
+                        </a:solidFill>
+                      </a:endParaRPr>
+                    </a:p>
+                  </a:txBody>
+                  <a:tcPr/>
+                </a:tc>
+                <a:tc>
+                  <a:txBody>
+                    <a:bodyPr/>
+                    <a:p>
+                      <a:pPr>
+                        <a:buNone/>
+                      </a:pPr>
+                      <a:r>
+                        <a:rPr lang="zh-CN" altLang="en-US" sz="1400" b="1">
+                          <a:solidFill>
+                            <a:schemeClr val="tx1"/>
+                          </a:solidFill>
+                        </a:rPr>
+                        <a:t>成本偏差</a:t>
+                      </a:r>
+                      <a:endParaRPr lang="zh-CN" altLang="en-US" sz="1400" b="1">
+                        <a:solidFill>
+                          <a:schemeClr val="tx1"/>
+                        </a:solidFill>
+                      </a:endParaRPr>
+                    </a:p>
+                  </a:txBody>
+                  <a:tcPr/>
+                </a:tc>
+                <a:tc>
+                  <a:txBody>
+                    <a:bodyPr/>
+                    <a:p>
+                      <a:pPr>
+                        <a:buNone/>
+                      </a:pPr>
+                      <a:r>
+                        <a:rPr lang="en-US" altLang="zh-CN" sz="1400" b="1">
+                          <a:solidFill>
+                            <a:schemeClr val="tx1"/>
+                          </a:solidFill>
+                        </a:rPr>
+                        <a:t>EV-AC</a:t>
+                      </a:r>
+                      <a:endParaRPr lang="en-US" altLang="zh-CN" sz="1400" b="1">
+                        <a:solidFill>
+                          <a:schemeClr val="tx1"/>
+                        </a:solidFill>
+                      </a:endParaRPr>
+                    </a:p>
+                  </a:txBody>
+                  <a:tcPr/>
+                </a:tc>
+                <a:tc>
+                  <a:txBody>
+                    <a:bodyPr/>
+                    <a:p>
+                      <a:pPr>
+                        <a:buNone/>
+                      </a:pPr>
+                      <a:endParaRPr lang="zh-CN" altLang="en-US" sz="1400" b="1">
+                        <a:solidFill>
+                          <a:schemeClr val="tx1"/>
+                        </a:solidFill>
+                      </a:endParaRPr>
+                    </a:p>
+                  </a:txBody>
+                  <a:tcPr/>
+                </a:tc>
+              </a:tr>
+              <a:tr h="381000">
+                <a:tc>
+                  <a:txBody>
+                    <a:bodyPr/>
+                    <a:p>
+                      <a:pPr>
+                        <a:buNone/>
+                      </a:pPr>
+                      <a:r>
+                        <a:rPr lang="en-US" altLang="zh-CN" sz="1400" b="1">
+                          <a:solidFill>
+                            <a:schemeClr val="tx1"/>
+                          </a:solidFill>
+                        </a:rPr>
+                        <a:t>CPI</a:t>
+                      </a:r>
+                      <a:endParaRPr lang="en-US" altLang="zh-CN" sz="1400" b="1">
+                        <a:solidFill>
+                          <a:schemeClr val="tx1"/>
+                        </a:solidFill>
+                      </a:endParaRPr>
+                    </a:p>
+                  </a:txBody>
+                  <a:tcPr/>
+                </a:tc>
+                <a:tc>
+                  <a:txBody>
+                    <a:bodyPr/>
+                    <a:p>
+                      <a:pPr>
+                        <a:buNone/>
+                      </a:pPr>
+                      <a:r>
+                        <a:rPr lang="zh-CN" altLang="en-US" sz="1400" b="1">
+                          <a:solidFill>
+                            <a:schemeClr val="tx1"/>
+                          </a:solidFill>
+                        </a:rPr>
+                        <a:t>成本绩效指数</a:t>
+                      </a:r>
+                      <a:endParaRPr lang="zh-CN" altLang="en-US" sz="1400" b="1">
+                        <a:solidFill>
+                          <a:schemeClr val="tx1"/>
+                        </a:solidFill>
+                      </a:endParaRPr>
+                    </a:p>
+                  </a:txBody>
+                  <a:tcPr/>
+                </a:tc>
+                <a:tc>
+                  <a:txBody>
+                    <a:bodyPr/>
+                    <a:p>
+                      <a:pPr>
+                        <a:buNone/>
+                      </a:pPr>
+                      <a:r>
+                        <a:rPr lang="en-US" altLang="zh-CN" sz="1400" b="1">
+                          <a:solidFill>
+                            <a:schemeClr val="tx1"/>
+                          </a:solidFill>
+                        </a:rPr>
+                        <a:t>EV/AC</a:t>
+                      </a:r>
+                      <a:endParaRPr lang="en-US" altLang="zh-CN" sz="1400" b="1">
+                        <a:solidFill>
+                          <a:schemeClr val="tx1"/>
+                        </a:solidFill>
+                      </a:endParaRPr>
+                    </a:p>
+                  </a:txBody>
+                  <a:tcPr/>
+                </a:tc>
+                <a:tc>
+                  <a:txBody>
+                    <a:bodyPr/>
+                    <a:p>
+                      <a:pPr>
+                        <a:buNone/>
+                      </a:pPr>
+                      <a:endParaRPr lang="zh-CN" altLang="en-US" sz="1400" b="1">
+                        <a:solidFill>
+                          <a:schemeClr val="tx1"/>
+                        </a:solidFill>
+                      </a:endParaRPr>
+                    </a:p>
+                  </a:txBody>
+                  <a:tcPr/>
+                </a:tc>
+              </a:tr>
+              <a:tr h="381000">
+                <a:tc>
+                  <a:txBody>
+                    <a:bodyPr/>
+                    <a:p>
+                      <a:pPr>
+                        <a:buNone/>
+                      </a:pPr>
+                      <a:r>
+                        <a:rPr lang="en-US" altLang="zh-CN" sz="1400" b="1">
+                          <a:solidFill>
+                            <a:schemeClr val="tx1"/>
+                          </a:solidFill>
+                        </a:rPr>
+                        <a:t>TIPI</a:t>
+                      </a:r>
+                      <a:endParaRPr lang="en-US" altLang="zh-CN" sz="1400" b="1">
+                        <a:solidFill>
+                          <a:schemeClr val="tx1"/>
+                        </a:solidFill>
+                      </a:endParaRPr>
+                    </a:p>
+                  </a:txBody>
+                  <a:tcPr/>
+                </a:tc>
+                <a:tc>
+                  <a:txBody>
+                    <a:bodyPr/>
+                    <a:p>
+                      <a:pPr>
+                        <a:buNone/>
+                      </a:pPr>
+                      <a:r>
+                        <a:rPr lang="zh-CN" altLang="en-US" sz="1400" b="1">
+                          <a:solidFill>
+                            <a:schemeClr val="tx1"/>
+                          </a:solidFill>
+                        </a:rPr>
+                        <a:t>完工尚需绩效指数</a:t>
+                      </a:r>
+                      <a:endParaRPr lang="zh-CN" altLang="en-US" sz="1400" b="1">
+                        <a:solidFill>
+                          <a:schemeClr val="tx1"/>
+                        </a:solidFill>
+                      </a:endParaRPr>
+                    </a:p>
+                  </a:txBody>
+                  <a:tcPr/>
+                </a:tc>
+                <a:tc>
+                  <a:txBody>
+                    <a:bodyPr/>
+                    <a:p>
+                      <a:pPr>
+                        <a:buNone/>
+                      </a:pPr>
+                      <a:r>
+                        <a:rPr lang="en-US" altLang="zh-CN" sz="1400" b="1">
+                          <a:solidFill>
+                            <a:schemeClr val="tx1"/>
+                          </a:solidFill>
+                        </a:rPr>
+                        <a:t>(BAC-EV)/(BAC-AC)</a:t>
+                      </a:r>
+                      <a:r>
+                        <a:rPr lang="zh-CN" altLang="en-US" sz="1400" b="1">
+                          <a:solidFill>
+                            <a:schemeClr val="tx1"/>
+                          </a:solidFill>
+                        </a:rPr>
+                        <a:t>或者</a:t>
+                      </a:r>
+                      <a:r>
+                        <a:rPr lang="en-US" altLang="zh-CN" sz="1400" b="1">
+                          <a:solidFill>
+                            <a:schemeClr val="tx1"/>
+                          </a:solidFill>
+                        </a:rPr>
+                        <a:t>(EAC-AC)</a:t>
+                      </a:r>
+                      <a:endParaRPr lang="en-US" altLang="zh-CN" sz="1400" b="1">
+                        <a:solidFill>
+                          <a:schemeClr val="tx1"/>
+                        </a:solidFill>
+                      </a:endParaRPr>
+                    </a:p>
+                  </a:txBody>
+                  <a:tcPr/>
+                </a:tc>
+                <a:tc>
+                  <a:txBody>
+                    <a:bodyPr/>
+                    <a:p>
+                      <a:pPr>
+                        <a:buNone/>
+                      </a:pPr>
+                      <a:endParaRPr lang="zh-CN" altLang="en-US" sz="1400" b="1">
+                        <a:solidFill>
+                          <a:schemeClr val="tx1"/>
+                        </a:solidFill>
+                      </a:endParaRPr>
+                    </a:p>
+                  </a:txBody>
+                  <a:tcPr/>
+                </a:tc>
+              </a:tr>
+              <a:tr h="381000">
+                <a:tc>
+                  <a:txBody>
+                    <a:bodyPr/>
+                    <a:p>
+                      <a:pPr>
+                        <a:buNone/>
+                      </a:pPr>
+                      <a:r>
+                        <a:rPr lang="en-US" altLang="zh-CN" sz="1400" b="1">
+                          <a:solidFill>
+                            <a:schemeClr val="tx1"/>
+                          </a:solidFill>
+                        </a:rPr>
+                        <a:t>ETC</a:t>
+                      </a:r>
+                      <a:endParaRPr lang="en-US" altLang="zh-CN" sz="1400" b="1">
+                        <a:solidFill>
+                          <a:schemeClr val="tx1"/>
+                        </a:solidFill>
+                      </a:endParaRPr>
+                    </a:p>
+                  </a:txBody>
+                  <a:tcPr/>
+                </a:tc>
+                <a:tc>
+                  <a:txBody>
+                    <a:bodyPr/>
+                    <a:p>
+                      <a:pPr>
+                        <a:buNone/>
+                      </a:pPr>
+                      <a:r>
+                        <a:rPr lang="zh-CN" altLang="en-US" sz="1400" b="1">
+                          <a:solidFill>
+                            <a:schemeClr val="tx1"/>
+                          </a:solidFill>
+                        </a:rPr>
+                        <a:t>待完工估算</a:t>
+                      </a:r>
+                      <a:endParaRPr lang="zh-CN" altLang="en-US" sz="1400" b="1">
+                        <a:solidFill>
+                          <a:schemeClr val="tx1"/>
+                        </a:solidFill>
+                      </a:endParaRPr>
+                    </a:p>
+                  </a:txBody>
+                  <a:tcPr/>
+                </a:tc>
+                <a:tc>
+                  <a:txBody>
+                    <a:bodyPr/>
+                    <a:p>
+                      <a:pPr>
+                        <a:buNone/>
+                      </a:pPr>
+                      <a:r>
+                        <a:rPr lang="zh-CN" altLang="en-US" sz="1400" b="1">
+                          <a:solidFill>
+                            <a:schemeClr val="tx1"/>
+                          </a:solidFill>
+                        </a:rPr>
+                        <a:t>剩余工作的新估算</a:t>
+                      </a:r>
+                      <a:endParaRPr lang="zh-CN" altLang="en-US" sz="1400" b="1">
+                        <a:solidFill>
+                          <a:schemeClr val="tx1"/>
+                        </a:solidFill>
+                      </a:endParaRPr>
+                    </a:p>
+                  </a:txBody>
+                  <a:tcPr/>
+                </a:tc>
+                <a:tc>
+                  <a:txBody>
+                    <a:bodyPr/>
+                    <a:p>
+                      <a:pPr>
+                        <a:buNone/>
+                      </a:pPr>
+                      <a:endParaRPr lang="zh-CN" altLang="en-US" sz="1400" b="1">
+                        <a:solidFill>
+                          <a:schemeClr val="tx1"/>
+                        </a:solidFill>
+                      </a:endParaRPr>
+                    </a:p>
+                  </a:txBody>
+                  <a:tcPr/>
+                </a:tc>
+              </a:tr>
+              <a:tr h="381000">
+                <a:tc>
+                  <a:txBody>
+                    <a:bodyPr/>
+                    <a:p>
+                      <a:pPr>
+                        <a:buNone/>
+                      </a:pPr>
+                      <a:r>
+                        <a:rPr lang="en-US" altLang="zh-CN" sz="1400" b="1">
+                          <a:solidFill>
+                            <a:schemeClr val="tx1"/>
+                          </a:solidFill>
+                        </a:rPr>
+                        <a:t>EAC</a:t>
+                      </a:r>
+                      <a:endParaRPr lang="en-US" altLang="zh-CN" sz="1400" b="1">
+                        <a:solidFill>
+                          <a:schemeClr val="tx1"/>
+                        </a:solidFill>
+                      </a:endParaRPr>
+                    </a:p>
+                  </a:txBody>
+                  <a:tcPr/>
+                </a:tc>
+                <a:tc>
+                  <a:txBody>
+                    <a:bodyPr/>
+                    <a:p>
+                      <a:pPr>
+                        <a:buNone/>
+                      </a:pPr>
+                      <a:r>
+                        <a:rPr lang="zh-CN" altLang="en-US" sz="1400" b="1">
+                          <a:solidFill>
+                            <a:schemeClr val="tx1"/>
+                          </a:solidFill>
+                        </a:rPr>
+                        <a:t>完工估算</a:t>
+                      </a:r>
+                      <a:endParaRPr lang="zh-CN" altLang="en-US" sz="1400" b="1">
+                        <a:solidFill>
+                          <a:schemeClr val="tx1"/>
+                        </a:solidFill>
+                      </a:endParaRPr>
+                    </a:p>
+                  </a:txBody>
+                  <a:tcPr/>
+                </a:tc>
+                <a:tc>
+                  <a:txBody>
+                    <a:bodyPr/>
+                    <a:p>
+                      <a:pPr>
+                        <a:buNone/>
+                      </a:pPr>
+                      <a:r>
+                        <a:rPr lang="en-US" altLang="zh-CN" sz="1400" b="1">
+                          <a:solidFill>
+                            <a:schemeClr val="tx1"/>
+                          </a:solidFill>
+                        </a:rPr>
+                        <a:t>AC+ETC</a:t>
+                      </a:r>
+                      <a:endParaRPr lang="en-US" altLang="zh-CN" sz="1400" b="1">
+                        <a:solidFill>
+                          <a:schemeClr val="tx1"/>
+                        </a:solidFill>
+                      </a:endParaRPr>
+                    </a:p>
+                  </a:txBody>
+                  <a:tcPr/>
+                </a:tc>
+                <a:tc>
+                  <a:txBody>
+                    <a:bodyPr/>
+                    <a:p>
+                      <a:pPr>
+                        <a:buNone/>
+                      </a:pPr>
+                      <a:endParaRPr lang="zh-CN" altLang="en-US" sz="1400" b="1">
+                        <a:solidFill>
+                          <a:schemeClr val="tx1"/>
+                        </a:solidFill>
+                      </a:endParaRPr>
+                    </a:p>
+                  </a:txBody>
+                  <a:tcPr/>
+                </a:tc>
+              </a:tr>
+              <a:tr h="381000">
+                <a:tc>
+                  <a:txBody>
+                    <a:bodyPr/>
+                    <a:p>
+                      <a:pPr>
+                        <a:buNone/>
+                      </a:pPr>
+                      <a:r>
+                        <a:rPr lang="en-US" altLang="zh-CN" sz="1400" b="1">
+                          <a:solidFill>
+                            <a:schemeClr val="tx1"/>
+                          </a:solidFill>
+                        </a:rPr>
+                        <a:t>PC</a:t>
+                      </a:r>
+                      <a:endParaRPr lang="en-US" altLang="zh-CN" sz="1400" b="1">
+                        <a:solidFill>
+                          <a:schemeClr val="tx1"/>
+                        </a:solidFill>
+                      </a:endParaRPr>
+                    </a:p>
+                  </a:txBody>
+                  <a:tcPr/>
+                </a:tc>
+                <a:tc>
+                  <a:txBody>
+                    <a:bodyPr/>
+                    <a:p>
+                      <a:pPr>
+                        <a:buNone/>
+                      </a:pPr>
+                      <a:r>
+                        <a:rPr lang="zh-CN" altLang="en-US" sz="1400" b="1">
+                          <a:solidFill>
+                            <a:schemeClr val="tx1"/>
+                          </a:solidFill>
+                        </a:rPr>
+                        <a:t>完工百分率</a:t>
+                      </a:r>
+                      <a:endParaRPr lang="zh-CN" altLang="en-US" sz="1400" b="1">
+                        <a:solidFill>
+                          <a:schemeClr val="tx1"/>
+                        </a:solidFill>
+                      </a:endParaRPr>
+                    </a:p>
+                  </a:txBody>
+                  <a:tcPr/>
+                </a:tc>
+                <a:tc>
+                  <a:txBody>
+                    <a:bodyPr/>
+                    <a:p>
+                      <a:pPr>
+                        <a:buNone/>
+                      </a:pPr>
+                      <a:r>
+                        <a:rPr lang="en-US" altLang="zh-CN" sz="1400" b="1">
+                          <a:solidFill>
+                            <a:schemeClr val="tx1"/>
+                          </a:solidFill>
+                        </a:rPr>
+                        <a:t>EV/BAC</a:t>
+                      </a:r>
+                      <a:endParaRPr lang="en-US" altLang="zh-CN" sz="1400" b="1">
+                        <a:solidFill>
+                          <a:schemeClr val="tx1"/>
+                        </a:solidFill>
+                      </a:endParaRPr>
+                    </a:p>
+                  </a:txBody>
+                  <a:tcPr/>
+                </a:tc>
+                <a:tc>
+                  <a:txBody>
+                    <a:bodyPr/>
+                    <a:p>
+                      <a:pPr>
+                        <a:buNone/>
+                      </a:pPr>
+                      <a:r>
+                        <a:rPr lang="en-US" altLang="zh-CN" sz="1400" b="1">
+                          <a:solidFill>
+                            <a:schemeClr val="tx1"/>
+                          </a:solidFill>
+                        </a:rPr>
+                        <a:t>BCWP/BAC</a:t>
+                      </a:r>
+                      <a:endParaRPr lang="en-US" altLang="zh-CN" sz="1400" b="1">
+                        <a:solidFill>
+                          <a:schemeClr val="tx1"/>
+                        </a:solidFill>
+                      </a:endParaRPr>
+                    </a:p>
+                  </a:txBody>
+                  <a:tcPr/>
+                </a:tc>
+              </a:tr>
+            </a:tbl>
+          </a:graphicData>
+        </a:graphic>
+      </p:graphicFrame>
+      <p:graphicFrame>
+        <p:nvGraphicFramePr>
+          <p:cNvPr id="6" name="表格 5"/>
+          <p:cNvGraphicFramePr/>
+          <p:nvPr/>
+        </p:nvGraphicFramePr>
+        <p:xfrm>
+          <a:off x="1143000" y="1333500"/>
+          <a:ext cx="6823710" cy="381000"/>
+        </p:xfrm>
+        <a:graphic>
+          <a:graphicData uri="http://schemas.openxmlformats.org/drawingml/2006/table">
+            <a:tbl>
+              <a:tblPr firstRow="1" bandRow="1">
+                <a:tableStyleId>{5C22544A-7EE6-4342-B048-85BDC9FD1C3A}</a:tableStyleId>
+              </a:tblPr>
+              <a:tblGrid>
+                <a:gridCol w="1102360"/>
+                <a:gridCol w="1696720"/>
+                <a:gridCol w="2233295"/>
+                <a:gridCol w="1791335"/>
+              </a:tblGrid>
+              <a:tr h="381000">
+                <a:tc>
+                  <a:txBody>
+                    <a:bodyPr/>
+                    <a:p>
+                      <a:pPr>
+                        <a:buNone/>
+                      </a:pPr>
+                      <a:r>
+                        <a:rPr lang="zh-CN" altLang="en-US" b="0">
+                          <a:solidFill>
+                            <a:schemeClr val="tx1"/>
+                          </a:solidFill>
+                        </a:rPr>
+                        <a:t>术语</a:t>
+                      </a:r>
+                      <a:endParaRPr lang="zh-CN" altLang="en-US" b="0">
+                        <a:solidFill>
+                          <a:schemeClr val="tx1"/>
+                        </a:solidFill>
+                      </a:endParaRPr>
+                    </a:p>
+                  </a:txBody>
+                  <a:tcPr/>
+                </a:tc>
+                <a:tc>
+                  <a:txBody>
+                    <a:bodyPr/>
+                    <a:p>
+                      <a:pPr>
+                        <a:buNone/>
+                      </a:pPr>
+                      <a:r>
+                        <a:rPr lang="zh-CN" altLang="en-US" b="0">
+                          <a:solidFill>
+                            <a:schemeClr val="tx1"/>
+                          </a:solidFill>
+                        </a:rPr>
+                        <a:t>解释</a:t>
+                      </a:r>
+                      <a:endParaRPr lang="zh-CN" altLang="en-US" b="0">
+                        <a:solidFill>
+                          <a:schemeClr val="tx1"/>
+                        </a:solidFill>
+                      </a:endParaRPr>
+                    </a:p>
+                  </a:txBody>
+                  <a:tcPr/>
+                </a:tc>
+                <a:tc>
+                  <a:txBody>
+                    <a:bodyPr/>
+                    <a:p>
+                      <a:pPr>
+                        <a:buNone/>
+                      </a:pPr>
+                      <a:r>
+                        <a:rPr lang="zh-CN" altLang="en-US" b="0">
+                          <a:solidFill>
+                            <a:schemeClr val="tx1"/>
+                          </a:solidFill>
+                        </a:rPr>
+                        <a:t>含义</a:t>
+                      </a:r>
+                      <a:endParaRPr lang="zh-CN" altLang="en-US" b="0">
+                        <a:solidFill>
+                          <a:schemeClr val="tx1"/>
+                        </a:solidFill>
+                      </a:endParaRPr>
+                    </a:p>
+                  </a:txBody>
+                  <a:tcPr/>
+                </a:tc>
+                <a:tc>
+                  <a:txBody>
+                    <a:bodyPr/>
+                    <a:p>
+                      <a:pPr>
+                        <a:buNone/>
+                      </a:pPr>
+                      <a:r>
+                        <a:rPr lang="zh-CN" altLang="en-US" b="0">
+                          <a:solidFill>
+                            <a:schemeClr val="tx1"/>
+                          </a:solidFill>
+                        </a:rPr>
+                        <a:t>旧称</a:t>
+                      </a:r>
+                      <a:endParaRPr lang="zh-CN" altLang="en-US" b="0">
+                        <a:solidFill>
+                          <a:schemeClr val="tx1"/>
+                        </a:solidFill>
+                      </a:endParaRPr>
+                    </a:p>
+                  </a:txBody>
+                  <a:tcPr/>
+                </a:tc>
+              </a:tr>
+            </a:tbl>
+          </a:graphicData>
+        </a:graphic>
+      </p:graphicFrame>
+      <p:graphicFrame>
+        <p:nvGraphicFramePr>
+          <p:cNvPr id="8" name="表格 7"/>
+          <p:cNvGraphicFramePr/>
+          <p:nvPr/>
+        </p:nvGraphicFramePr>
+        <p:xfrm>
+          <a:off x="1144905" y="5156835"/>
+          <a:ext cx="6856095" cy="381000"/>
+        </p:xfrm>
+        <a:graphic>
+          <a:graphicData uri="http://schemas.openxmlformats.org/drawingml/2006/table">
+            <a:tbl>
+              <a:tblPr firstRow="1" bandRow="1">
+                <a:tableStyleId>{5C22544A-7EE6-4342-B048-85BDC9FD1C3A}</a:tableStyleId>
+              </a:tblPr>
+              <a:tblGrid>
+                <a:gridCol w="6856095"/>
+              </a:tblGrid>
+              <a:tr h="381000">
+                <a:tc>
+                  <a:txBody>
+                    <a:bodyPr/>
+                    <a:p>
+                      <a:pPr>
+                        <a:buNone/>
+                      </a:pPr>
+                      <a:r>
+                        <a:rPr lang="en-US" altLang="zh-CN"/>
+                        <a:t>   </a:t>
+                      </a:r>
+                      <a:r>
+                        <a:rPr lang="en-US" altLang="zh-CN" sz="1400">
+                          <a:solidFill>
+                            <a:schemeClr val="tx1"/>
+                          </a:solidFill>
+                        </a:rPr>
+                        <a:t>  </a:t>
+                      </a:r>
+                      <a:r>
+                        <a:rPr lang="zh-CN" altLang="en-US" sz="1400">
+                          <a:solidFill>
+                            <a:schemeClr val="tx1"/>
+                          </a:solidFill>
+                        </a:rPr>
+                        <a:t>偏差</a:t>
+                      </a:r>
+                      <a:r>
+                        <a:rPr lang="en-US" altLang="zh-CN" sz="1400">
+                          <a:solidFill>
+                            <a:schemeClr val="tx1"/>
+                          </a:solidFill>
+                        </a:rPr>
+                        <a:t>&gt;0,</a:t>
+                      </a:r>
+                      <a:r>
+                        <a:rPr lang="zh-CN" altLang="en-US" sz="1400">
+                          <a:solidFill>
+                            <a:schemeClr val="tx1"/>
+                          </a:solidFill>
+                        </a:rPr>
+                        <a:t>指数</a:t>
+                      </a:r>
+                      <a:r>
+                        <a:rPr lang="en-US" altLang="zh-CN" sz="1400">
+                          <a:solidFill>
+                            <a:schemeClr val="tx1"/>
+                          </a:solidFill>
+                        </a:rPr>
+                        <a:t>&gt;1</a:t>
+                      </a:r>
+                      <a:r>
+                        <a:rPr lang="zh-CN" altLang="en-US" sz="1400">
+                          <a:solidFill>
+                            <a:schemeClr val="tx1"/>
+                          </a:solidFill>
+                        </a:rPr>
+                        <a:t>时，实现值最佳</a:t>
+                      </a:r>
+                      <a:r>
+                        <a:rPr lang="en-US" altLang="zh-CN" sz="1400">
+                          <a:solidFill>
+                            <a:schemeClr val="tx1"/>
+                          </a:solidFill>
+                        </a:rPr>
+                        <a:t>  </a:t>
+                      </a:r>
+                      <a:endParaRPr lang="en-US" altLang="zh-CN" sz="1400">
+                        <a:solidFill>
+                          <a:schemeClr val="tx1"/>
+                        </a:solidFill>
+                      </a:endParaRPr>
+                    </a:p>
+                  </a:txBody>
+                  <a:tcPr/>
+                </a:tc>
+              </a:tr>
+            </a:tbl>
+          </a:graphicData>
+        </a:graphic>
+      </p:graphicFrame>
     </p:spTree>
   </p:cSld>
   <p:clrMapOvr>
@@ -22513,17 +28945,13 @@
           <a:p>
             <a:r>
               <a:rPr lang="zh-CN" altLang="en-US"/>
-              <a:t>创建</a:t>
-            </a:r>
-            <a:r>
-              <a:rPr lang="en-US" altLang="zh-CN"/>
-              <a:t>WBS---</a:t>
-            </a:r>
-            <a:r>
-              <a:rPr lang="zh-CN" altLang="en-US"/>
-              <a:t>输出</a:t>
-            </a:r>
-            <a:endParaRPr lang="zh-CN" altLang="en-US"/>
+              <a:t>计划价值</a:t>
+            </a:r>
+            <a:r>
+              <a:rPr lang="en-US" altLang="zh-CN"/>
+              <a:t>PV</a:t>
+            </a:r>
+            <a:endParaRPr lang="en-US" altLang="zh-CN"/>
           </a:p>
         </p:txBody>
       </p:sp>
@@ -22550,6 +28978,94 @@
               <a:buFont typeface="Arial" panose="020B0604020202020204" pitchFamily="34" charset="0"/>
               <a:buChar char="•"/>
             </a:pPr>
+            <a:r>
+              <a:rPr lang="zh-CN" altLang="en-US"/>
+              <a:t>计划价值是为计划工作分配的经批准的预算</a:t>
+            </a:r>
+            <a:endParaRPr lang="zh-CN" altLang="en-US"/>
+          </a:p>
+          <a:p>
+            <a:pPr marL="285750" indent="-285750" algn="l">
+              <a:buFont typeface="Arial" panose="020B0604020202020204" pitchFamily="34" charset="0"/>
+              <a:buChar char="•"/>
+            </a:pPr>
+            <a:r>
+              <a:rPr lang="zh-CN" altLang="en-US"/>
+              <a:t>各时段的</a:t>
+            </a:r>
+            <a:r>
+              <a:rPr lang="en-US" altLang="zh-CN"/>
+              <a:t>PV</a:t>
+            </a:r>
+            <a:r>
+              <a:rPr lang="zh-CN" altLang="en-US"/>
+              <a:t>的总和成为绩效测量基准（</a:t>
+            </a:r>
+            <a:r>
+              <a:rPr lang="en-US" altLang="zh-CN"/>
+              <a:t>PMB</a:t>
+            </a:r>
+            <a:r>
+              <a:rPr lang="zh-CN" altLang="en-US"/>
+              <a:t>）</a:t>
+            </a:r>
+            <a:endParaRPr lang="zh-CN" altLang="en-US"/>
+          </a:p>
+          <a:p>
+            <a:pPr marL="285750" indent="-285750" algn="l">
+              <a:buFont typeface="Arial" panose="020B0604020202020204" pitchFamily="34" charset="0"/>
+              <a:buChar char="•"/>
+            </a:pPr>
+            <a:r>
+              <a:rPr lang="zh-CN" altLang="en-US"/>
+              <a:t>项目的总计划价值又称为完工预算</a:t>
+            </a:r>
+            <a:r>
+              <a:rPr lang="en-US" altLang="zh-CN"/>
+              <a:t>BAC</a:t>
+            </a:r>
+            <a:endParaRPr lang="en-US" altLang="zh-CN"/>
+          </a:p>
+          <a:p>
+            <a:pPr marL="285750" indent="-285750" algn="l">
+              <a:buFont typeface="Arial" panose="020B0604020202020204" pitchFamily="34" charset="0"/>
+              <a:buChar char="•"/>
+            </a:pPr>
+            <a:r>
+              <a:rPr lang="zh-CN" altLang="en-US"/>
+              <a:t>旧称</a:t>
+            </a:r>
+            <a:r>
+              <a:rPr lang="en-US" altLang="zh-CN"/>
+              <a:t>BCWS</a:t>
+            </a:r>
+            <a:endParaRPr lang="en-US" altLang="zh-CN"/>
+          </a:p>
+          <a:p>
+            <a:pPr marL="285750" indent="-285750" algn="l">
+              <a:buFont typeface="Arial" panose="020B0604020202020204" pitchFamily="34" charset="0"/>
+              <a:buChar char="•"/>
+            </a:pPr>
+            <a:r>
+              <a:rPr lang="zh-CN" altLang="en-US"/>
+              <a:t>公式：</a:t>
+            </a:r>
+            <a:r>
+              <a:rPr lang="en-US" altLang="zh-CN"/>
+              <a:t>PV=</a:t>
+            </a:r>
+            <a:r>
+              <a:rPr lang="zh-CN" altLang="en-US"/>
+              <a:t>计划完成的工作量</a:t>
+            </a:r>
+            <a:r>
+              <a:rPr lang="en-US" altLang="zh-CN"/>
+              <a:t>*</a:t>
+            </a:r>
+            <a:r>
+              <a:rPr lang="zh-CN" altLang="en-US"/>
+              <a:t>预算单价</a:t>
+            </a:r>
             <a:endParaRPr lang="zh-CN" altLang="en-US"/>
           </a:p>
         </p:txBody>
@@ -22592,18 +29108,14 @@
           <a:bodyPr/>
           <a:p>
             <a:r>
-              <a:rPr lang="zh-CN" altLang="en-US"/>
-              <a:t>创建</a:t>
-            </a:r>
-            <a:r>
-              <a:rPr lang="en-US" altLang="zh-CN"/>
-              <a:t>WBS---</a:t>
-            </a:r>
-            <a:r>
-              <a:rPr lang="zh-CN" altLang="en-US"/>
-              <a:t>输出</a:t>
-            </a:r>
-            <a:endParaRPr lang="zh-CN" altLang="en-US"/>
+              <a:rPr lang="zh-CN"/>
+              <a:t>挣值</a:t>
+            </a:r>
+            <a:r>
+              <a:rPr lang="en-US" altLang="zh-CN"/>
+              <a:t>EV</a:t>
+            </a:r>
+            <a:endParaRPr lang="en-US" altLang="zh-CN"/>
           </a:p>
         </p:txBody>
       </p:sp>
@@ -22630,6 +29142,82 @@
               <a:buFont typeface="Arial" panose="020B0604020202020204" pitchFamily="34" charset="0"/>
               <a:buChar char="•"/>
             </a:pPr>
+            <a:r>
+              <a:rPr lang="zh-CN" altLang="en-US"/>
+              <a:t>挣值是对已完成工作的测量值，用分配给该工作的预算来表示</a:t>
+            </a:r>
+            <a:endParaRPr lang="zh-CN" altLang="en-US"/>
+          </a:p>
+          <a:p>
+            <a:pPr marL="285750" indent="-285750" algn="l">
+              <a:buFont typeface="Arial" panose="020B0604020202020204" pitchFamily="34" charset="0"/>
+              <a:buChar char="•"/>
+            </a:pPr>
+            <a:r>
+              <a:rPr lang="zh-CN" altLang="en-US"/>
+              <a:t>挣值是已完成工作的经批准的预算</a:t>
+            </a:r>
+            <a:endParaRPr lang="zh-CN" altLang="en-US"/>
+          </a:p>
+          <a:p>
+            <a:pPr marL="285750" indent="-285750" algn="l">
+              <a:buFont typeface="Arial" panose="020B0604020202020204" pitchFamily="34" charset="0"/>
+              <a:buChar char="•"/>
+            </a:pPr>
+            <a:r>
+              <a:rPr lang="zh-CN" altLang="en-US"/>
+              <a:t>当</a:t>
+            </a:r>
+            <a:r>
+              <a:rPr lang="en-US" altLang="zh-CN"/>
+              <a:t>EV=BAC</a:t>
+            </a:r>
+            <a:r>
+              <a:rPr lang="zh-CN" altLang="en-US"/>
+              <a:t>时，意味着项目完工</a:t>
+            </a:r>
+            <a:endParaRPr lang="zh-CN" altLang="en-US"/>
+          </a:p>
+          <a:p>
+            <a:pPr marL="285750" indent="-285750" algn="l">
+              <a:buFont typeface="Arial" panose="020B0604020202020204" pitchFamily="34" charset="0"/>
+              <a:buChar char="•"/>
+            </a:pPr>
+            <a:r>
+              <a:rPr lang="zh-CN" altLang="en-US"/>
+              <a:t>旧称</a:t>
+            </a:r>
+            <a:r>
+              <a:rPr lang="en-US" altLang="zh-CN"/>
+              <a:t>BCWP</a:t>
+            </a:r>
+            <a:endParaRPr lang="en-US" altLang="zh-CN"/>
+          </a:p>
+          <a:p>
+            <a:pPr marL="285750" indent="-285750" algn="l">
+              <a:buFont typeface="Arial" panose="020B0604020202020204" pitchFamily="34" charset="0"/>
+              <a:buChar char="•"/>
+            </a:pPr>
+            <a:r>
+              <a:rPr lang="zh-CN" altLang="en-US"/>
+              <a:t>公式：</a:t>
+            </a:r>
+            <a:r>
+              <a:rPr lang="en-US" altLang="zh-CN"/>
+              <a:t>EV=</a:t>
+            </a:r>
+            <a:r>
+              <a:rPr lang="zh-CN" altLang="en-US"/>
+              <a:t>实际已完成的工作量</a:t>
+            </a:r>
+            <a:r>
+              <a:rPr lang="en-US" altLang="zh-CN"/>
+              <a:t>*</a:t>
+            </a:r>
+            <a:r>
+              <a:rPr lang="zh-CN" altLang="en-US"/>
+              <a:t>预算单价</a:t>
+            </a:r>
             <a:endParaRPr lang="zh-CN" altLang="en-US"/>
           </a:p>
         </p:txBody>
@@ -22673,17 +29261,13 @@
           <a:p>
             <a:r>
               <a:rPr lang="zh-CN" altLang="en-US"/>
-              <a:t>创建</a:t>
-            </a:r>
-            <a:r>
-              <a:rPr lang="en-US" altLang="zh-CN"/>
-              <a:t>WBS---</a:t>
-            </a:r>
-            <a:r>
-              <a:rPr lang="zh-CN" altLang="en-US"/>
-              <a:t>输出</a:t>
-            </a:r>
-            <a:endParaRPr lang="zh-CN" altLang="en-US"/>
+              <a:t>实际成本</a:t>
+            </a:r>
+            <a:r>
+              <a:rPr lang="en-US" altLang="zh-CN"/>
+              <a:t>AC</a:t>
+            </a:r>
+            <a:endParaRPr lang="en-US" altLang="zh-CN"/>
           </a:p>
         </p:txBody>
       </p:sp>
@@ -22710,6 +29294,79 @@
               <a:buFont typeface="Arial" panose="020B0604020202020204" pitchFamily="34" charset="0"/>
               <a:buChar char="•"/>
             </a:pPr>
+            <a:r>
+              <a:rPr lang="zh-CN" altLang="en-US"/>
+              <a:t>实际成本是在给定时段内，执行某工作而实际发生的成本</a:t>
+            </a:r>
+            <a:endParaRPr lang="zh-CN" altLang="en-US"/>
+          </a:p>
+          <a:p>
+            <a:pPr marL="285750" indent="-285750" algn="l">
+              <a:buFont typeface="Arial" panose="020B0604020202020204" pitchFamily="34" charset="0"/>
+              <a:buChar char="•"/>
+            </a:pPr>
+            <a:r>
+              <a:rPr lang="zh-CN" altLang="en-US"/>
+              <a:t>该成本是为完成与</a:t>
+            </a:r>
+            <a:r>
+              <a:rPr lang="en-US" altLang="zh-CN"/>
+              <a:t>EV</a:t>
+            </a:r>
+            <a:r>
+              <a:rPr lang="zh-CN" altLang="en-US"/>
+              <a:t>相对应的工作而发生的总成本</a:t>
+            </a:r>
+            <a:endParaRPr lang="zh-CN" altLang="en-US"/>
+          </a:p>
+          <a:p>
+            <a:pPr marL="285750" indent="-285750" algn="l">
+              <a:buFont typeface="Arial" panose="020B0604020202020204" pitchFamily="34" charset="0"/>
+              <a:buChar char="•"/>
+            </a:pPr>
+            <a:r>
+              <a:rPr lang="en-US" altLang="zh-CN"/>
+              <a:t>AC</a:t>
+            </a:r>
+            <a:r>
+              <a:rPr lang="zh-CN" altLang="en-US"/>
+              <a:t>的计算口径必须和</a:t>
+            </a:r>
+            <a:r>
+              <a:rPr lang="en-US" altLang="zh-CN"/>
+              <a:t>PV,EV</a:t>
+            </a:r>
+            <a:r>
+              <a:rPr lang="zh-CN" altLang="en-US"/>
+              <a:t>保持一致</a:t>
+            </a:r>
+            <a:endParaRPr lang="zh-CN" altLang="en-US"/>
+          </a:p>
+          <a:p>
+            <a:pPr marL="285750" indent="-285750" algn="l">
+              <a:buFont typeface="Arial" panose="020B0604020202020204" pitchFamily="34" charset="0"/>
+              <a:buChar char="•"/>
+            </a:pPr>
+            <a:r>
+              <a:rPr lang="zh-CN" altLang="en-US"/>
+              <a:t>公式：</a:t>
+            </a:r>
+            <a:r>
+              <a:rPr lang="en-US" altLang="zh-CN"/>
+              <a:t>AC=</a:t>
+            </a:r>
+            <a:r>
+              <a:rPr lang="zh-CN" altLang="en-US"/>
+              <a:t>实际已完成的工作量</a:t>
+            </a:r>
+            <a:r>
+              <a:rPr lang="en-US" altLang="zh-CN"/>
+              <a:t>*</a:t>
+            </a:r>
+            <a:r>
+              <a:rPr lang="zh-CN" altLang="en-US"/>
+              <a:t>实际单价</a:t>
+            </a:r>
             <a:endParaRPr lang="zh-CN" altLang="en-US"/>
           </a:p>
         </p:txBody>
@@ -22753,17 +29410,13 @@
           <a:p>
             <a:r>
               <a:rPr lang="zh-CN" altLang="en-US"/>
-              <a:t>创建</a:t>
-            </a:r>
-            <a:r>
-              <a:rPr lang="en-US" altLang="zh-CN"/>
-              <a:t>WBS---</a:t>
-            </a:r>
-            <a:r>
-              <a:rPr lang="zh-CN" altLang="en-US"/>
-              <a:t>输出</a:t>
-            </a:r>
-            <a:endParaRPr lang="zh-CN" altLang="en-US"/>
+              <a:t>进度偏差</a:t>
+            </a:r>
+            <a:r>
+              <a:rPr lang="en-US" altLang="zh-CN"/>
+              <a:t>SV</a:t>
+            </a:r>
+            <a:endParaRPr lang="en-US" altLang="zh-CN"/>
           </a:p>
         </p:txBody>
       </p:sp>
@@ -22790,6 +29443,109 @@
               <a:buFont typeface="Arial" panose="020B0604020202020204" pitchFamily="34" charset="0"/>
               <a:buChar char="•"/>
             </a:pPr>
+            <a:r>
+              <a:rPr lang="zh-CN" altLang="en-US"/>
+              <a:t>进度偏差是测量进度绩效的一种指标，表示为挣值与计划值之差</a:t>
+            </a:r>
+            <a:endParaRPr lang="zh-CN" altLang="en-US"/>
+          </a:p>
+          <a:p>
+            <a:pPr marL="285750" indent="-285750" algn="l">
+              <a:buFont typeface="Arial" panose="020B0604020202020204" pitchFamily="34" charset="0"/>
+              <a:buChar char="•"/>
+            </a:pPr>
+            <a:r>
+              <a:rPr lang="zh-CN" altLang="en-US"/>
+              <a:t>表明在某个给定的时点，项目提前或落后的进度</a:t>
+            </a:r>
+            <a:endParaRPr lang="zh-CN" altLang="en-US"/>
+          </a:p>
+          <a:p>
+            <a:pPr marL="285750" indent="-285750" algn="l">
+              <a:buFont typeface="Arial" panose="020B0604020202020204" pitchFamily="34" charset="0"/>
+              <a:buChar char="•"/>
+            </a:pPr>
+            <a:r>
+              <a:rPr lang="zh-CN" altLang="en-US"/>
+              <a:t>当项目完工时，全部的计划价值都将实现，所以</a:t>
+            </a:r>
+            <a:r>
+              <a:rPr lang="en-US" altLang="zh-CN"/>
+              <a:t>SV</a:t>
+            </a:r>
+            <a:r>
+              <a:rPr lang="zh-CN" altLang="en-US"/>
+              <a:t>终将为</a:t>
+            </a:r>
+            <a:r>
+              <a:rPr lang="en-US" altLang="zh-CN"/>
+              <a:t>0</a:t>
+            </a:r>
+            <a:r>
+              <a:rPr lang="zh-CN" altLang="en-US"/>
+              <a:t>，即</a:t>
+            </a:r>
+            <a:r>
+              <a:rPr lang="en-US" altLang="zh-CN"/>
+              <a:t>EV=BAC</a:t>
+            </a:r>
+            <a:endParaRPr lang="en-US" altLang="zh-CN"/>
+          </a:p>
+          <a:p>
+            <a:pPr marL="285750" indent="-285750" algn="l">
+              <a:buFont typeface="Arial" panose="020B0604020202020204" pitchFamily="34" charset="0"/>
+              <a:buChar char="•"/>
+            </a:pPr>
+            <a:r>
+              <a:rPr lang="zh-CN" altLang="en-US"/>
+              <a:t>最好把</a:t>
+            </a:r>
+            <a:r>
+              <a:rPr lang="en-US" altLang="zh-CN"/>
+              <a:t>SV</a:t>
+            </a:r>
+            <a:r>
+              <a:rPr lang="zh-CN" altLang="en-US"/>
+              <a:t>与关键路径法和风险管理一起使用</a:t>
+            </a:r>
+            <a:endParaRPr lang="zh-CN" altLang="en-US"/>
+          </a:p>
+          <a:p>
+            <a:pPr marL="285750" indent="-285750" algn="l">
+              <a:buFont typeface="Arial" panose="020B0604020202020204" pitchFamily="34" charset="0"/>
+              <a:buChar char="•"/>
+            </a:pPr>
+            <a:r>
+              <a:rPr lang="zh-CN" altLang="en-US"/>
+              <a:t>公式：</a:t>
+            </a:r>
+            <a:r>
+              <a:rPr lang="en-US" altLang="zh-CN"/>
+              <a:t>SV=EV-PV</a:t>
+            </a:r>
+            <a:endParaRPr lang="en-US" altLang="zh-CN"/>
+          </a:p>
+          <a:p>
+            <a:pPr marL="285750" indent="-285750" algn="l">
+              <a:buFont typeface="Arial" panose="020B0604020202020204" pitchFamily="34" charset="0"/>
+              <a:buChar char="•"/>
+            </a:pPr>
+            <a:r>
+              <a:rPr lang="en-US" altLang="zh-CN"/>
+              <a:t>SV&gt;0,</a:t>
+            </a:r>
+            <a:r>
+              <a:rPr lang="zh-CN" altLang="en-US"/>
+              <a:t>进度提前，</a:t>
+            </a:r>
+            <a:r>
+              <a:rPr lang="en-US" altLang="zh-CN"/>
+              <a:t>SV&lt;0,</a:t>
+            </a:r>
+            <a:r>
+              <a:rPr lang="zh-CN" altLang="en-US"/>
+              <a:t>进度落后</a:t>
+            </a:r>
             <a:endParaRPr lang="zh-CN" altLang="en-US"/>
           </a:p>
         </p:txBody>
@@ -23162,6 +29918,1426 @@
 </file>
 
 <file path=ppt/slides/slide90.xml><?xml version="1.0" encoding="utf-8"?>
+<p:sld xmlns:a="http://schemas.openxmlformats.org/drawingml/2006/main" xmlns:r="http://schemas.openxmlformats.org/officeDocument/2006/relationships" xmlns:p="http://schemas.openxmlformats.org/presentationml/2006/main">
+  <p:cSld>
+    <p:spTree>
+      <p:nvGrpSpPr>
+        <p:cNvPr id="1" name=""/>
+        <p:cNvGrpSpPr/>
+        <p:nvPr/>
+      </p:nvGrpSpPr>
+      <p:grpSpPr/>
+      <p:sp>
+        <p:nvSpPr>
+          <p:cNvPr id="2" name="标题 1"/>
+          <p:cNvSpPr>
+            <a:spLocks noGrp="1"/>
+          </p:cNvSpPr>
+          <p:nvPr>
+            <p:ph type="ctrTitle"/>
+          </p:nvPr>
+        </p:nvSpPr>
+        <p:spPr>
+          <a:xfrm>
+            <a:off x="1187450" y="548640"/>
+            <a:ext cx="6858000" cy="878840"/>
+          </a:xfrm>
+        </p:spPr>
+        <p:txBody>
+          <a:bodyPr/>
+          <a:p>
+            <a:r>
+              <a:rPr lang="zh-CN" altLang="en-US"/>
+              <a:t>成本偏差</a:t>
+            </a:r>
+            <a:r>
+              <a:rPr lang="en-US" altLang="zh-CN"/>
+              <a:t>CV</a:t>
+            </a:r>
+            <a:endParaRPr lang="en-US" altLang="zh-CN"/>
+          </a:p>
+        </p:txBody>
+      </p:sp>
+      <p:sp>
+        <p:nvSpPr>
+          <p:cNvPr id="3" name="副标题 2"/>
+          <p:cNvSpPr>
+            <a:spLocks noGrp="1"/>
+          </p:cNvSpPr>
+          <p:nvPr>
+            <p:ph type="subTitle" idx="1"/>
+          </p:nvPr>
+        </p:nvSpPr>
+        <p:spPr>
+          <a:xfrm>
+            <a:off x="1143000" y="1722120"/>
+            <a:ext cx="6858000" cy="3535680"/>
+          </a:xfrm>
+        </p:spPr>
+        <p:txBody>
+          <a:bodyPr/>
+          <a:p>
+            <a:pPr marL="285750" indent="-285750" algn="l">
+              <a:buFont typeface="Arial" panose="020B0604020202020204" pitchFamily="34" charset="0"/>
+              <a:buChar char="•"/>
+            </a:pPr>
+            <a:r>
+              <a:rPr lang="zh-CN" altLang="en-US"/>
+              <a:t>成本偏差是测量项目成本绩效的一种指标，表示为挣值与实际成本之差</a:t>
+            </a:r>
+            <a:endParaRPr lang="zh-CN" altLang="en-US"/>
+          </a:p>
+          <a:p>
+            <a:pPr marL="285750" indent="-285750" algn="l">
+              <a:buFont typeface="Arial" panose="020B0604020202020204" pitchFamily="34" charset="0"/>
+              <a:buChar char="•"/>
+            </a:pPr>
+            <a:r>
+              <a:rPr lang="zh-CN" altLang="en-US"/>
+              <a:t>表明在某个给定时点，项目的预算亏空或盈余量</a:t>
+            </a:r>
+            <a:endParaRPr lang="zh-CN" altLang="en-US"/>
+          </a:p>
+          <a:p>
+            <a:pPr marL="285750" indent="-285750" algn="l">
+              <a:buFont typeface="Arial" panose="020B0604020202020204" pitchFamily="34" charset="0"/>
+              <a:buChar char="•"/>
+            </a:pPr>
+            <a:r>
+              <a:rPr lang="zh-CN" altLang="en-US"/>
+              <a:t>项目结束时的成本偏差，就是完工预算</a:t>
+            </a:r>
+            <a:r>
+              <a:rPr lang="en-US" altLang="zh-CN"/>
+              <a:t>BAC</a:t>
+            </a:r>
+            <a:r>
+              <a:rPr lang="zh-CN" altLang="en-US"/>
+              <a:t>与实际成本之间的差值</a:t>
+            </a:r>
+            <a:endParaRPr lang="zh-CN" altLang="en-US"/>
+          </a:p>
+          <a:p>
+            <a:pPr marL="285750" indent="-285750" algn="l">
+              <a:buFont typeface="Arial" panose="020B0604020202020204" pitchFamily="34" charset="0"/>
+              <a:buChar char="•"/>
+            </a:pPr>
+            <a:r>
+              <a:rPr lang="zh-CN" altLang="en-US"/>
+              <a:t>公式：</a:t>
+            </a:r>
+            <a:r>
+              <a:rPr lang="en-US" altLang="zh-CN"/>
+              <a:t>CV=EV-AC</a:t>
+            </a:r>
+            <a:endParaRPr lang="en-US" altLang="zh-CN"/>
+          </a:p>
+          <a:p>
+            <a:pPr marL="285750" indent="-285750" algn="l">
+              <a:buFont typeface="Arial" panose="020B0604020202020204" pitchFamily="34" charset="0"/>
+              <a:buChar char="•"/>
+            </a:pPr>
+            <a:r>
+              <a:rPr lang="en-US" altLang="zh-CN"/>
+              <a:t>CV&gt;0 </a:t>
+            </a:r>
+            <a:r>
+              <a:rPr lang="zh-CN" altLang="en-US"/>
+              <a:t>成本节约</a:t>
+            </a:r>
+            <a:r>
+              <a:rPr lang="en-US" altLang="zh-CN"/>
+              <a:t>,CV&lt;0 </a:t>
+            </a:r>
+            <a:r>
+              <a:rPr lang="zh-CN" altLang="en-US"/>
+              <a:t>成本超支</a:t>
+            </a:r>
+            <a:endParaRPr lang="zh-CN" altLang="en-US"/>
+          </a:p>
+        </p:txBody>
+      </p:sp>
+    </p:spTree>
+  </p:cSld>
+  <p:clrMapOvr>
+    <a:masterClrMapping/>
+  </p:clrMapOvr>
+</p:sld>
+</file>
+
+<file path=ppt/slides/slide91.xml><?xml version="1.0" encoding="utf-8"?>
+<p:sld xmlns:a="http://schemas.openxmlformats.org/drawingml/2006/main" xmlns:r="http://schemas.openxmlformats.org/officeDocument/2006/relationships" xmlns:p="http://schemas.openxmlformats.org/presentationml/2006/main">
+  <p:cSld>
+    <p:spTree>
+      <p:nvGrpSpPr>
+        <p:cNvPr id="1" name=""/>
+        <p:cNvGrpSpPr/>
+        <p:nvPr/>
+      </p:nvGrpSpPr>
+      <p:grpSpPr/>
+      <p:sp>
+        <p:nvSpPr>
+          <p:cNvPr id="2" name="标题 1"/>
+          <p:cNvSpPr>
+            <a:spLocks noGrp="1"/>
+          </p:cNvSpPr>
+          <p:nvPr>
+            <p:ph type="ctrTitle"/>
+          </p:nvPr>
+        </p:nvSpPr>
+        <p:spPr>
+          <a:xfrm>
+            <a:off x="1187450" y="548640"/>
+            <a:ext cx="6858000" cy="878840"/>
+          </a:xfrm>
+        </p:spPr>
+        <p:txBody>
+          <a:bodyPr/>
+          <a:p>
+            <a:r>
+              <a:rPr lang="zh-CN" altLang="en-US"/>
+              <a:t>进度绩效指数</a:t>
+            </a:r>
+            <a:r>
+              <a:rPr lang="en-US" altLang="zh-CN"/>
+              <a:t>SPI</a:t>
+            </a:r>
+            <a:endParaRPr lang="en-US" altLang="zh-CN"/>
+          </a:p>
+        </p:txBody>
+      </p:sp>
+      <p:sp>
+        <p:nvSpPr>
+          <p:cNvPr id="3" name="副标题 2"/>
+          <p:cNvSpPr>
+            <a:spLocks noGrp="1"/>
+          </p:cNvSpPr>
+          <p:nvPr>
+            <p:ph type="subTitle" idx="1"/>
+          </p:nvPr>
+        </p:nvSpPr>
+        <p:spPr>
+          <a:xfrm>
+            <a:off x="1143000" y="1722120"/>
+            <a:ext cx="6858000" cy="3535680"/>
+          </a:xfrm>
+        </p:spPr>
+        <p:txBody>
+          <a:bodyPr/>
+          <a:p>
+            <a:pPr marL="285750" indent="-285750" algn="l">
+              <a:buFont typeface="Arial" panose="020B0604020202020204" pitchFamily="34" charset="0"/>
+              <a:buChar char="•"/>
+            </a:pPr>
+            <a:r>
+              <a:rPr lang="zh-CN" altLang="en-US"/>
+              <a:t>进度绩效指数是测量进度效率的一种指标，表示为挣值与计划价值之比</a:t>
+            </a:r>
+            <a:endParaRPr lang="zh-CN" altLang="en-US"/>
+          </a:p>
+          <a:p>
+            <a:pPr marL="285750" indent="-285750" algn="l">
+              <a:buFont typeface="Arial" panose="020B0604020202020204" pitchFamily="34" charset="0"/>
+              <a:buChar char="•"/>
+            </a:pPr>
+            <a:r>
+              <a:rPr lang="zh-CN" altLang="en-US"/>
+              <a:t>反映了项目团队利用时间的效率</a:t>
+            </a:r>
+            <a:endParaRPr lang="zh-CN" altLang="en-US"/>
+          </a:p>
+          <a:p>
+            <a:pPr marL="285750" indent="-285750" algn="l">
+              <a:buFont typeface="Arial" panose="020B0604020202020204" pitchFamily="34" charset="0"/>
+              <a:buChar char="•"/>
+            </a:pPr>
+            <a:r>
+              <a:rPr lang="zh-CN" altLang="en-US"/>
+              <a:t>由于</a:t>
+            </a:r>
+            <a:r>
+              <a:rPr lang="en-US" altLang="zh-CN"/>
+              <a:t>SPI</a:t>
+            </a:r>
+            <a:r>
+              <a:rPr lang="zh-CN" altLang="en-US"/>
+              <a:t>测量的是项目的总工作量，所以还需要对关键路径上的绩效进行单独分析，以确认项目是否将比计划完成日期提前或者推迟完工</a:t>
+            </a:r>
+            <a:endParaRPr lang="zh-CN" altLang="en-US"/>
+          </a:p>
+          <a:p>
+            <a:pPr marL="285750" indent="-285750" algn="l">
+              <a:buFont typeface="Arial" panose="020B0604020202020204" pitchFamily="34" charset="0"/>
+              <a:buChar char="•"/>
+            </a:pPr>
+            <a:r>
+              <a:rPr lang="zh-CN" altLang="en-US"/>
+              <a:t>公式：</a:t>
+            </a:r>
+            <a:r>
+              <a:rPr lang="en-US" altLang="zh-CN"/>
+              <a:t>SPI=EV/PV</a:t>
+            </a:r>
+            <a:endParaRPr lang="en-US" altLang="zh-CN"/>
+          </a:p>
+          <a:p>
+            <a:pPr marL="285750" indent="-285750" algn="l">
+              <a:buFont typeface="Arial" panose="020B0604020202020204" pitchFamily="34" charset="0"/>
+              <a:buChar char="•"/>
+            </a:pPr>
+            <a:r>
+              <a:rPr lang="en-US" altLang="zh-CN"/>
+              <a:t>SPI&gt;1 </a:t>
+            </a:r>
+            <a:r>
+              <a:rPr lang="zh-CN" altLang="en-US"/>
+              <a:t>进度提前</a:t>
+            </a:r>
+            <a:r>
+              <a:rPr lang="en-US" altLang="zh-CN"/>
+              <a:t>,SPI&lt;1 </a:t>
+            </a:r>
+            <a:r>
+              <a:rPr lang="zh-CN" altLang="en-US"/>
+              <a:t>进度落后</a:t>
+            </a:r>
+            <a:endParaRPr lang="zh-CN" altLang="en-US"/>
+          </a:p>
+        </p:txBody>
+      </p:sp>
+    </p:spTree>
+  </p:cSld>
+  <p:clrMapOvr>
+    <a:masterClrMapping/>
+  </p:clrMapOvr>
+</p:sld>
+</file>
+
+<file path=ppt/slides/slide92.xml><?xml version="1.0" encoding="utf-8"?>
+<p:sld xmlns:a="http://schemas.openxmlformats.org/drawingml/2006/main" xmlns:r="http://schemas.openxmlformats.org/officeDocument/2006/relationships" xmlns:p="http://schemas.openxmlformats.org/presentationml/2006/main">
+  <p:cSld>
+    <p:spTree>
+      <p:nvGrpSpPr>
+        <p:cNvPr id="1" name=""/>
+        <p:cNvGrpSpPr/>
+        <p:nvPr/>
+      </p:nvGrpSpPr>
+      <p:grpSpPr/>
+      <p:sp>
+        <p:nvSpPr>
+          <p:cNvPr id="2" name="标题 1"/>
+          <p:cNvSpPr>
+            <a:spLocks noGrp="1"/>
+          </p:cNvSpPr>
+          <p:nvPr>
+            <p:ph type="ctrTitle"/>
+          </p:nvPr>
+        </p:nvSpPr>
+        <p:spPr>
+          <a:xfrm>
+            <a:off x="1187450" y="548640"/>
+            <a:ext cx="6858000" cy="878840"/>
+          </a:xfrm>
+        </p:spPr>
+        <p:txBody>
+          <a:bodyPr/>
+          <a:p>
+            <a:r>
+              <a:rPr lang="zh-CN" altLang="en-US"/>
+              <a:t>成本绩效指数</a:t>
+            </a:r>
+            <a:r>
+              <a:rPr lang="en-US" altLang="zh-CN"/>
+              <a:t>CPI</a:t>
+            </a:r>
+            <a:endParaRPr lang="en-US" altLang="zh-CN"/>
+          </a:p>
+        </p:txBody>
+      </p:sp>
+      <p:sp>
+        <p:nvSpPr>
+          <p:cNvPr id="3" name="副标题 2"/>
+          <p:cNvSpPr>
+            <a:spLocks noGrp="1"/>
+          </p:cNvSpPr>
+          <p:nvPr>
+            <p:ph type="subTitle" idx="1"/>
+          </p:nvPr>
+        </p:nvSpPr>
+        <p:spPr>
+          <a:xfrm>
+            <a:off x="1143000" y="1722120"/>
+            <a:ext cx="6858000" cy="3535680"/>
+          </a:xfrm>
+        </p:spPr>
+        <p:txBody>
+          <a:bodyPr/>
+          <a:p>
+            <a:pPr marL="285750" indent="-285750" algn="l">
+              <a:buFont typeface="Arial" panose="020B0604020202020204" pitchFamily="34" charset="0"/>
+              <a:buChar char="•"/>
+            </a:pPr>
+            <a:r>
+              <a:rPr lang="zh-CN" altLang="en-US"/>
+              <a:t>成本绩效指数是测量预算资源的成本效率的一种指标，表示为挣值与实际成本之比</a:t>
+            </a:r>
+            <a:endParaRPr lang="zh-CN" altLang="en-US"/>
+          </a:p>
+          <a:p>
+            <a:pPr marL="285750" indent="-285750" algn="l">
+              <a:buFont typeface="Arial" panose="020B0604020202020204" pitchFamily="34" charset="0"/>
+              <a:buChar char="•"/>
+            </a:pPr>
+            <a:r>
+              <a:rPr lang="en-US" altLang="zh-CN"/>
+              <a:t>CPI</a:t>
+            </a:r>
+            <a:r>
+              <a:rPr lang="zh-CN" altLang="en-US"/>
+              <a:t>是最关键的</a:t>
+            </a:r>
+            <a:r>
+              <a:rPr lang="en-US" altLang="zh-CN"/>
+              <a:t>EVM</a:t>
+            </a:r>
+            <a:r>
+              <a:rPr lang="zh-CN" altLang="en-US"/>
+              <a:t>指标，用来测量已完成工作的成本效率</a:t>
+            </a:r>
+            <a:endParaRPr lang="zh-CN" altLang="en-US"/>
+          </a:p>
+          <a:p>
+            <a:pPr marL="285750" indent="-285750" algn="l">
+              <a:buFont typeface="Arial" panose="020B0604020202020204" pitchFamily="34" charset="0"/>
+              <a:buChar char="•"/>
+            </a:pPr>
+            <a:r>
+              <a:rPr lang="zh-CN" altLang="en-US"/>
+              <a:t>公式：</a:t>
+            </a:r>
+            <a:r>
+              <a:rPr lang="en-US" altLang="zh-CN"/>
+              <a:t>CPI=EV/AC</a:t>
+            </a:r>
+            <a:endParaRPr lang="en-US" altLang="zh-CN"/>
+          </a:p>
+          <a:p>
+            <a:pPr marL="285750" indent="-285750" algn="l">
+              <a:buFont typeface="Arial" panose="020B0604020202020204" pitchFamily="34" charset="0"/>
+              <a:buChar char="•"/>
+            </a:pPr>
+            <a:r>
+              <a:rPr lang="en-US" altLang="zh-CN"/>
+              <a:t>CPI&gt;1 </a:t>
+            </a:r>
+            <a:r>
+              <a:rPr lang="zh-CN" altLang="en-US"/>
+              <a:t>成本节约</a:t>
+            </a:r>
+            <a:r>
+              <a:rPr lang="en-US" altLang="zh-CN"/>
+              <a:t>,CPI&lt;1 </a:t>
+            </a:r>
+            <a:r>
+              <a:rPr lang="zh-CN" altLang="en-US"/>
+              <a:t>成本超支</a:t>
+            </a:r>
+            <a:endParaRPr lang="zh-CN" altLang="en-US"/>
+          </a:p>
+        </p:txBody>
+      </p:sp>
+    </p:spTree>
+  </p:cSld>
+  <p:clrMapOvr>
+    <a:masterClrMapping/>
+  </p:clrMapOvr>
+</p:sld>
+</file>
+
+<file path=ppt/slides/slide93.xml><?xml version="1.0" encoding="utf-8"?>
+<p:sld xmlns:a="http://schemas.openxmlformats.org/drawingml/2006/main" xmlns:r="http://schemas.openxmlformats.org/officeDocument/2006/relationships" xmlns:p="http://schemas.openxmlformats.org/presentationml/2006/main">
+  <p:cSld>
+    <p:spTree>
+      <p:nvGrpSpPr>
+        <p:cNvPr id="1" name=""/>
+        <p:cNvGrpSpPr/>
+        <p:nvPr/>
+      </p:nvGrpSpPr>
+      <p:grpSpPr/>
+      <p:sp>
+        <p:nvSpPr>
+          <p:cNvPr id="2" name="标题 1"/>
+          <p:cNvSpPr>
+            <a:spLocks noGrp="1"/>
+          </p:cNvSpPr>
+          <p:nvPr>
+            <p:ph type="ctrTitle"/>
+          </p:nvPr>
+        </p:nvSpPr>
+        <p:spPr>
+          <a:xfrm>
+            <a:off x="1187450" y="548640"/>
+            <a:ext cx="6858000" cy="878840"/>
+          </a:xfrm>
+        </p:spPr>
+        <p:txBody>
+          <a:bodyPr/>
+          <a:p>
+            <a:r>
+              <a:rPr lang="zh-CN" altLang="en-US"/>
+              <a:t>完工尚需估算</a:t>
+            </a:r>
+            <a:r>
+              <a:rPr lang="en-US" altLang="zh-CN"/>
+              <a:t>ETC</a:t>
+            </a:r>
+            <a:endParaRPr lang="en-US" altLang="zh-CN"/>
+          </a:p>
+        </p:txBody>
+      </p:sp>
+      <p:sp>
+        <p:nvSpPr>
+          <p:cNvPr id="3" name="副标题 2"/>
+          <p:cNvSpPr>
+            <a:spLocks noGrp="1"/>
+          </p:cNvSpPr>
+          <p:nvPr>
+            <p:ph type="subTitle" idx="1"/>
+          </p:nvPr>
+        </p:nvSpPr>
+        <p:spPr>
+          <a:xfrm>
+            <a:off x="1143000" y="1722120"/>
+            <a:ext cx="6858000" cy="3535680"/>
+          </a:xfrm>
+        </p:spPr>
+        <p:txBody>
+          <a:bodyPr/>
+          <a:p>
+            <a:pPr marL="285750" indent="-285750" algn="l">
+              <a:buFont typeface="Arial" panose="020B0604020202020204" pitchFamily="34" charset="0"/>
+              <a:buChar char="•"/>
+            </a:pPr>
+            <a:r>
+              <a:rPr lang="en-US" altLang="zh-CN"/>
+              <a:t>ETC</a:t>
+            </a:r>
+            <a:r>
+              <a:rPr lang="zh-CN" altLang="en-US"/>
+              <a:t>：完成剩余工作还需多少预算</a:t>
+            </a:r>
+            <a:endParaRPr lang="zh-CN" altLang="en-US"/>
+          </a:p>
+          <a:p>
+            <a:pPr marL="285750" indent="-285750" algn="l">
+              <a:buFont typeface="Arial" panose="020B0604020202020204" pitchFamily="34" charset="0"/>
+              <a:buChar char="•"/>
+            </a:pPr>
+            <a:r>
+              <a:rPr lang="zh-CN" altLang="en-US"/>
+              <a:t>典型情况时</a:t>
+            </a:r>
+            <a:endParaRPr lang="zh-CN" altLang="en-US"/>
+          </a:p>
+          <a:p>
+            <a:pPr marL="742950" lvl="1" indent="-285750" algn="l">
+              <a:buFont typeface="Arial" panose="020B0604020202020204" pitchFamily="34" charset="0"/>
+              <a:buChar char="•"/>
+            </a:pPr>
+            <a:r>
+              <a:rPr lang="zh-CN" altLang="en-US"/>
+              <a:t>当前的</a:t>
+            </a:r>
+            <a:r>
+              <a:rPr lang="en-US" altLang="zh-CN"/>
+              <a:t>CPI</a:t>
+            </a:r>
+            <a:r>
+              <a:rPr lang="zh-CN" altLang="en-US"/>
+              <a:t>在以后会继续</a:t>
+            </a:r>
+            <a:endParaRPr lang="zh-CN" altLang="en-US"/>
+          </a:p>
+          <a:p>
+            <a:pPr marL="742950" lvl="1" indent="-285750" algn="l">
+              <a:buFont typeface="Arial" panose="020B0604020202020204" pitchFamily="34" charset="0"/>
+              <a:buChar char="•"/>
+            </a:pPr>
+            <a:r>
+              <a:rPr lang="en-US" altLang="zh-CN"/>
+              <a:t>ETC=(BAC-EV)/CPI</a:t>
+            </a:r>
+            <a:endParaRPr lang="en-US" altLang="zh-CN"/>
+          </a:p>
+          <a:p>
+            <a:pPr marL="285750" lvl="0" indent="-285750" algn="l">
+              <a:buFont typeface="Arial" panose="020B0604020202020204" pitchFamily="34" charset="0"/>
+              <a:buChar char="•"/>
+            </a:pPr>
+            <a:r>
+              <a:rPr lang="zh-CN" altLang="en-US"/>
+              <a:t>非典型情况</a:t>
+            </a:r>
+            <a:endParaRPr lang="zh-CN" altLang="en-US"/>
+          </a:p>
+          <a:p>
+            <a:pPr marL="742950" lvl="1" indent="-285750" algn="l">
+              <a:buFont typeface="Arial" panose="020B0604020202020204" pitchFamily="34" charset="0"/>
+              <a:buChar char="•"/>
+            </a:pPr>
+            <a:r>
+              <a:rPr lang="zh-CN" altLang="en-US"/>
+              <a:t>当前的</a:t>
+            </a:r>
+            <a:r>
+              <a:rPr lang="en-US" altLang="zh-CN"/>
+              <a:t>CPI</a:t>
+            </a:r>
+            <a:r>
+              <a:rPr lang="zh-CN" altLang="en-US"/>
+              <a:t>不再延续，一切回归原计划轨道</a:t>
+            </a:r>
+            <a:endParaRPr lang="zh-CN" altLang="en-US"/>
+          </a:p>
+          <a:p>
+            <a:pPr marL="742950" lvl="1" indent="-285750" algn="l">
+              <a:buFont typeface="Arial" panose="020B0604020202020204" pitchFamily="34" charset="0"/>
+              <a:buChar char="•"/>
+            </a:pPr>
+            <a:r>
+              <a:rPr lang="en-US" altLang="zh-CN"/>
+              <a:t>ETC=BAC-EV</a:t>
+            </a:r>
+            <a:endParaRPr lang="en-US" altLang="zh-CN"/>
+          </a:p>
+          <a:p>
+            <a:pPr marL="285750" lvl="0" indent="-285750" algn="l">
+              <a:buFont typeface="Arial" panose="020B0604020202020204" pitchFamily="34" charset="0"/>
+              <a:buChar char="•"/>
+            </a:pPr>
+            <a:r>
+              <a:rPr lang="zh-CN" altLang="en-US"/>
+              <a:t>假如</a:t>
+            </a:r>
+            <a:r>
+              <a:rPr lang="en-US" altLang="zh-CN"/>
+              <a:t>CPI</a:t>
+            </a:r>
+            <a:r>
+              <a:rPr lang="zh-CN" altLang="en-US"/>
+              <a:t>和</a:t>
+            </a:r>
+            <a:r>
+              <a:rPr lang="en-US" altLang="zh-CN"/>
+              <a:t>SPI</a:t>
+            </a:r>
+            <a:r>
+              <a:rPr lang="zh-CN" altLang="en-US"/>
+              <a:t>同时影响</a:t>
+            </a:r>
+            <a:r>
+              <a:rPr lang="en-US" altLang="zh-CN"/>
+              <a:t>ETC</a:t>
+            </a:r>
+            <a:endParaRPr lang="en-US" altLang="zh-CN"/>
+          </a:p>
+          <a:p>
+            <a:pPr marL="742950" lvl="1" indent="-285750" algn="l">
+              <a:buFont typeface="Arial" panose="020B0604020202020204" pitchFamily="34" charset="0"/>
+              <a:buChar char="•"/>
+            </a:pPr>
+            <a:r>
+              <a:rPr lang="en-US" altLang="zh-CN"/>
+              <a:t>ETC=(BAC-EV)/(CPI*SPI)</a:t>
+            </a:r>
+            <a:endParaRPr lang="en-US" altLang="zh-CN"/>
+          </a:p>
+        </p:txBody>
+      </p:sp>
+    </p:spTree>
+  </p:cSld>
+  <p:clrMapOvr>
+    <a:masterClrMapping/>
+  </p:clrMapOvr>
+</p:sld>
+</file>
+
+<file path=ppt/slides/slide94.xml><?xml version="1.0" encoding="utf-8"?>
+<p:sld xmlns:a="http://schemas.openxmlformats.org/drawingml/2006/main" xmlns:r="http://schemas.openxmlformats.org/officeDocument/2006/relationships" xmlns:p="http://schemas.openxmlformats.org/presentationml/2006/main">
+  <p:cSld>
+    <p:spTree>
+      <p:nvGrpSpPr>
+        <p:cNvPr id="1" name=""/>
+        <p:cNvGrpSpPr/>
+        <p:nvPr/>
+      </p:nvGrpSpPr>
+      <p:grpSpPr/>
+      <p:sp>
+        <p:nvSpPr>
+          <p:cNvPr id="2" name="标题 1"/>
+          <p:cNvSpPr>
+            <a:spLocks noGrp="1"/>
+          </p:cNvSpPr>
+          <p:nvPr>
+            <p:ph type="ctrTitle"/>
+          </p:nvPr>
+        </p:nvSpPr>
+        <p:spPr>
+          <a:xfrm>
+            <a:off x="1187450" y="548640"/>
+            <a:ext cx="6858000" cy="878840"/>
+          </a:xfrm>
+        </p:spPr>
+        <p:txBody>
+          <a:bodyPr/>
+          <a:p>
+            <a:r>
+              <a:rPr lang="zh-CN" altLang="en-US"/>
+              <a:t>完工估算</a:t>
+            </a:r>
+            <a:r>
+              <a:rPr lang="en-US" altLang="zh-CN"/>
+              <a:t>EAC</a:t>
+            </a:r>
+            <a:endParaRPr lang="en-US" altLang="zh-CN"/>
+          </a:p>
+        </p:txBody>
+      </p:sp>
+      <p:sp>
+        <p:nvSpPr>
+          <p:cNvPr id="3" name="副标题 2"/>
+          <p:cNvSpPr>
+            <a:spLocks noGrp="1"/>
+          </p:cNvSpPr>
+          <p:nvPr>
+            <p:ph type="subTitle" idx="1"/>
+          </p:nvPr>
+        </p:nvSpPr>
+        <p:spPr>
+          <a:xfrm>
+            <a:off x="1143000" y="1722120"/>
+            <a:ext cx="6858000" cy="3535680"/>
+          </a:xfrm>
+        </p:spPr>
+        <p:txBody>
+          <a:bodyPr/>
+          <a:p>
+            <a:pPr marL="285750" indent="-285750" algn="l">
+              <a:buFont typeface="Arial" panose="020B0604020202020204" pitchFamily="34" charset="0"/>
+              <a:buChar char="•"/>
+            </a:pPr>
+            <a:r>
+              <a:rPr lang="zh-CN" altLang="en-US"/>
+              <a:t>在项目实施过程不同时点重新估算的完成整个项目所需的费用</a:t>
+            </a:r>
+            <a:endParaRPr lang="zh-CN" altLang="en-US"/>
+          </a:p>
+          <a:p>
+            <a:pPr marL="285750" indent="-285750" algn="l">
+              <a:buFont typeface="Arial" panose="020B0604020202020204" pitchFamily="34" charset="0"/>
+              <a:buChar char="•"/>
+            </a:pPr>
+            <a:r>
+              <a:rPr lang="zh-CN" altLang="en-US"/>
+              <a:t>公式：</a:t>
+            </a:r>
+            <a:r>
+              <a:rPr lang="en-US" altLang="zh-CN"/>
+              <a:t>EAC=AC+ETC</a:t>
+            </a:r>
+            <a:endParaRPr lang="en-US" altLang="zh-CN"/>
+          </a:p>
+          <a:p>
+            <a:pPr marL="285750" indent="-285750" algn="l">
+              <a:buFont typeface="Arial" panose="020B0604020202020204" pitchFamily="34" charset="0"/>
+              <a:buChar char="•"/>
+            </a:pPr>
+            <a:r>
+              <a:rPr lang="zh-CN" altLang="en-US"/>
+              <a:t>分典型和非典型的</a:t>
+            </a:r>
+            <a:r>
+              <a:rPr lang="en-US" altLang="zh-CN"/>
+              <a:t>ETC</a:t>
+            </a:r>
+            <a:endParaRPr lang="en-US" altLang="zh-CN"/>
+          </a:p>
+        </p:txBody>
+      </p:sp>
+    </p:spTree>
+  </p:cSld>
+  <p:clrMapOvr>
+    <a:masterClrMapping/>
+  </p:clrMapOvr>
+</p:sld>
+</file>
+
+<file path=ppt/slides/slide95.xml><?xml version="1.0" encoding="utf-8"?>
+<p:sld xmlns:a="http://schemas.openxmlformats.org/drawingml/2006/main" xmlns:r="http://schemas.openxmlformats.org/officeDocument/2006/relationships" xmlns:p="http://schemas.openxmlformats.org/presentationml/2006/main">
+  <p:cSld>
+    <p:spTree>
+      <p:nvGrpSpPr>
+        <p:cNvPr id="1" name=""/>
+        <p:cNvGrpSpPr/>
+        <p:nvPr/>
+      </p:nvGrpSpPr>
+      <p:grpSpPr/>
+      <p:sp>
+        <p:nvSpPr>
+          <p:cNvPr id="2" name="标题 1"/>
+          <p:cNvSpPr>
+            <a:spLocks noGrp="1"/>
+          </p:cNvSpPr>
+          <p:nvPr>
+            <p:ph type="ctrTitle"/>
+          </p:nvPr>
+        </p:nvSpPr>
+        <p:spPr>
+          <a:xfrm>
+            <a:off x="1187450" y="548640"/>
+            <a:ext cx="6858000" cy="878840"/>
+          </a:xfrm>
+        </p:spPr>
+        <p:txBody>
+          <a:bodyPr/>
+          <a:p>
+            <a:r>
+              <a:rPr lang="zh-CN" altLang="en-US"/>
+              <a:t>完工尚需绩效指数</a:t>
+            </a:r>
+            <a:r>
+              <a:rPr lang="en-US" altLang="zh-CN"/>
+              <a:t>TCPI</a:t>
+            </a:r>
+            <a:endParaRPr lang="en-US" altLang="zh-CN"/>
+          </a:p>
+        </p:txBody>
+      </p:sp>
+      <p:sp>
+        <p:nvSpPr>
+          <p:cNvPr id="3" name="副标题 2"/>
+          <p:cNvSpPr>
+            <a:spLocks noGrp="1"/>
+          </p:cNvSpPr>
+          <p:nvPr>
+            <p:ph type="subTitle" idx="1"/>
+          </p:nvPr>
+        </p:nvSpPr>
+        <p:spPr>
+          <a:xfrm>
+            <a:off x="1143000" y="1722120"/>
+            <a:ext cx="6858000" cy="3535680"/>
+          </a:xfrm>
+        </p:spPr>
+        <p:txBody>
+          <a:bodyPr/>
+          <a:p>
+            <a:pPr marL="285750" indent="-285750" algn="l">
+              <a:buFont typeface="Arial" panose="020B0604020202020204" pitchFamily="34" charset="0"/>
+              <a:buChar char="•"/>
+            </a:pPr>
+            <a:r>
+              <a:rPr lang="en-US" altLang="zh-CN"/>
+              <a:t>TCPI</a:t>
+            </a:r>
+            <a:r>
+              <a:rPr lang="zh-CN" altLang="en-US"/>
+              <a:t>是为了实现特定的管理目标（</a:t>
+            </a:r>
+            <a:r>
+              <a:rPr lang="en-US" altLang="zh-CN"/>
+              <a:t>BAC</a:t>
+            </a:r>
+            <a:r>
+              <a:rPr lang="zh-CN" altLang="en-US"/>
+              <a:t>或</a:t>
+            </a:r>
+            <a:r>
+              <a:rPr lang="en-US" altLang="zh-CN"/>
+              <a:t>EAC</a:t>
+            </a:r>
+            <a:r>
+              <a:rPr lang="zh-CN" altLang="en-US"/>
+              <a:t>），剩余工作必须达到的成本绩效指标</a:t>
+            </a:r>
+            <a:endParaRPr lang="zh-CN" altLang="en-US"/>
+          </a:p>
+          <a:p>
+            <a:pPr marL="285750" indent="-285750" algn="l">
+              <a:buFont typeface="Arial" panose="020B0604020202020204" pitchFamily="34" charset="0"/>
+              <a:buChar char="•"/>
+            </a:pPr>
+            <a:r>
+              <a:rPr lang="zh-CN" altLang="en-US"/>
+              <a:t>当</a:t>
+            </a:r>
+            <a:r>
+              <a:rPr lang="en-US" altLang="zh-CN"/>
+              <a:t>BAC</a:t>
+            </a:r>
+            <a:r>
+              <a:rPr lang="zh-CN" altLang="en-US"/>
+              <a:t>已经明显不可行时，可以考虑采用</a:t>
+            </a:r>
+            <a:r>
+              <a:rPr lang="en-US" altLang="zh-CN"/>
+              <a:t>EAC</a:t>
+            </a:r>
+            <a:endParaRPr lang="en-US" altLang="zh-CN"/>
+          </a:p>
+          <a:p>
+            <a:pPr marL="285750" indent="-285750" algn="l">
+              <a:buFont typeface="Arial" panose="020B0604020202020204" pitchFamily="34" charset="0"/>
+              <a:buChar char="•"/>
+            </a:pPr>
+            <a:r>
+              <a:rPr lang="zh-CN" altLang="en-US"/>
+              <a:t>公式：</a:t>
+            </a:r>
+            <a:r>
+              <a:rPr lang="en-US" altLang="zh-CN"/>
+              <a:t>TCPI=</a:t>
+            </a:r>
+            <a:r>
+              <a:rPr lang="zh-CN" altLang="en-US"/>
+              <a:t>剩余工作</a:t>
+            </a:r>
+            <a:r>
+              <a:rPr lang="en-US" altLang="zh-CN"/>
+              <a:t>/</a:t>
+            </a:r>
+            <a:r>
+              <a:rPr lang="zh-CN" altLang="en-US"/>
+              <a:t>剩余资金</a:t>
+            </a:r>
+            <a:endParaRPr lang="zh-CN" altLang="en-US"/>
+          </a:p>
+          <a:p>
+            <a:pPr marL="285750" indent="-285750" algn="l">
+              <a:buFont typeface="Arial" panose="020B0604020202020204" pitchFamily="34" charset="0"/>
+              <a:buChar char="•"/>
+            </a:pPr>
+            <a:r>
+              <a:rPr lang="zh-CN" altLang="en-US"/>
+              <a:t>基于</a:t>
+            </a:r>
+            <a:r>
+              <a:rPr lang="en-US" altLang="zh-CN"/>
+              <a:t>BAC</a:t>
+            </a:r>
+            <a:endParaRPr lang="en-US" altLang="zh-CN"/>
+          </a:p>
+          <a:p>
+            <a:pPr marL="742950" lvl="1" indent="-285750" algn="l">
+              <a:buFont typeface="Arial" panose="020B0604020202020204" pitchFamily="34" charset="0"/>
+              <a:buChar char="•"/>
+            </a:pPr>
+            <a:r>
+              <a:rPr lang="en-US" altLang="zh-CN"/>
+              <a:t>TCPI=(BAC-EV)/(BAC-AC)</a:t>
+            </a:r>
+            <a:endParaRPr lang="en-US" altLang="zh-CN"/>
+          </a:p>
+          <a:p>
+            <a:pPr marL="285750" lvl="0" indent="-285750" algn="l">
+              <a:buFont typeface="Arial" panose="020B0604020202020204" pitchFamily="34" charset="0"/>
+              <a:buChar char="•"/>
+            </a:pPr>
+            <a:r>
+              <a:rPr lang="zh-CN" altLang="en-US"/>
+              <a:t>基于</a:t>
+            </a:r>
+            <a:r>
+              <a:rPr lang="en-US" altLang="zh-CN"/>
+              <a:t>EAC</a:t>
+            </a:r>
+            <a:endParaRPr lang="en-US" altLang="zh-CN"/>
+          </a:p>
+          <a:p>
+            <a:pPr marL="742950" lvl="1" indent="-285750" algn="l">
+              <a:buFont typeface="Arial" panose="020B0604020202020204" pitchFamily="34" charset="0"/>
+              <a:buChar char="•"/>
+            </a:pPr>
+            <a:r>
+              <a:rPr lang="zh-CN" altLang="en-US"/>
+              <a:t>典型情况：</a:t>
+            </a:r>
+            <a:r>
+              <a:rPr lang="en-US" altLang="zh-CN"/>
+              <a:t>TCPI=(BAC-EV)/(EAC-AC)=CPI</a:t>
+            </a:r>
+            <a:endParaRPr lang="en-US" altLang="zh-CN"/>
+          </a:p>
+          <a:p>
+            <a:pPr marL="742950" lvl="1" indent="-285750" algn="l">
+              <a:buFont typeface="Arial" panose="020B0604020202020204" pitchFamily="34" charset="0"/>
+              <a:buChar char="•"/>
+            </a:pPr>
+            <a:r>
+              <a:rPr lang="zh-CN" altLang="en-US"/>
+              <a:t>非典型情况：</a:t>
+            </a:r>
+            <a:r>
+              <a:rPr lang="en-US" altLang="zh-CN"/>
+              <a:t>TCPI=(BAC-EV)/(EAC-AC)</a:t>
+            </a:r>
+            <a:endParaRPr lang="en-US" altLang="zh-CN"/>
+          </a:p>
+        </p:txBody>
+      </p:sp>
+    </p:spTree>
+  </p:cSld>
+  <p:clrMapOvr>
+    <a:masterClrMapping/>
+  </p:clrMapOvr>
+</p:sld>
+</file>
+
+<file path=ppt/slides/slide96.xml><?xml version="1.0" encoding="utf-8"?>
+<p:sld xmlns:a="http://schemas.openxmlformats.org/drawingml/2006/main" xmlns:r="http://schemas.openxmlformats.org/officeDocument/2006/relationships" xmlns:p="http://schemas.openxmlformats.org/presentationml/2006/main">
+  <p:cSld>
+    <p:spTree>
+      <p:nvGrpSpPr>
+        <p:cNvPr id="1" name=""/>
+        <p:cNvGrpSpPr/>
+        <p:nvPr/>
+      </p:nvGrpSpPr>
+      <p:grpSpPr/>
+      <p:sp>
+        <p:nvSpPr>
+          <p:cNvPr id="2" name="标题 1"/>
+          <p:cNvSpPr>
+            <a:spLocks noGrp="1"/>
+          </p:cNvSpPr>
+          <p:nvPr>
+            <p:ph type="ctrTitle"/>
+          </p:nvPr>
+        </p:nvSpPr>
+        <p:spPr>
+          <a:xfrm>
+            <a:off x="1187450" y="548640"/>
+            <a:ext cx="6858000" cy="878840"/>
+          </a:xfrm>
+        </p:spPr>
+        <p:txBody>
+          <a:bodyPr/>
+          <a:p>
+            <a:r>
+              <a:rPr lang="zh-CN" altLang="en-US"/>
+              <a:t>完工偏差</a:t>
+            </a:r>
+            <a:r>
+              <a:rPr lang="en-US" altLang="zh-CN"/>
+              <a:t>VAC</a:t>
+            </a:r>
+            <a:endParaRPr lang="en-US" altLang="zh-CN"/>
+          </a:p>
+        </p:txBody>
+      </p:sp>
+      <p:sp>
+        <p:nvSpPr>
+          <p:cNvPr id="3" name="副标题 2"/>
+          <p:cNvSpPr>
+            <a:spLocks noGrp="1"/>
+          </p:cNvSpPr>
+          <p:nvPr>
+            <p:ph type="subTitle" idx="1"/>
+          </p:nvPr>
+        </p:nvSpPr>
+        <p:spPr>
+          <a:xfrm>
+            <a:off x="1143000" y="1722120"/>
+            <a:ext cx="6858000" cy="3535680"/>
+          </a:xfrm>
+        </p:spPr>
+        <p:txBody>
+          <a:bodyPr/>
+          <a:p>
+            <a:pPr marL="285750" indent="-285750" algn="l">
+              <a:buFont typeface="Arial" panose="020B0604020202020204" pitchFamily="34" charset="0"/>
+              <a:buChar char="•"/>
+            </a:pPr>
+            <a:r>
+              <a:rPr lang="zh-CN" altLang="en-US"/>
+              <a:t>预测当项目工作全部完成时，项目的总成本会超支还是结余</a:t>
+            </a:r>
+            <a:endParaRPr lang="zh-CN" altLang="en-US"/>
+          </a:p>
+          <a:p>
+            <a:pPr marL="285750" indent="-285750" algn="l">
+              <a:buFont typeface="Arial" panose="020B0604020202020204" pitchFamily="34" charset="0"/>
+              <a:buChar char="•"/>
+            </a:pPr>
+            <a:r>
+              <a:rPr lang="zh-CN" altLang="en-US"/>
+              <a:t>公式：</a:t>
+            </a:r>
+            <a:r>
+              <a:rPr lang="en-US" altLang="zh-CN"/>
+              <a:t>VAC=BAC-EAC</a:t>
+            </a:r>
+            <a:endParaRPr lang="en-US" altLang="zh-CN"/>
+          </a:p>
+        </p:txBody>
+      </p:sp>
+    </p:spTree>
+  </p:cSld>
+  <p:clrMapOvr>
+    <a:masterClrMapping/>
+  </p:clrMapOvr>
+</p:sld>
+</file>
+
+<file path=ppt/slides/slide97.xml><?xml version="1.0" encoding="utf-8"?>
+<p:sld xmlns:a="http://schemas.openxmlformats.org/drawingml/2006/main" xmlns:r="http://schemas.openxmlformats.org/officeDocument/2006/relationships" xmlns:p="http://schemas.openxmlformats.org/presentationml/2006/main">
+  <p:cSld>
+    <p:spTree>
+      <p:nvGrpSpPr>
+        <p:cNvPr id="1" name=""/>
+        <p:cNvGrpSpPr/>
+        <p:nvPr/>
+      </p:nvGrpSpPr>
+      <p:grpSpPr/>
+      <p:sp>
+        <p:nvSpPr>
+          <p:cNvPr id="2" name="标题 1"/>
+          <p:cNvSpPr>
+            <a:spLocks noGrp="1"/>
+          </p:cNvSpPr>
+          <p:nvPr>
+            <p:ph type="ctrTitle"/>
+          </p:nvPr>
+        </p:nvSpPr>
+        <p:spPr>
+          <a:xfrm>
+            <a:off x="1187450" y="548640"/>
+            <a:ext cx="6858000" cy="878840"/>
+          </a:xfrm>
+        </p:spPr>
+        <p:txBody>
+          <a:bodyPr/>
+          <a:p>
+            <a:r>
+              <a:rPr lang="zh-CN" altLang="en-US"/>
+              <a:t>挣值测量技术</a:t>
+            </a:r>
+            <a:endParaRPr lang="zh-CN" altLang="en-US"/>
+          </a:p>
+        </p:txBody>
+      </p:sp>
+      <p:sp>
+        <p:nvSpPr>
+          <p:cNvPr id="3" name="副标题 2"/>
+          <p:cNvSpPr>
+            <a:spLocks noGrp="1"/>
+          </p:cNvSpPr>
+          <p:nvPr>
+            <p:ph type="subTitle" idx="1"/>
+          </p:nvPr>
+        </p:nvSpPr>
+        <p:spPr>
+          <a:xfrm>
+            <a:off x="1143000" y="1722120"/>
+            <a:ext cx="6858000" cy="3535680"/>
+          </a:xfrm>
+        </p:spPr>
+        <p:txBody>
+          <a:bodyPr/>
+          <a:p>
+            <a:pPr marL="285750" indent="-285750" algn="l">
+              <a:buFont typeface="Arial" panose="020B0604020202020204" pitchFamily="34" charset="0"/>
+              <a:buChar char="•"/>
+            </a:pPr>
+            <a:r>
+              <a:rPr lang="zh-CN" altLang="en-US"/>
+              <a:t>加权里程碑法（适用于有客观的中间结果）</a:t>
+            </a:r>
+            <a:endParaRPr lang="zh-CN" altLang="en-US"/>
+          </a:p>
+          <a:p>
+            <a:pPr marL="742950" lvl="1" indent="-285750" algn="l">
+              <a:buFont typeface="Arial" panose="020B0604020202020204" pitchFamily="34" charset="0"/>
+              <a:buChar char="•"/>
+            </a:pPr>
+            <a:r>
+              <a:rPr lang="zh-CN" altLang="en-US" sz="1500"/>
+              <a:t>对控制账户或工作包规定里程碑及相应权重，某个里程碑实现了，就视为完成了多少工作量</a:t>
+            </a:r>
+            <a:endParaRPr lang="zh-CN" altLang="en-US"/>
+          </a:p>
+          <a:p>
+            <a:pPr marL="285750" indent="-285750" algn="l">
+              <a:buFont typeface="Arial" panose="020B0604020202020204" pitchFamily="34" charset="0"/>
+              <a:buChar char="•"/>
+            </a:pPr>
+            <a:r>
+              <a:rPr lang="zh-CN" altLang="en-US"/>
+              <a:t>完成百分比法（主要适用于专家主观判断）</a:t>
+            </a:r>
+            <a:endParaRPr lang="zh-CN" altLang="en-US"/>
+          </a:p>
+          <a:p>
+            <a:pPr marL="742950" lvl="1" indent="-285750" algn="l">
+              <a:buFont typeface="Arial" panose="020B0604020202020204" pitchFamily="34" charset="0"/>
+              <a:buChar char="•"/>
+            </a:pPr>
+            <a:r>
+              <a:rPr lang="zh-CN" altLang="en-US" sz="1500"/>
+              <a:t>实际测量已完成工作量，并计算已完成工作量占总工作量的百分比</a:t>
+            </a:r>
+            <a:endParaRPr lang="zh-CN" altLang="en-US"/>
+          </a:p>
+          <a:p>
+            <a:pPr marL="285750" indent="-285750" algn="l">
+              <a:buFont typeface="Arial" panose="020B0604020202020204" pitchFamily="34" charset="0"/>
+              <a:buChar char="•"/>
+            </a:pPr>
+            <a:r>
+              <a:rPr lang="zh-CN" altLang="en-US"/>
+              <a:t>固定公式法</a:t>
+            </a:r>
+            <a:endParaRPr lang="zh-CN" altLang="en-US"/>
+          </a:p>
+          <a:p>
+            <a:pPr marL="742950" lvl="1" indent="-285750" algn="l">
+              <a:buFont typeface="Arial" panose="020B0604020202020204" pitchFamily="34" charset="0"/>
+              <a:buChar char="•"/>
+            </a:pPr>
+            <a:r>
+              <a:rPr lang="en-US" altLang="zh-CN"/>
+              <a:t>50-50</a:t>
+            </a:r>
+            <a:r>
+              <a:rPr lang="zh-CN" altLang="en-US"/>
+              <a:t>法则</a:t>
+            </a:r>
+            <a:endParaRPr lang="zh-CN" altLang="en-US"/>
+          </a:p>
+          <a:p>
+            <a:pPr marL="1200150" lvl="2" indent="-285750" algn="l">
+              <a:buFont typeface="Arial" panose="020B0604020202020204" pitchFamily="34" charset="0"/>
+              <a:buChar char="•"/>
+            </a:pPr>
+            <a:r>
+              <a:rPr lang="zh-CN" altLang="en-US"/>
+              <a:t>一项工作包任务一旦开始即赋予</a:t>
+            </a:r>
+            <a:r>
+              <a:rPr lang="en-US" altLang="zh-CN"/>
+              <a:t>50%</a:t>
+            </a:r>
+            <a:r>
+              <a:rPr lang="zh-CN" altLang="en-US"/>
+              <a:t>的计划价值作为挣值</a:t>
+            </a:r>
+            <a:endParaRPr lang="zh-CN" altLang="en-US"/>
+          </a:p>
+          <a:p>
+            <a:pPr marL="1200150" lvl="2" indent="-285750" algn="l">
+              <a:buFont typeface="Arial" panose="020B0604020202020204" pitchFamily="34" charset="0"/>
+              <a:buChar char="•"/>
+            </a:pPr>
+            <a:r>
+              <a:rPr lang="zh-CN" altLang="en-US"/>
+              <a:t>直到工作包完成前，都维持该挣值</a:t>
+            </a:r>
+            <a:endParaRPr lang="zh-CN" altLang="en-US"/>
+          </a:p>
+          <a:p>
+            <a:pPr marL="1200150" lvl="2" indent="-285750" algn="l">
+              <a:buFont typeface="Arial" panose="020B0604020202020204" pitchFamily="34" charset="0"/>
+              <a:buChar char="•"/>
+            </a:pPr>
+            <a:r>
+              <a:rPr lang="zh-CN" altLang="en-US"/>
+              <a:t>一旦完成该工作包，则赋予</a:t>
+            </a:r>
+            <a:r>
+              <a:rPr lang="en-US" altLang="zh-CN"/>
+              <a:t>100%</a:t>
+            </a:r>
+            <a:r>
+              <a:rPr lang="zh-CN" altLang="en-US"/>
+              <a:t>的计划价值作为挣值</a:t>
+            </a:r>
+            <a:endParaRPr lang="zh-CN" altLang="en-US"/>
+          </a:p>
+          <a:p>
+            <a:pPr marL="742950" lvl="1" indent="-285750" algn="l">
+              <a:buFont typeface="Arial" panose="020B0604020202020204" pitchFamily="34" charset="0"/>
+              <a:buChar char="•"/>
+            </a:pPr>
+            <a:r>
+              <a:rPr lang="en-US" altLang="zh-CN"/>
+              <a:t>20-80</a:t>
+            </a:r>
+            <a:r>
+              <a:rPr lang="zh-CN" altLang="en-US"/>
+              <a:t>法则</a:t>
+            </a:r>
+            <a:endParaRPr lang="zh-CN" altLang="en-US"/>
+          </a:p>
+          <a:p>
+            <a:pPr marL="1200150" lvl="2" indent="-285750" algn="l">
+              <a:buFont typeface="Arial" panose="020B0604020202020204" pitchFamily="34" charset="0"/>
+              <a:buChar char="•"/>
+            </a:pPr>
+            <a:r>
+              <a:rPr lang="en-US" altLang="zh-CN" sz="1350"/>
+              <a:t>80%</a:t>
+            </a:r>
+            <a:r>
+              <a:rPr lang="zh-CN" altLang="en-US" sz="1350"/>
+              <a:t>的产出源自</a:t>
+            </a:r>
+            <a:r>
+              <a:rPr lang="en-US" altLang="zh-CN" sz="1350"/>
+              <a:t>20%</a:t>
+            </a:r>
+            <a:r>
+              <a:rPr lang="zh-CN" altLang="en-US" sz="1350"/>
+              <a:t>的投入，</a:t>
+            </a:r>
+            <a:r>
+              <a:rPr lang="en-US" altLang="zh-CN" sz="1350"/>
+              <a:t>80%</a:t>
+            </a:r>
+            <a:r>
+              <a:rPr lang="zh-CN" altLang="en-US" sz="1350"/>
+              <a:t>的结论源自</a:t>
+            </a:r>
+            <a:r>
+              <a:rPr lang="en-US" altLang="zh-CN" sz="1350"/>
+              <a:t>20%</a:t>
+            </a:r>
+            <a:r>
+              <a:rPr lang="zh-CN" altLang="en-US" sz="1350"/>
+              <a:t>的起因，</a:t>
+            </a:r>
+            <a:r>
+              <a:rPr lang="en-US" altLang="zh-CN" sz="1350"/>
+              <a:t>80%</a:t>
+            </a:r>
+            <a:r>
+              <a:rPr lang="zh-CN" altLang="en-US" sz="1350"/>
+              <a:t>的收获源自</a:t>
+            </a:r>
+            <a:r>
+              <a:rPr lang="en-US" altLang="zh-CN" sz="1350"/>
+              <a:t>20%</a:t>
+            </a:r>
+            <a:r>
+              <a:rPr lang="zh-CN" altLang="en-US" sz="1350"/>
+              <a:t>的努力</a:t>
+            </a:r>
+            <a:endParaRPr lang="zh-CN" altLang="en-US"/>
+          </a:p>
+          <a:p>
+            <a:pPr marL="742950" lvl="1" indent="-285750" algn="l">
+              <a:buFont typeface="Arial" panose="020B0604020202020204" pitchFamily="34" charset="0"/>
+              <a:buChar char="•"/>
+            </a:pPr>
+            <a:r>
+              <a:rPr lang="en-US" altLang="zh-CN"/>
+              <a:t>0-100</a:t>
+            </a:r>
+            <a:r>
+              <a:rPr lang="zh-CN" altLang="en-US"/>
+              <a:t>法则</a:t>
+            </a:r>
+            <a:endParaRPr lang="zh-CN" altLang="en-US"/>
+          </a:p>
+        </p:txBody>
+      </p:sp>
+    </p:spTree>
+  </p:cSld>
+  <p:clrMapOvr>
+    <a:masterClrMapping/>
+  </p:clrMapOvr>
+</p:sld>
+</file>
+
+<file path=ppt/slides/slide98.xml><?xml version="1.0" encoding="utf-8"?>
+<p:sld xmlns:a="http://schemas.openxmlformats.org/drawingml/2006/main" xmlns:r="http://schemas.openxmlformats.org/officeDocument/2006/relationships" xmlns:p="http://schemas.openxmlformats.org/presentationml/2006/main">
+  <p:cSld>
+    <p:spTree>
+      <p:nvGrpSpPr>
+        <p:cNvPr id="1" name=""/>
+        <p:cNvGrpSpPr/>
+        <p:nvPr/>
+      </p:nvGrpSpPr>
+      <p:grpSpPr/>
+      <p:sp>
+        <p:nvSpPr>
+          <p:cNvPr id="2" name="标题 1"/>
+          <p:cNvSpPr>
+            <a:spLocks noGrp="1"/>
+          </p:cNvSpPr>
+          <p:nvPr>
+            <p:ph type="ctrTitle"/>
+          </p:nvPr>
+        </p:nvSpPr>
+        <p:spPr>
+          <a:xfrm>
+            <a:off x="1187450" y="548640"/>
+            <a:ext cx="6858000" cy="878840"/>
+          </a:xfrm>
+        </p:spPr>
+        <p:txBody>
+          <a:bodyPr/>
+          <a:p>
+            <a:r>
+              <a:rPr lang="zh-CN" altLang="en-US"/>
+              <a:t>创建</a:t>
+            </a:r>
+            <a:r>
+              <a:rPr lang="en-US" altLang="zh-CN"/>
+              <a:t>WBS---</a:t>
+            </a:r>
+            <a:r>
+              <a:rPr lang="zh-CN" altLang="en-US"/>
+              <a:t>输出</a:t>
+            </a:r>
+            <a:endParaRPr lang="zh-CN" altLang="en-US"/>
+          </a:p>
+        </p:txBody>
+      </p:sp>
+      <p:sp>
+        <p:nvSpPr>
+          <p:cNvPr id="3" name="副标题 2"/>
+          <p:cNvSpPr>
+            <a:spLocks noGrp="1"/>
+          </p:cNvSpPr>
+          <p:nvPr>
+            <p:ph type="subTitle" idx="1"/>
+          </p:nvPr>
+        </p:nvSpPr>
+        <p:spPr>
+          <a:xfrm>
+            <a:off x="1143000" y="1722120"/>
+            <a:ext cx="6858000" cy="3535680"/>
+          </a:xfrm>
+        </p:spPr>
+        <p:txBody>
+          <a:bodyPr/>
+          <a:p>
+            <a:pPr marL="285750" indent="-285750" algn="l">
+              <a:buFont typeface="Arial" panose="020B0604020202020204" pitchFamily="34" charset="0"/>
+              <a:buChar char="•"/>
+            </a:pPr>
+            <a:endParaRPr lang="zh-CN" altLang="en-US"/>
+          </a:p>
+        </p:txBody>
+      </p:sp>
+    </p:spTree>
+  </p:cSld>
+  <p:clrMapOvr>
+    <a:masterClrMapping/>
+  </p:clrMapOvr>
+</p:sld>
+</file>
+
+<file path=ppt/slides/slide99.xml><?xml version="1.0" encoding="utf-8"?>
 <p:sld xmlns:a="http://schemas.openxmlformats.org/drawingml/2006/main" xmlns:r="http://schemas.openxmlformats.org/officeDocument/2006/relationships" xmlns:p="http://schemas.openxmlformats.org/presentationml/2006/main">
   <p:cSld>
     <p:spTree>
@@ -23266,6 +31442,34 @@
 </file>
 
 <file path=ppt/tags/tag5.xml><?xml version="1.0" encoding="utf-8"?>
+<p:tagLst xmlns:p="http://schemas.openxmlformats.org/presentationml/2006/main">
+  <p:tag name="KSO_WM_UNIT_TABLE_BEAUTIFY" val="smartTable{e31387c8-e4f7-4265-8bf3-1a9e5a40d555}"/>
+  <p:tag name="TABLE_ENDDRAG_ORIGIN_RECT" val="503*251"/>
+  <p:tag name="TABLE_ENDDRAG_RECT" val="108*146*503*251"/>
+</p:tagLst>
+</file>
+
+<file path=ppt/tags/tag6.xml><?xml version="1.0" encoding="utf-8"?>
+<p:tagLst xmlns:p="http://schemas.openxmlformats.org/presentationml/2006/main">
+  <p:tag name="KSO_WM_UNIT_PLACING_PICTURE_USER_VIEWPORT" val="{&quot;height&quot;:5592,&quot;width&quot;:10776}"/>
+</p:tagLst>
+</file>
+
+<file path=ppt/tags/tag7.xml><?xml version="1.0" encoding="utf-8"?>
+<p:tagLst xmlns:p="http://schemas.openxmlformats.org/presentationml/2006/main">
+  <p:tag name="KSO_WM_UNIT_TABLE_BEAUTIFY" val="smartTable{e5a5b402-f8ab-422f-a7f5-f2923b186399}"/>
+</p:tagLst>
+</file>
+
+<file path=ppt/tags/tag8.xml><?xml version="1.0" encoding="utf-8"?>
+<p:tagLst xmlns:p="http://schemas.openxmlformats.org/presentationml/2006/main">
+  <p:tag name="KSO_WM_UNIT_TABLE_BEAUTIFY" val="smartTable{698528c7-627e-4cb8-95d8-d28e17174d11}"/>
+  <p:tag name="TABLE_ENDDRAG_ORIGIN_RECT" val="537*30"/>
+  <p:tag name="TABLE_ENDDRAG_RECT" val="90*105*537*30"/>
+</p:tagLst>
+</file>
+
+<file path=ppt/tags/tag9.xml><?xml version="1.0" encoding="utf-8"?>
 <p:tagLst xmlns:p="http://schemas.openxmlformats.org/presentationml/2006/main">
   <p:tag name="COMMONDATA" val="eyJoZGlkIjoiODFlZGE4MGI2NmJkMTA2MDhiN2M0ZTQ3ZTBjOGZkODMifQ=="/>
   <p:tag name="KSO_WPP_MARK_KEY" val="47c5c92e-8d68-48c9-86dd-2b771c66272c"/>
